--- a/schematic/schematic.pptx
+++ b/schematic/schematic.pptx
@@ -304,7 +304,7 @@
           <a:p>
             <a:fld id="{7EA9887D-33AD-AB4E-8FC3-272D5FAA8603}" type="datetimeFigureOut">
               <a:rPr lang="en-US" smtClean="0"/>
-              <a:t>9/24/19</a:t>
+              <a:t>10/16/19</a:t>
             </a:fld>
             <a:endParaRPr lang="en-US"/>
           </a:p>
@@ -474,7 +474,7 @@
           <a:p>
             <a:fld id="{7EA9887D-33AD-AB4E-8FC3-272D5FAA8603}" type="datetimeFigureOut">
               <a:rPr lang="en-US" smtClean="0"/>
-              <a:t>9/24/19</a:t>
+              <a:t>10/16/19</a:t>
             </a:fld>
             <a:endParaRPr lang="en-US"/>
           </a:p>
@@ -654,7 +654,7 @@
           <a:p>
             <a:fld id="{7EA9887D-33AD-AB4E-8FC3-272D5FAA8603}" type="datetimeFigureOut">
               <a:rPr lang="en-US" smtClean="0"/>
-              <a:t>9/24/19</a:t>
+              <a:t>10/16/19</a:t>
             </a:fld>
             <a:endParaRPr lang="en-US"/>
           </a:p>
@@ -824,7 +824,7 @@
           <a:p>
             <a:fld id="{7EA9887D-33AD-AB4E-8FC3-272D5FAA8603}" type="datetimeFigureOut">
               <a:rPr lang="en-US" smtClean="0"/>
-              <a:t>9/24/19</a:t>
+              <a:t>10/16/19</a:t>
             </a:fld>
             <a:endParaRPr lang="en-US"/>
           </a:p>
@@ -1070,7 +1070,7 @@
           <a:p>
             <a:fld id="{7EA9887D-33AD-AB4E-8FC3-272D5FAA8603}" type="datetimeFigureOut">
               <a:rPr lang="en-US" smtClean="0"/>
-              <a:t>9/24/19</a:t>
+              <a:t>10/16/19</a:t>
             </a:fld>
             <a:endParaRPr lang="en-US"/>
           </a:p>
@@ -1358,7 +1358,7 @@
           <a:p>
             <a:fld id="{7EA9887D-33AD-AB4E-8FC3-272D5FAA8603}" type="datetimeFigureOut">
               <a:rPr lang="en-US" smtClean="0"/>
-              <a:t>9/24/19</a:t>
+              <a:t>10/16/19</a:t>
             </a:fld>
             <a:endParaRPr lang="en-US"/>
           </a:p>
@@ -1780,7 +1780,7 @@
           <a:p>
             <a:fld id="{7EA9887D-33AD-AB4E-8FC3-272D5FAA8603}" type="datetimeFigureOut">
               <a:rPr lang="en-US" smtClean="0"/>
-              <a:t>9/24/19</a:t>
+              <a:t>10/16/19</a:t>
             </a:fld>
             <a:endParaRPr lang="en-US"/>
           </a:p>
@@ -1898,7 +1898,7 @@
           <a:p>
             <a:fld id="{7EA9887D-33AD-AB4E-8FC3-272D5FAA8603}" type="datetimeFigureOut">
               <a:rPr lang="en-US" smtClean="0"/>
-              <a:t>9/24/19</a:t>
+              <a:t>10/16/19</a:t>
             </a:fld>
             <a:endParaRPr lang="en-US"/>
           </a:p>
@@ -1993,7 +1993,7 @@
           <a:p>
             <a:fld id="{7EA9887D-33AD-AB4E-8FC3-272D5FAA8603}" type="datetimeFigureOut">
               <a:rPr lang="en-US" smtClean="0"/>
-              <a:t>9/24/19</a:t>
+              <a:t>10/16/19</a:t>
             </a:fld>
             <a:endParaRPr lang="en-US"/>
           </a:p>
@@ -2270,7 +2270,7 @@
           <a:p>
             <a:fld id="{7EA9887D-33AD-AB4E-8FC3-272D5FAA8603}" type="datetimeFigureOut">
               <a:rPr lang="en-US" smtClean="0"/>
-              <a:t>9/24/19</a:t>
+              <a:t>10/16/19</a:t>
             </a:fld>
             <a:endParaRPr lang="en-US"/>
           </a:p>
@@ -2523,7 +2523,7 @@
           <a:p>
             <a:fld id="{7EA9887D-33AD-AB4E-8FC3-272D5FAA8603}" type="datetimeFigureOut">
               <a:rPr lang="en-US" smtClean="0"/>
-              <a:t>9/24/19</a:t>
+              <a:t>10/16/19</a:t>
             </a:fld>
             <a:endParaRPr lang="en-US"/>
           </a:p>
@@ -2734,7 +2734,7 @@
           <a:p>
             <a:fld id="{7EA9887D-33AD-AB4E-8FC3-272D5FAA8603}" type="datetimeFigureOut">
               <a:rPr lang="en-US" smtClean="0"/>
-              <a:t>9/24/19</a:t>
+              <a:t>10/16/19</a:t>
             </a:fld>
             <a:endParaRPr lang="en-US"/>
           </a:p>
@@ -3111,10 +3111,10 @@
       </p:grpSpPr>
       <p:grpSp>
         <p:nvGrpSpPr>
-          <p:cNvPr id="139" name="Group 138">
+          <p:cNvPr id="13" name="Group 12">
             <a:extLst>
               <a:ext uri="{FF2B5EF4-FFF2-40B4-BE49-F238E27FC236}">
-                <a16:creationId xmlns:a16="http://schemas.microsoft.com/office/drawing/2014/main" id="{6CB6D8F2-A1E4-1F47-AE90-617EF0CE7B98}"/>
+                <a16:creationId xmlns:a16="http://schemas.microsoft.com/office/drawing/2014/main" id="{95D7F83B-E122-DB47-8401-3487ABAC35EB}"/>
               </a:ext>
             </a:extLst>
           </p:cNvPr>
@@ -3123,18 +3123,18 @@
         </p:nvGrpSpPr>
         <p:grpSpPr>
           <a:xfrm>
-            <a:off x="308886" y="137666"/>
+            <a:off x="382509" y="67760"/>
             <a:ext cx="9150708" cy="6744485"/>
-            <a:chOff x="308886" y="137666"/>
+            <a:chOff x="382509" y="280037"/>
             <a:chExt cx="9150708" cy="6744485"/>
           </a:xfrm>
         </p:grpSpPr>
         <p:grpSp>
           <p:nvGrpSpPr>
-            <p:cNvPr id="135" name="Group 134">
+            <p:cNvPr id="139" name="Group 138">
               <a:extLst>
                 <a:ext uri="{FF2B5EF4-FFF2-40B4-BE49-F238E27FC236}">
-                  <a16:creationId xmlns:a16="http://schemas.microsoft.com/office/drawing/2014/main" id="{5024C661-663D-B64D-9AAD-7881D9F5C7D7}"/>
+                  <a16:creationId xmlns:a16="http://schemas.microsoft.com/office/drawing/2014/main" id="{6CB6D8F2-A1E4-1F47-AE90-617EF0CE7B98}"/>
                 </a:ext>
               </a:extLst>
             </p:cNvPr>
@@ -3143,477 +3143,18 @@
           </p:nvGrpSpPr>
           <p:grpSpPr>
             <a:xfrm>
-              <a:off x="633023" y="339601"/>
-              <a:ext cx="3803913" cy="4360808"/>
-              <a:chOff x="219393" y="271775"/>
-              <a:chExt cx="3803913" cy="4360808"/>
+              <a:off x="382509" y="280037"/>
+              <a:ext cx="9150708" cy="6744485"/>
+              <a:chOff x="308886" y="137666"/>
+              <a:chExt cx="9150708" cy="6744485"/>
             </a:xfrm>
           </p:grpSpPr>
-          <p:sp>
-            <p:nvSpPr>
-              <p:cNvPr id="4" name="Rectangle 3">
+          <p:grpSp>
+            <p:nvGrpSpPr>
+              <p:cNvPr id="135" name="Group 134">
                 <a:extLst>
                   <a:ext uri="{FF2B5EF4-FFF2-40B4-BE49-F238E27FC236}">
-                    <a16:creationId xmlns:a16="http://schemas.microsoft.com/office/drawing/2014/main" id="{83ED3176-0E9D-DF43-BD04-0D5696F6E265}"/>
-                  </a:ext>
-                </a:extLst>
-              </p:cNvPr>
-              <p:cNvSpPr/>
-              <p:nvPr/>
-            </p:nvSpPr>
-            <p:spPr>
-              <a:xfrm>
-                <a:off x="306788" y="517005"/>
-                <a:ext cx="3458846" cy="3870348"/>
-              </a:xfrm>
-              <a:prstGeom prst="rect">
-                <a:avLst/>
-              </a:prstGeom>
-              <a:solidFill>
-                <a:srgbClr val="F8F8F8"/>
-              </a:solidFill>
-              <a:ln w="3175" cmpd="sng">
-                <a:noFill/>
-              </a:ln>
-              <a:effectLst/>
-            </p:spPr>
-            <p:style>
-              <a:lnRef idx="1">
-                <a:schemeClr val="accent1"/>
-              </a:lnRef>
-              <a:fillRef idx="3">
-                <a:schemeClr val="accent1"/>
-              </a:fillRef>
-              <a:effectRef idx="2">
-                <a:schemeClr val="accent1"/>
-              </a:effectRef>
-              <a:fontRef idx="minor">
-                <a:schemeClr val="lt1"/>
-              </a:fontRef>
-            </p:style>
-            <p:txBody>
-              <a:bodyPr rtlCol="0" anchor="ctr"/>
-              <a:lstStyle/>
-              <a:p>
-                <a:pPr algn="ctr"/>
-                <a:endParaRPr lang="en-US" sz="1050">
-                  <a:latin typeface="Helvetica" pitchFamily="2" charset="0"/>
-                  <a:cs typeface="Arial"/>
-                </a:endParaRPr>
-              </a:p>
-            </p:txBody>
-          </p:sp>
-          <p:sp>
-            <p:nvSpPr>
-              <p:cNvPr id="5" name="TextBox 4">
-                <a:extLst>
-                  <a:ext uri="{FF2B5EF4-FFF2-40B4-BE49-F238E27FC236}">
-                    <a16:creationId xmlns:a16="http://schemas.microsoft.com/office/drawing/2014/main" id="{3AD9D9E4-7171-C745-ABEC-B70344B6AC2D}"/>
-                  </a:ext>
-                </a:extLst>
-              </p:cNvPr>
-              <p:cNvSpPr txBox="1"/>
-              <p:nvPr/>
-            </p:nvSpPr>
-            <p:spPr>
-              <a:xfrm>
-                <a:off x="219393" y="271775"/>
-                <a:ext cx="1532493" cy="261610"/>
-              </a:xfrm>
-              <a:prstGeom prst="rect">
-                <a:avLst/>
-              </a:prstGeom>
-              <a:noFill/>
-            </p:spPr>
-            <p:txBody>
-              <a:bodyPr wrap="square" rtlCol="0">
-                <a:spAutoFit/>
-              </a:bodyPr>
-              <a:lstStyle/>
-              <a:p>
-                <a:r>
-                  <a:rPr lang="en-US" sz="1100" b="1" dirty="0">
-                    <a:solidFill>
-                      <a:schemeClr val="tx1">
-                        <a:lumMod val="75000"/>
-                        <a:lumOff val="25000"/>
-                      </a:schemeClr>
-                    </a:solidFill>
-                    <a:latin typeface="Helvetica" pitchFamily="2" charset="0"/>
-                    <a:cs typeface="Arial"/>
-                  </a:rPr>
-                  <a:t>Correlative SDM</a:t>
-                </a:r>
-              </a:p>
-            </p:txBody>
-          </p:sp>
-          <p:sp>
-            <p:nvSpPr>
-              <p:cNvPr id="11" name="TextBox 10">
-                <a:extLst>
-                  <a:ext uri="{FF2B5EF4-FFF2-40B4-BE49-F238E27FC236}">
-                    <a16:creationId xmlns:a16="http://schemas.microsoft.com/office/drawing/2014/main" id="{49CA9441-9ED1-8642-B596-553192FEEBD7}"/>
-                  </a:ext>
-                </a:extLst>
-              </p:cNvPr>
-              <p:cNvSpPr txBox="1"/>
-              <p:nvPr/>
-            </p:nvSpPr>
-            <p:spPr>
-              <a:xfrm>
-                <a:off x="716497" y="3142858"/>
-                <a:ext cx="1349147" cy="400110"/>
-              </a:xfrm>
-              <a:prstGeom prst="rect">
-                <a:avLst/>
-              </a:prstGeom>
-              <a:noFill/>
-            </p:spPr>
-            <p:txBody>
-              <a:bodyPr wrap="square" rtlCol="0">
-                <a:spAutoFit/>
-              </a:bodyPr>
-              <a:lstStyle/>
-              <a:p>
-                <a:pPr algn="r"/>
-                <a:r>
-                  <a:rPr lang="en-US" sz="1000" dirty="0">
-                    <a:solidFill>
-                      <a:schemeClr val="tx2">
-                        <a:lumMod val="60000"/>
-                        <a:lumOff val="40000"/>
-                      </a:schemeClr>
-                    </a:solidFill>
-                    <a:latin typeface="Helvetica" pitchFamily="2" charset="0"/>
-                    <a:cs typeface="Arial"/>
-                  </a:rPr>
-                  <a:t>statistical</a:t>
-                </a:r>
-              </a:p>
-              <a:p>
-                <a:pPr algn="r"/>
-                <a:r>
-                  <a:rPr lang="en-US" sz="1000" dirty="0">
-                    <a:solidFill>
-                      <a:schemeClr val="tx2">
-                        <a:lumMod val="60000"/>
-                        <a:lumOff val="40000"/>
-                      </a:schemeClr>
-                    </a:solidFill>
-                    <a:latin typeface="Helvetica" pitchFamily="2" charset="0"/>
-                    <a:cs typeface="Arial"/>
-                  </a:rPr>
-                  <a:t>inference</a:t>
-                </a:r>
-              </a:p>
-            </p:txBody>
-          </p:sp>
-          <p:sp>
-            <p:nvSpPr>
-              <p:cNvPr id="43" name="Right Arrow 42">
-                <a:extLst>
-                  <a:ext uri="{FF2B5EF4-FFF2-40B4-BE49-F238E27FC236}">
-                    <a16:creationId xmlns:a16="http://schemas.microsoft.com/office/drawing/2014/main" id="{5B9F44F6-F942-804C-94CF-323C021C8B0A}"/>
-                  </a:ext>
-                </a:extLst>
-              </p:cNvPr>
-              <p:cNvSpPr/>
-              <p:nvPr/>
-            </p:nvSpPr>
-            <p:spPr>
-              <a:xfrm>
-                <a:off x="2065644" y="2663064"/>
-                <a:ext cx="380797" cy="152479"/>
-              </a:xfrm>
-              <a:prstGeom prst="rightArrow">
-                <a:avLst>
-                  <a:gd name="adj1" fmla="val 50000"/>
-                  <a:gd name="adj2" fmla="val 100073"/>
-                </a:avLst>
-              </a:prstGeom>
-              <a:solidFill>
-                <a:schemeClr val="tx1">
-                  <a:lumMod val="50000"/>
-                  <a:lumOff val="50000"/>
-                </a:schemeClr>
-              </a:solidFill>
-              <a:ln>
-                <a:noFill/>
-              </a:ln>
-              <a:effectLst/>
-            </p:spPr>
-            <p:style>
-              <a:lnRef idx="1">
-                <a:schemeClr val="accent1"/>
-              </a:lnRef>
-              <a:fillRef idx="3">
-                <a:schemeClr val="accent1"/>
-              </a:fillRef>
-              <a:effectRef idx="2">
-                <a:schemeClr val="accent1"/>
-              </a:effectRef>
-              <a:fontRef idx="minor">
-                <a:schemeClr val="lt1"/>
-              </a:fontRef>
-            </p:style>
-            <p:txBody>
-              <a:bodyPr rtlCol="0" anchor="t"/>
-              <a:lstStyle/>
-              <a:p>
-                <a:pPr algn="ctr"/>
-                <a:endParaRPr lang="en-US" sz="600" dirty="0">
-                  <a:latin typeface="Helvetica" pitchFamily="2" charset="0"/>
-                  <a:cs typeface="Arial"/>
-                </a:endParaRPr>
-              </a:p>
-            </p:txBody>
-          </p:sp>
-          <p:sp>
-            <p:nvSpPr>
-              <p:cNvPr id="45" name="Right Arrow 44">
-                <a:extLst>
-                  <a:ext uri="{FF2B5EF4-FFF2-40B4-BE49-F238E27FC236}">
-                    <a16:creationId xmlns:a16="http://schemas.microsoft.com/office/drawing/2014/main" id="{9D4E6ABF-01A9-8E43-B3D3-6522CB6F40DD}"/>
-                  </a:ext>
-                </a:extLst>
-              </p:cNvPr>
-              <p:cNvSpPr/>
-              <p:nvPr/>
-            </p:nvSpPr>
-            <p:spPr>
-              <a:xfrm rot="5400000">
-                <a:off x="1082085" y="2020023"/>
-                <a:ext cx="380797" cy="152479"/>
-              </a:xfrm>
-              <a:prstGeom prst="rightArrow">
-                <a:avLst>
-                  <a:gd name="adj1" fmla="val 50000"/>
-                  <a:gd name="adj2" fmla="val 100073"/>
-                </a:avLst>
-              </a:prstGeom>
-              <a:solidFill>
-                <a:schemeClr val="tx1">
-                  <a:lumMod val="50000"/>
-                  <a:lumOff val="50000"/>
-                </a:schemeClr>
-              </a:solidFill>
-              <a:ln>
-                <a:noFill/>
-              </a:ln>
-              <a:effectLst/>
-            </p:spPr>
-            <p:style>
-              <a:lnRef idx="1">
-                <a:schemeClr val="accent1"/>
-              </a:lnRef>
-              <a:fillRef idx="3">
-                <a:schemeClr val="accent1"/>
-              </a:fillRef>
-              <a:effectRef idx="2">
-                <a:schemeClr val="accent1"/>
-              </a:effectRef>
-              <a:fontRef idx="minor">
-                <a:schemeClr val="lt1"/>
-              </a:fontRef>
-            </p:style>
-            <p:txBody>
-              <a:bodyPr rtlCol="0" anchor="t"/>
-              <a:lstStyle/>
-              <a:p>
-                <a:pPr algn="ctr"/>
-                <a:endParaRPr lang="en-US" sz="600" dirty="0">
-                  <a:latin typeface="Helvetica" pitchFamily="2" charset="0"/>
-                  <a:cs typeface="Arial"/>
-                </a:endParaRPr>
-              </a:p>
-            </p:txBody>
-          </p:sp>
-          <p:sp>
-            <p:nvSpPr>
-              <p:cNvPr id="47" name="Right Arrow 46">
-                <a:extLst>
-                  <a:ext uri="{FF2B5EF4-FFF2-40B4-BE49-F238E27FC236}">
-                    <a16:creationId xmlns:a16="http://schemas.microsoft.com/office/drawing/2014/main" id="{E8324195-EAD1-5E4B-A2C2-3CFDE929037E}"/>
-                  </a:ext>
-                </a:extLst>
-              </p:cNvPr>
-              <p:cNvSpPr/>
-              <p:nvPr/>
-            </p:nvSpPr>
-            <p:spPr>
-              <a:xfrm rot="10800000">
-                <a:off x="1984429" y="3864576"/>
-                <a:ext cx="380797" cy="152479"/>
-              </a:xfrm>
-              <a:prstGeom prst="rightArrow">
-                <a:avLst>
-                  <a:gd name="adj1" fmla="val 50000"/>
-                  <a:gd name="adj2" fmla="val 100073"/>
-                </a:avLst>
-              </a:prstGeom>
-              <a:solidFill>
-                <a:schemeClr val="tx2">
-                  <a:lumMod val="60000"/>
-                  <a:lumOff val="40000"/>
-                </a:schemeClr>
-              </a:solidFill>
-              <a:ln>
-                <a:noFill/>
-              </a:ln>
-              <a:effectLst/>
-            </p:spPr>
-            <p:style>
-              <a:lnRef idx="1">
-                <a:schemeClr val="accent1"/>
-              </a:lnRef>
-              <a:fillRef idx="3">
-                <a:schemeClr val="accent1"/>
-              </a:fillRef>
-              <a:effectRef idx="2">
-                <a:schemeClr val="accent1"/>
-              </a:effectRef>
-              <a:fontRef idx="minor">
-                <a:schemeClr val="lt1"/>
-              </a:fontRef>
-            </p:style>
-            <p:txBody>
-              <a:bodyPr rtlCol="0" anchor="t"/>
-              <a:lstStyle/>
-              <a:p>
-                <a:pPr algn="ctr"/>
-                <a:endParaRPr lang="en-US" sz="600" dirty="0">
-                  <a:latin typeface="Helvetica" pitchFamily="2" charset="0"/>
-                  <a:cs typeface="Arial"/>
-                </a:endParaRPr>
-              </a:p>
-            </p:txBody>
-          </p:sp>
-          <p:sp>
-            <p:nvSpPr>
-              <p:cNvPr id="52" name="Right Arrow 51">
-                <a:extLst>
-                  <a:ext uri="{FF2B5EF4-FFF2-40B4-BE49-F238E27FC236}">
-                    <a16:creationId xmlns:a16="http://schemas.microsoft.com/office/drawing/2014/main" id="{00B94836-2B39-3D46-824B-6C2DA391AADA}"/>
-                  </a:ext>
-                </a:extLst>
-              </p:cNvPr>
-              <p:cNvSpPr/>
-              <p:nvPr/>
-            </p:nvSpPr>
-            <p:spPr>
-              <a:xfrm rot="8112022">
-                <a:off x="1855838" y="3339248"/>
-                <a:ext cx="641482" cy="131779"/>
-              </a:xfrm>
-              <a:prstGeom prst="rightArrow">
-                <a:avLst>
-                  <a:gd name="adj1" fmla="val 50000"/>
-                  <a:gd name="adj2" fmla="val 100073"/>
-                </a:avLst>
-              </a:prstGeom>
-              <a:solidFill>
-                <a:schemeClr val="tx2">
-                  <a:lumMod val="60000"/>
-                  <a:lumOff val="40000"/>
-                </a:schemeClr>
-              </a:solidFill>
-              <a:ln>
-                <a:noFill/>
-              </a:ln>
-              <a:effectLst/>
-            </p:spPr>
-            <p:style>
-              <a:lnRef idx="1">
-                <a:schemeClr val="accent1"/>
-              </a:lnRef>
-              <a:fillRef idx="3">
-                <a:schemeClr val="accent1"/>
-              </a:fillRef>
-              <a:effectRef idx="2">
-                <a:schemeClr val="accent1"/>
-              </a:effectRef>
-              <a:fontRef idx="minor">
-                <a:schemeClr val="lt1"/>
-              </a:fontRef>
-            </p:style>
-            <p:txBody>
-              <a:bodyPr rtlCol="0" anchor="t"/>
-              <a:lstStyle/>
-              <a:p>
-                <a:pPr algn="ctr"/>
-                <a:endParaRPr lang="en-US" sz="600" dirty="0">
-                  <a:latin typeface="Helvetica" pitchFamily="2" charset="0"/>
-                  <a:cs typeface="Arial"/>
-                </a:endParaRPr>
-              </a:p>
-            </p:txBody>
-          </p:sp>
-          <p:sp>
-            <p:nvSpPr>
-              <p:cNvPr id="53" name="Right Arrow 52">
-                <a:extLst>
-                  <a:ext uri="{FF2B5EF4-FFF2-40B4-BE49-F238E27FC236}">
-                    <a16:creationId xmlns:a16="http://schemas.microsoft.com/office/drawing/2014/main" id="{B43F2D2C-6943-C24C-886D-3FC1F9578C79}"/>
-                  </a:ext>
-                </a:extLst>
-              </p:cNvPr>
-              <p:cNvSpPr/>
-              <p:nvPr/>
-            </p:nvSpPr>
-            <p:spPr>
-              <a:xfrm rot="16200000">
-                <a:off x="1076719" y="3244064"/>
-                <a:ext cx="380797" cy="152479"/>
-              </a:xfrm>
-              <a:prstGeom prst="rightArrow">
-                <a:avLst>
-                  <a:gd name="adj1" fmla="val 50000"/>
-                  <a:gd name="adj2" fmla="val 100073"/>
-                </a:avLst>
-              </a:prstGeom>
-              <a:solidFill>
-                <a:schemeClr val="tx2">
-                  <a:lumMod val="60000"/>
-                  <a:lumOff val="40000"/>
-                </a:schemeClr>
-              </a:solidFill>
-              <a:ln>
-                <a:noFill/>
-              </a:ln>
-              <a:effectLst/>
-            </p:spPr>
-            <p:style>
-              <a:lnRef idx="1">
-                <a:schemeClr val="accent1"/>
-              </a:lnRef>
-              <a:fillRef idx="3">
-                <a:schemeClr val="accent1"/>
-              </a:fillRef>
-              <a:effectRef idx="2">
-                <a:schemeClr val="accent1"/>
-              </a:effectRef>
-              <a:fontRef idx="minor">
-                <a:schemeClr val="lt1"/>
-              </a:fontRef>
-            </p:style>
-            <p:txBody>
-              <a:bodyPr rtlCol="0" anchor="t"/>
-              <a:lstStyle/>
-              <a:p>
-                <a:pPr algn="ctr"/>
-                <a:endParaRPr lang="en-US" sz="600" dirty="0">
-                  <a:latin typeface="Helvetica" pitchFamily="2" charset="0"/>
-                  <a:cs typeface="Arial"/>
-                </a:endParaRPr>
-              </a:p>
-            </p:txBody>
-          </p:sp>
-          <p:grpSp>
-            <p:nvGrpSpPr>
-              <p:cNvPr id="32" name="Group 31">
-                <a:extLst>
-                  <a:ext uri="{FF2B5EF4-FFF2-40B4-BE49-F238E27FC236}">
-                    <a16:creationId xmlns:a16="http://schemas.microsoft.com/office/drawing/2014/main" id="{BD79AEE6-1AC9-374A-ADE0-3FA847EB961B}"/>
+                    <a16:creationId xmlns:a16="http://schemas.microsoft.com/office/drawing/2014/main" id="{5024C661-663D-B64D-9AAD-7881D9F5C7D7}"/>
                   </a:ext>
                 </a:extLst>
               </p:cNvPr>
@@ -3622,222 +3163,18 @@
             </p:nvGrpSpPr>
             <p:grpSpPr>
               <a:xfrm>
-                <a:off x="513036" y="465941"/>
-                <a:ext cx="1954727" cy="1635522"/>
-                <a:chOff x="803228" y="1148080"/>
-                <a:chExt cx="2207958" cy="1847401"/>
-              </a:xfrm>
-            </p:grpSpPr>
-            <p:grpSp>
-              <p:nvGrpSpPr>
-                <p:cNvPr id="24" name="Group 23">
-                  <a:extLst>
-                    <a:ext uri="{FF2B5EF4-FFF2-40B4-BE49-F238E27FC236}">
-                      <a16:creationId xmlns:a16="http://schemas.microsoft.com/office/drawing/2014/main" id="{631AFE0B-8A37-CE4B-9D72-F87EDFEA9D10}"/>
-                    </a:ext>
-                  </a:extLst>
-                </p:cNvPr>
-                <p:cNvGrpSpPr/>
-                <p:nvPr/>
-              </p:nvGrpSpPr>
-              <p:grpSpPr>
-                <a:xfrm>
-                  <a:off x="803228" y="1148080"/>
-                  <a:ext cx="1848820" cy="1847401"/>
-                  <a:chOff x="3610116" y="-1238"/>
-                  <a:chExt cx="3922586" cy="3919576"/>
-                </a:xfrm>
-                <a:effectLst>
-                  <a:outerShdw blurRad="50800" dist="38100" dir="8100000" algn="tr" rotWithShape="0">
-                    <a:prstClr val="black">
-                      <a:alpha val="40000"/>
-                    </a:prstClr>
-                  </a:outerShdw>
-                </a:effectLst>
-              </p:grpSpPr>
-              <p:pic>
-                <p:nvPicPr>
-                  <p:cNvPr id="12" name="Picture 11">
-                    <a:extLst>
-                      <a:ext uri="{FF2B5EF4-FFF2-40B4-BE49-F238E27FC236}">
-                        <a16:creationId xmlns:a16="http://schemas.microsoft.com/office/drawing/2014/main" id="{EB6B00B9-8177-CD40-8263-6FF890D9A16A}"/>
-                      </a:ext>
-                    </a:extLst>
-                  </p:cNvPr>
-                  <p:cNvPicPr>
-                    <a:picLocks noChangeAspect="1"/>
-                  </p:cNvPicPr>
-                  <p:nvPr/>
-                </p:nvPicPr>
-                <p:blipFill>
-                  <a:blip r:embed="rId2"/>
-                  <a:stretch>
-                    <a:fillRect/>
-                  </a:stretch>
-                </p:blipFill>
-                <p:spPr>
-                  <a:xfrm>
-                    <a:off x="3610116" y="-1238"/>
-                    <a:ext cx="3175000" cy="3175000"/>
-                  </a:xfrm>
-                  <a:prstGeom prst="rect">
-                    <a:avLst/>
-                  </a:prstGeom>
-                  <a:effectLst>
-                    <a:outerShdw blurRad="50800" dist="38100" dir="8100000" algn="tr" rotWithShape="0">
-                      <a:prstClr val="black">
-                        <a:alpha val="40000"/>
-                      </a:prstClr>
-                    </a:outerShdw>
-                  </a:effectLst>
-                </p:spPr>
-              </p:pic>
-              <p:pic>
-                <p:nvPicPr>
-                  <p:cNvPr id="9" name="Picture 8">
-                    <a:extLst>
-                      <a:ext uri="{FF2B5EF4-FFF2-40B4-BE49-F238E27FC236}">
-                        <a16:creationId xmlns:a16="http://schemas.microsoft.com/office/drawing/2014/main" id="{F4473D98-3E38-AF46-B291-01E88D007FE4}"/>
-                      </a:ext>
-                    </a:extLst>
-                  </p:cNvPr>
-                  <p:cNvPicPr>
-                    <a:picLocks noChangeAspect="1"/>
-                  </p:cNvPicPr>
-                  <p:nvPr/>
-                </p:nvPicPr>
-                <p:blipFill>
-                  <a:blip r:embed="rId3"/>
-                  <a:stretch>
-                    <a:fillRect/>
-                  </a:stretch>
-                </p:blipFill>
-                <p:spPr>
-                  <a:xfrm>
-                    <a:off x="3992008" y="389179"/>
-                    <a:ext cx="3175000" cy="3175000"/>
-                  </a:xfrm>
-                  <a:prstGeom prst="rect">
-                    <a:avLst/>
-                  </a:prstGeom>
-                  <a:effectLst>
-                    <a:outerShdw blurRad="50800" dist="38100" dir="8100000" algn="tr" rotWithShape="0">
-                      <a:prstClr val="black">
-                        <a:alpha val="40000"/>
-                      </a:prstClr>
-                    </a:outerShdw>
-                  </a:effectLst>
-                </p:spPr>
-              </p:pic>
-              <p:pic>
-                <p:nvPicPr>
-                  <p:cNvPr id="7" name="Picture 6">
-                    <a:extLst>
-                      <a:ext uri="{FF2B5EF4-FFF2-40B4-BE49-F238E27FC236}">
-                        <a16:creationId xmlns:a16="http://schemas.microsoft.com/office/drawing/2014/main" id="{3B822805-9E6E-D34D-804F-6C50599FF6A1}"/>
-                      </a:ext>
-                    </a:extLst>
-                  </p:cNvPr>
-                  <p:cNvPicPr>
-                    <a:picLocks noChangeAspect="1"/>
-                  </p:cNvPicPr>
-                  <p:nvPr/>
-                </p:nvPicPr>
-                <p:blipFill>
-                  <a:blip r:embed="rId4"/>
-                  <a:stretch>
-                    <a:fillRect/>
-                  </a:stretch>
-                </p:blipFill>
-                <p:spPr>
-                  <a:xfrm>
-                    <a:off x="4357702" y="743338"/>
-                    <a:ext cx="3175000" cy="3175000"/>
-                  </a:xfrm>
-                  <a:prstGeom prst="rect">
-                    <a:avLst/>
-                  </a:prstGeom>
-                  <a:effectLst>
-                    <a:outerShdw blurRad="50800" dist="38100" dir="8100000" algn="tr" rotWithShape="0">
-                      <a:prstClr val="black">
-                        <a:alpha val="40000"/>
-                      </a:prstClr>
-                    </a:outerShdw>
-                  </a:effectLst>
-                </p:spPr>
-              </p:pic>
-            </p:grpSp>
-            <p:sp>
-              <p:nvSpPr>
-                <p:cNvPr id="56" name="TextBox 55">
-                  <a:extLst>
-                    <a:ext uri="{FF2B5EF4-FFF2-40B4-BE49-F238E27FC236}">
-                      <a16:creationId xmlns:a16="http://schemas.microsoft.com/office/drawing/2014/main" id="{51042740-318C-6042-913C-AD94DFEE03DA}"/>
-                    </a:ext>
-                  </a:extLst>
-                </p:cNvPr>
-                <p:cNvSpPr txBox="1"/>
-                <p:nvPr/>
-              </p:nvSpPr>
-              <p:spPr>
-                <a:xfrm>
-                  <a:off x="1280160" y="1456510"/>
-                  <a:ext cx="1731026" cy="295501"/>
-                </a:xfrm>
-                <a:prstGeom prst="rect">
-                  <a:avLst/>
-                </a:prstGeom>
-                <a:noFill/>
-              </p:spPr>
-              <p:txBody>
-                <a:bodyPr wrap="square" rtlCol="0">
-                  <a:spAutoFit/>
-                </a:bodyPr>
-                <a:lstStyle/>
-                <a:p>
-                  <a:r>
-                    <a:rPr lang="en-US" sz="1100" dirty="0">
-                      <a:solidFill>
-                        <a:schemeClr val="tx1">
-                          <a:lumMod val="75000"/>
-                          <a:lumOff val="25000"/>
-                        </a:schemeClr>
-                      </a:solidFill>
-                      <a:latin typeface="Helvetica" pitchFamily="2" charset="0"/>
-                      <a:cs typeface="Arial"/>
-                    </a:rPr>
-                    <a:t>covariates</a:t>
-                  </a:r>
-                </a:p>
-              </p:txBody>
-            </p:sp>
-          </p:grpSp>
-          <p:grpSp>
-            <p:nvGrpSpPr>
-              <p:cNvPr id="60" name="Group 59">
-                <a:extLst>
-                  <a:ext uri="{FF2B5EF4-FFF2-40B4-BE49-F238E27FC236}">
-                    <a16:creationId xmlns:a16="http://schemas.microsoft.com/office/drawing/2014/main" id="{D70E7633-9F72-BD4C-95A4-C8D94D81451E}"/>
-                  </a:ext>
-                </a:extLst>
-              </p:cNvPr>
-              <p:cNvGrpSpPr/>
-              <p:nvPr/>
-            </p:nvGrpSpPr>
-            <p:grpSpPr>
-              <a:xfrm>
-                <a:off x="351312" y="2310947"/>
-                <a:ext cx="1599345" cy="625597"/>
-                <a:chOff x="620553" y="3140663"/>
-                <a:chExt cx="1806537" cy="706642"/>
+                <a:off x="633023" y="339601"/>
+                <a:ext cx="3803913" cy="4360808"/>
+                <a:chOff x="219393" y="271775"/>
+                <a:chExt cx="3803913" cy="4360808"/>
               </a:xfrm>
             </p:grpSpPr>
             <p:sp>
               <p:nvSpPr>
-                <p:cNvPr id="57" name="Rectangle 56">
+                <p:cNvPr id="4" name="Rectangle 3">
                   <a:extLst>
                     <a:ext uri="{FF2B5EF4-FFF2-40B4-BE49-F238E27FC236}">
-                      <a16:creationId xmlns:a16="http://schemas.microsoft.com/office/drawing/2014/main" id="{B232DA0C-32DF-724A-AD55-7418CD433094}"/>
+                      <a16:creationId xmlns:a16="http://schemas.microsoft.com/office/drawing/2014/main" id="{83ED3176-0E9D-DF43-BD04-0D5696F6E265}"/>
                     </a:ext>
                   </a:extLst>
                 </p:cNvPr>
@@ -3846,21 +3183,17 @@
               </p:nvSpPr>
               <p:spPr>
                 <a:xfrm>
-                  <a:off x="696065" y="3408601"/>
-                  <a:ext cx="1731025" cy="438704"/>
+                  <a:off x="306788" y="517005"/>
+                  <a:ext cx="3458846" cy="3870348"/>
                 </a:xfrm>
                 <a:prstGeom prst="rect">
                   <a:avLst/>
                 </a:prstGeom>
                 <a:solidFill>
-                  <a:schemeClr val="bg1"/>
+                  <a:srgbClr val="F8F8F8"/>
                 </a:solidFill>
                 <a:ln w="3175" cmpd="sng">
-                  <a:solidFill>
-                    <a:schemeClr val="bg1">
-                      <a:lumMod val="65000"/>
-                    </a:schemeClr>
-                  </a:solidFill>
+                  <a:noFill/>
                 </a:ln>
                 <a:effectLst/>
               </p:spPr>
@@ -3883,13 +3216,7 @@
                 <a:lstStyle/>
                 <a:p>
                   <a:pPr algn="ctr"/>
-                  <a:endParaRPr lang="en-US" sz="1100" dirty="0">
-                    <a:solidFill>
-                      <a:schemeClr val="tx1">
-                        <a:lumMod val="85000"/>
-                        <a:lumOff val="15000"/>
-                      </a:schemeClr>
-                    </a:solidFill>
+                  <a:endParaRPr lang="en-US" sz="1050">
                     <a:latin typeface="Helvetica" pitchFamily="2" charset="0"/>
                     <a:cs typeface="Arial"/>
                   </a:endParaRPr>
@@ -3898,10 +3225,10 @@
             </p:sp>
             <p:sp>
               <p:nvSpPr>
-                <p:cNvPr id="58" name="TextBox 57">
+                <p:cNvPr id="5" name="TextBox 4">
                   <a:extLst>
                     <a:ext uri="{FF2B5EF4-FFF2-40B4-BE49-F238E27FC236}">
-                      <a16:creationId xmlns:a16="http://schemas.microsoft.com/office/drawing/2014/main" id="{9527396C-464B-C241-8E4C-361BF8FD6F6B}"/>
+                      <a16:creationId xmlns:a16="http://schemas.microsoft.com/office/drawing/2014/main" id="{3AD9D9E4-7171-C745-ABEC-B70344B6AC2D}"/>
                     </a:ext>
                   </a:extLst>
                 </p:cNvPr>
@@ -3910,8 +3237,8 @@
               </p:nvSpPr>
               <p:spPr>
                 <a:xfrm>
-                  <a:off x="620553" y="3140663"/>
-                  <a:ext cx="1731024" cy="295501"/>
+                  <a:off x="219393" y="271775"/>
+                  <a:ext cx="1532493" cy="261610"/>
                 </a:xfrm>
                 <a:prstGeom prst="rect">
                   <a:avLst/>
@@ -3925,7 +3252,7 @@
                 <a:lstStyle/>
                 <a:p>
                   <a:r>
-                    <a:rPr lang="en-US" sz="1100" dirty="0">
+                    <a:rPr lang="en-US" sz="1100" b="1" dirty="0">
                       <a:solidFill>
                         <a:schemeClr val="tx1">
                           <a:lumMod val="75000"/>
@@ -3935,68 +3262,378 @@
                       <a:latin typeface="Helvetica" pitchFamily="2" charset="0"/>
                       <a:cs typeface="Arial"/>
                     </a:rPr>
-                    <a:t>correlative model</a:t>
+                    <a:t>Correlative SDM</a:t>
                   </a:r>
                 </a:p>
               </p:txBody>
             </p:sp>
-            <p:pic>
-              <p:nvPicPr>
-                <p:cNvPr id="36" name="Picture 35">
+            <p:sp>
+              <p:nvSpPr>
+                <p:cNvPr id="11" name="TextBox 10">
                   <a:extLst>
                     <a:ext uri="{FF2B5EF4-FFF2-40B4-BE49-F238E27FC236}">
-                      <a16:creationId xmlns:a16="http://schemas.microsoft.com/office/drawing/2014/main" id="{5CAC159D-BB61-7A4F-AE93-63431143E24E}"/>
+                      <a16:creationId xmlns:a16="http://schemas.microsoft.com/office/drawing/2014/main" id="{49CA9441-9ED1-8642-B596-553192FEEBD7}"/>
                     </a:ext>
                   </a:extLst>
                 </p:cNvPr>
-                <p:cNvPicPr>
-                  <a:picLocks noChangeAspect="1"/>
-                </p:cNvPicPr>
+                <p:cNvSpPr txBox="1"/>
                 <p:nvPr/>
-              </p:nvPicPr>
-              <p:blipFill>
-                <a:blip r:embed="rId5"/>
-                <a:stretch>
-                  <a:fillRect/>
-                </a:stretch>
-              </p:blipFill>
+              </p:nvSpPr>
               <p:spPr>
                 <a:xfrm>
-                  <a:off x="863225" y="3529631"/>
-                  <a:ext cx="1433723" cy="172233"/>
+                  <a:off x="716497" y="3142858"/>
+                  <a:ext cx="1349147" cy="400110"/>
                 </a:xfrm>
                 <a:prstGeom prst="rect">
                   <a:avLst/>
                 </a:prstGeom>
+                <a:noFill/>
               </p:spPr>
-            </p:pic>
-          </p:grpSp>
-          <p:grpSp>
-            <p:nvGrpSpPr>
-              <p:cNvPr id="68" name="Group 67">
-                <a:extLst>
-                  <a:ext uri="{FF2B5EF4-FFF2-40B4-BE49-F238E27FC236}">
-                    <a16:creationId xmlns:a16="http://schemas.microsoft.com/office/drawing/2014/main" id="{FD650A8F-460B-FE41-A0EA-5711587EC8B3}"/>
-                  </a:ext>
-                </a:extLst>
-              </p:cNvPr>
-              <p:cNvGrpSpPr/>
-              <p:nvPr/>
-            </p:nvGrpSpPr>
-            <p:grpSpPr>
-              <a:xfrm>
-                <a:off x="353076" y="3606816"/>
-                <a:ext cx="1590799" cy="621757"/>
-                <a:chOff x="551290" y="4569292"/>
-                <a:chExt cx="1796884" cy="702304"/>
-              </a:xfrm>
-            </p:grpSpPr>
+              <p:txBody>
+                <a:bodyPr wrap="square" rtlCol="0">
+                  <a:spAutoFit/>
+                </a:bodyPr>
+                <a:lstStyle/>
+                <a:p>
+                  <a:pPr algn="r"/>
+                  <a:r>
+                    <a:rPr lang="en-US" sz="1000" dirty="0">
+                      <a:solidFill>
+                        <a:schemeClr val="tx2">
+                          <a:lumMod val="60000"/>
+                          <a:lumOff val="40000"/>
+                        </a:schemeClr>
+                      </a:solidFill>
+                      <a:latin typeface="Helvetica" pitchFamily="2" charset="0"/>
+                      <a:cs typeface="Arial"/>
+                    </a:rPr>
+                    <a:t>statistical</a:t>
+                  </a:r>
+                </a:p>
+                <a:p>
+                  <a:pPr algn="r"/>
+                  <a:r>
+                    <a:rPr lang="en-US" sz="1000" dirty="0">
+                      <a:solidFill>
+                        <a:schemeClr val="tx2">
+                          <a:lumMod val="60000"/>
+                          <a:lumOff val="40000"/>
+                        </a:schemeClr>
+                      </a:solidFill>
+                      <a:latin typeface="Helvetica" pitchFamily="2" charset="0"/>
+                      <a:cs typeface="Arial"/>
+                    </a:rPr>
+                    <a:t>inference</a:t>
+                  </a:r>
+                </a:p>
+              </p:txBody>
+            </p:sp>
+            <p:sp>
+              <p:nvSpPr>
+                <p:cNvPr id="43" name="Right Arrow 42">
+                  <a:extLst>
+                    <a:ext uri="{FF2B5EF4-FFF2-40B4-BE49-F238E27FC236}">
+                      <a16:creationId xmlns:a16="http://schemas.microsoft.com/office/drawing/2014/main" id="{5B9F44F6-F942-804C-94CF-323C021C8B0A}"/>
+                    </a:ext>
+                  </a:extLst>
+                </p:cNvPr>
+                <p:cNvSpPr/>
+                <p:nvPr/>
+              </p:nvSpPr>
+              <p:spPr>
+                <a:xfrm>
+                  <a:off x="2065644" y="2663064"/>
+                  <a:ext cx="380797" cy="152479"/>
+                </a:xfrm>
+                <a:prstGeom prst="rightArrow">
+                  <a:avLst>
+                    <a:gd name="adj1" fmla="val 50000"/>
+                    <a:gd name="adj2" fmla="val 100073"/>
+                  </a:avLst>
+                </a:prstGeom>
+                <a:solidFill>
+                  <a:schemeClr val="tx1">
+                    <a:lumMod val="50000"/>
+                    <a:lumOff val="50000"/>
+                  </a:schemeClr>
+                </a:solidFill>
+                <a:ln>
+                  <a:noFill/>
+                </a:ln>
+                <a:effectLst/>
+              </p:spPr>
+              <p:style>
+                <a:lnRef idx="1">
+                  <a:schemeClr val="accent1"/>
+                </a:lnRef>
+                <a:fillRef idx="3">
+                  <a:schemeClr val="accent1"/>
+                </a:fillRef>
+                <a:effectRef idx="2">
+                  <a:schemeClr val="accent1"/>
+                </a:effectRef>
+                <a:fontRef idx="minor">
+                  <a:schemeClr val="lt1"/>
+                </a:fontRef>
+              </p:style>
+              <p:txBody>
+                <a:bodyPr rtlCol="0" anchor="t"/>
+                <a:lstStyle/>
+                <a:p>
+                  <a:pPr algn="ctr"/>
+                  <a:endParaRPr lang="en-US" sz="600" dirty="0">
+                    <a:latin typeface="Helvetica" pitchFamily="2" charset="0"/>
+                    <a:cs typeface="Arial"/>
+                  </a:endParaRPr>
+                </a:p>
+              </p:txBody>
+            </p:sp>
+            <p:sp>
+              <p:nvSpPr>
+                <p:cNvPr id="45" name="Right Arrow 44">
+                  <a:extLst>
+                    <a:ext uri="{FF2B5EF4-FFF2-40B4-BE49-F238E27FC236}">
+                      <a16:creationId xmlns:a16="http://schemas.microsoft.com/office/drawing/2014/main" id="{9D4E6ABF-01A9-8E43-B3D3-6522CB6F40DD}"/>
+                    </a:ext>
+                  </a:extLst>
+                </p:cNvPr>
+                <p:cNvSpPr/>
+                <p:nvPr/>
+              </p:nvSpPr>
+              <p:spPr>
+                <a:xfrm rot="5400000">
+                  <a:off x="1082085" y="2020023"/>
+                  <a:ext cx="380797" cy="152479"/>
+                </a:xfrm>
+                <a:prstGeom prst="rightArrow">
+                  <a:avLst>
+                    <a:gd name="adj1" fmla="val 50000"/>
+                    <a:gd name="adj2" fmla="val 100073"/>
+                  </a:avLst>
+                </a:prstGeom>
+                <a:solidFill>
+                  <a:schemeClr val="tx1">
+                    <a:lumMod val="50000"/>
+                    <a:lumOff val="50000"/>
+                  </a:schemeClr>
+                </a:solidFill>
+                <a:ln>
+                  <a:noFill/>
+                </a:ln>
+                <a:effectLst/>
+              </p:spPr>
+              <p:style>
+                <a:lnRef idx="1">
+                  <a:schemeClr val="accent1"/>
+                </a:lnRef>
+                <a:fillRef idx="3">
+                  <a:schemeClr val="accent1"/>
+                </a:fillRef>
+                <a:effectRef idx="2">
+                  <a:schemeClr val="accent1"/>
+                </a:effectRef>
+                <a:fontRef idx="minor">
+                  <a:schemeClr val="lt1"/>
+                </a:fontRef>
+              </p:style>
+              <p:txBody>
+                <a:bodyPr rtlCol="0" anchor="t"/>
+                <a:lstStyle/>
+                <a:p>
+                  <a:pPr algn="ctr"/>
+                  <a:endParaRPr lang="en-US" sz="600" dirty="0">
+                    <a:latin typeface="Helvetica" pitchFamily="2" charset="0"/>
+                    <a:cs typeface="Arial"/>
+                  </a:endParaRPr>
+                </a:p>
+              </p:txBody>
+            </p:sp>
+            <p:sp>
+              <p:nvSpPr>
+                <p:cNvPr id="47" name="Right Arrow 46">
+                  <a:extLst>
+                    <a:ext uri="{FF2B5EF4-FFF2-40B4-BE49-F238E27FC236}">
+                      <a16:creationId xmlns:a16="http://schemas.microsoft.com/office/drawing/2014/main" id="{E8324195-EAD1-5E4B-A2C2-3CFDE929037E}"/>
+                    </a:ext>
+                  </a:extLst>
+                </p:cNvPr>
+                <p:cNvSpPr/>
+                <p:nvPr/>
+              </p:nvSpPr>
+              <p:spPr>
+                <a:xfrm rot="10800000">
+                  <a:off x="1984429" y="3864576"/>
+                  <a:ext cx="380797" cy="152479"/>
+                </a:xfrm>
+                <a:prstGeom prst="rightArrow">
+                  <a:avLst>
+                    <a:gd name="adj1" fmla="val 50000"/>
+                    <a:gd name="adj2" fmla="val 100073"/>
+                  </a:avLst>
+                </a:prstGeom>
+                <a:solidFill>
+                  <a:schemeClr val="tx2">
+                    <a:lumMod val="60000"/>
+                    <a:lumOff val="40000"/>
+                  </a:schemeClr>
+                </a:solidFill>
+                <a:ln>
+                  <a:noFill/>
+                </a:ln>
+                <a:effectLst/>
+              </p:spPr>
+              <p:style>
+                <a:lnRef idx="1">
+                  <a:schemeClr val="accent1"/>
+                </a:lnRef>
+                <a:fillRef idx="3">
+                  <a:schemeClr val="accent1"/>
+                </a:fillRef>
+                <a:effectRef idx="2">
+                  <a:schemeClr val="accent1"/>
+                </a:effectRef>
+                <a:fontRef idx="minor">
+                  <a:schemeClr val="lt1"/>
+                </a:fontRef>
+              </p:style>
+              <p:txBody>
+                <a:bodyPr rtlCol="0" anchor="t"/>
+                <a:lstStyle/>
+                <a:p>
+                  <a:pPr algn="ctr"/>
+                  <a:endParaRPr lang="en-US" sz="600" dirty="0">
+                    <a:latin typeface="Helvetica" pitchFamily="2" charset="0"/>
+                    <a:cs typeface="Arial"/>
+                  </a:endParaRPr>
+                </a:p>
+              </p:txBody>
+            </p:sp>
+            <p:sp>
+              <p:nvSpPr>
+                <p:cNvPr id="52" name="Right Arrow 51">
+                  <a:extLst>
+                    <a:ext uri="{FF2B5EF4-FFF2-40B4-BE49-F238E27FC236}">
+                      <a16:creationId xmlns:a16="http://schemas.microsoft.com/office/drawing/2014/main" id="{00B94836-2B39-3D46-824B-6C2DA391AADA}"/>
+                    </a:ext>
+                  </a:extLst>
+                </p:cNvPr>
+                <p:cNvSpPr/>
+                <p:nvPr/>
+              </p:nvSpPr>
+              <p:spPr>
+                <a:xfrm rot="8112022">
+                  <a:off x="1855838" y="3339248"/>
+                  <a:ext cx="641482" cy="131779"/>
+                </a:xfrm>
+                <a:prstGeom prst="rightArrow">
+                  <a:avLst>
+                    <a:gd name="adj1" fmla="val 50000"/>
+                    <a:gd name="adj2" fmla="val 100073"/>
+                  </a:avLst>
+                </a:prstGeom>
+                <a:solidFill>
+                  <a:schemeClr val="tx2">
+                    <a:lumMod val="60000"/>
+                    <a:lumOff val="40000"/>
+                  </a:schemeClr>
+                </a:solidFill>
+                <a:ln>
+                  <a:noFill/>
+                </a:ln>
+                <a:effectLst/>
+              </p:spPr>
+              <p:style>
+                <a:lnRef idx="1">
+                  <a:schemeClr val="accent1"/>
+                </a:lnRef>
+                <a:fillRef idx="3">
+                  <a:schemeClr val="accent1"/>
+                </a:fillRef>
+                <a:effectRef idx="2">
+                  <a:schemeClr val="accent1"/>
+                </a:effectRef>
+                <a:fontRef idx="minor">
+                  <a:schemeClr val="lt1"/>
+                </a:fontRef>
+              </p:style>
+              <p:txBody>
+                <a:bodyPr rtlCol="0" anchor="t"/>
+                <a:lstStyle/>
+                <a:p>
+                  <a:pPr algn="ctr"/>
+                  <a:endParaRPr lang="en-US" sz="600" dirty="0">
+                    <a:latin typeface="Helvetica" pitchFamily="2" charset="0"/>
+                    <a:cs typeface="Arial"/>
+                  </a:endParaRPr>
+                </a:p>
+              </p:txBody>
+            </p:sp>
+            <p:sp>
+              <p:nvSpPr>
+                <p:cNvPr id="53" name="Right Arrow 52">
+                  <a:extLst>
+                    <a:ext uri="{FF2B5EF4-FFF2-40B4-BE49-F238E27FC236}">
+                      <a16:creationId xmlns:a16="http://schemas.microsoft.com/office/drawing/2014/main" id="{B43F2D2C-6943-C24C-886D-3FC1F9578C79}"/>
+                    </a:ext>
+                  </a:extLst>
+                </p:cNvPr>
+                <p:cNvSpPr/>
+                <p:nvPr/>
+              </p:nvSpPr>
+              <p:spPr>
+                <a:xfrm rot="16200000">
+                  <a:off x="1076719" y="3244064"/>
+                  <a:ext cx="380797" cy="152479"/>
+                </a:xfrm>
+                <a:prstGeom prst="rightArrow">
+                  <a:avLst>
+                    <a:gd name="adj1" fmla="val 50000"/>
+                    <a:gd name="adj2" fmla="val 100073"/>
+                  </a:avLst>
+                </a:prstGeom>
+                <a:solidFill>
+                  <a:schemeClr val="tx2">
+                    <a:lumMod val="60000"/>
+                    <a:lumOff val="40000"/>
+                  </a:schemeClr>
+                </a:solidFill>
+                <a:ln>
+                  <a:noFill/>
+                </a:ln>
+                <a:effectLst/>
+              </p:spPr>
+              <p:style>
+                <a:lnRef idx="1">
+                  <a:schemeClr val="accent1"/>
+                </a:lnRef>
+                <a:fillRef idx="3">
+                  <a:schemeClr val="accent1"/>
+                </a:fillRef>
+                <a:effectRef idx="2">
+                  <a:schemeClr val="accent1"/>
+                </a:effectRef>
+                <a:fontRef idx="minor">
+                  <a:schemeClr val="lt1"/>
+                </a:fontRef>
+              </p:style>
+              <p:txBody>
+                <a:bodyPr rtlCol="0" anchor="t"/>
+                <a:lstStyle/>
+                <a:p>
+                  <a:pPr algn="ctr"/>
+                  <a:endParaRPr lang="en-US" sz="600" dirty="0">
+                    <a:latin typeface="Helvetica" pitchFamily="2" charset="0"/>
+                    <a:cs typeface="Arial"/>
+                  </a:endParaRPr>
+                </a:p>
+              </p:txBody>
+            </p:sp>
             <p:grpSp>
               <p:nvGrpSpPr>
-                <p:cNvPr id="64" name="Group 63">
+                <p:cNvPr id="32" name="Group 31">
                   <a:extLst>
                     <a:ext uri="{FF2B5EF4-FFF2-40B4-BE49-F238E27FC236}">
-                      <a16:creationId xmlns:a16="http://schemas.microsoft.com/office/drawing/2014/main" id="{D546A08B-0D9E-4045-9EE1-763552093711}"/>
+                      <a16:creationId xmlns:a16="http://schemas.microsoft.com/office/drawing/2014/main" id="{BD79AEE6-1AC9-374A-ADE0-3FA847EB961B}"/>
                     </a:ext>
                   </a:extLst>
                 </p:cNvPr>
@@ -4005,18 +3642,222 @@
               </p:nvGrpSpPr>
               <p:grpSpPr>
                 <a:xfrm>
-                  <a:off x="551290" y="4569292"/>
-                  <a:ext cx="1796884" cy="702304"/>
-                  <a:chOff x="630206" y="3145001"/>
-                  <a:chExt cx="1796884" cy="702304"/>
+                  <a:off x="513036" y="465941"/>
+                  <a:ext cx="1954727" cy="1635522"/>
+                  <a:chOff x="803228" y="1148080"/>
+                  <a:chExt cx="2207958" cy="1847401"/>
+                </a:xfrm>
+              </p:grpSpPr>
+              <p:grpSp>
+                <p:nvGrpSpPr>
+                  <p:cNvPr id="24" name="Group 23">
+                    <a:extLst>
+                      <a:ext uri="{FF2B5EF4-FFF2-40B4-BE49-F238E27FC236}">
+                        <a16:creationId xmlns:a16="http://schemas.microsoft.com/office/drawing/2014/main" id="{631AFE0B-8A37-CE4B-9D72-F87EDFEA9D10}"/>
+                      </a:ext>
+                    </a:extLst>
+                  </p:cNvPr>
+                  <p:cNvGrpSpPr/>
+                  <p:nvPr/>
+                </p:nvGrpSpPr>
+                <p:grpSpPr>
+                  <a:xfrm>
+                    <a:off x="803228" y="1148080"/>
+                    <a:ext cx="1848820" cy="1847401"/>
+                    <a:chOff x="3610116" y="-1238"/>
+                    <a:chExt cx="3922586" cy="3919576"/>
+                  </a:xfrm>
+                  <a:effectLst>
+                    <a:outerShdw blurRad="50800" dist="38100" dir="8100000" algn="tr" rotWithShape="0">
+                      <a:prstClr val="black">
+                        <a:alpha val="40000"/>
+                      </a:prstClr>
+                    </a:outerShdw>
+                  </a:effectLst>
+                </p:grpSpPr>
+                <p:pic>
+                  <p:nvPicPr>
+                    <p:cNvPr id="12" name="Picture 11">
+                      <a:extLst>
+                        <a:ext uri="{FF2B5EF4-FFF2-40B4-BE49-F238E27FC236}">
+                          <a16:creationId xmlns:a16="http://schemas.microsoft.com/office/drawing/2014/main" id="{EB6B00B9-8177-CD40-8263-6FF890D9A16A}"/>
+                        </a:ext>
+                      </a:extLst>
+                    </p:cNvPr>
+                    <p:cNvPicPr>
+                      <a:picLocks noChangeAspect="1"/>
+                    </p:cNvPicPr>
+                    <p:nvPr/>
+                  </p:nvPicPr>
+                  <p:blipFill>
+                    <a:blip r:embed="rId2"/>
+                    <a:stretch>
+                      <a:fillRect/>
+                    </a:stretch>
+                  </p:blipFill>
+                  <p:spPr>
+                    <a:xfrm>
+                      <a:off x="3610116" y="-1238"/>
+                      <a:ext cx="3175000" cy="3175000"/>
+                    </a:xfrm>
+                    <a:prstGeom prst="rect">
+                      <a:avLst/>
+                    </a:prstGeom>
+                    <a:effectLst>
+                      <a:outerShdw blurRad="50800" dist="38100" dir="8100000" algn="tr" rotWithShape="0">
+                        <a:prstClr val="black">
+                          <a:alpha val="40000"/>
+                        </a:prstClr>
+                      </a:outerShdw>
+                    </a:effectLst>
+                  </p:spPr>
+                </p:pic>
+                <p:pic>
+                  <p:nvPicPr>
+                    <p:cNvPr id="9" name="Picture 8">
+                      <a:extLst>
+                        <a:ext uri="{FF2B5EF4-FFF2-40B4-BE49-F238E27FC236}">
+                          <a16:creationId xmlns:a16="http://schemas.microsoft.com/office/drawing/2014/main" id="{F4473D98-3E38-AF46-B291-01E88D007FE4}"/>
+                        </a:ext>
+                      </a:extLst>
+                    </p:cNvPr>
+                    <p:cNvPicPr>
+                      <a:picLocks noChangeAspect="1"/>
+                    </p:cNvPicPr>
+                    <p:nvPr/>
+                  </p:nvPicPr>
+                  <p:blipFill>
+                    <a:blip r:embed="rId3"/>
+                    <a:stretch>
+                      <a:fillRect/>
+                    </a:stretch>
+                  </p:blipFill>
+                  <p:spPr>
+                    <a:xfrm>
+                      <a:off x="3992008" y="389179"/>
+                      <a:ext cx="3175000" cy="3175000"/>
+                    </a:xfrm>
+                    <a:prstGeom prst="rect">
+                      <a:avLst/>
+                    </a:prstGeom>
+                    <a:effectLst>
+                      <a:outerShdw blurRad="50800" dist="38100" dir="8100000" algn="tr" rotWithShape="0">
+                        <a:prstClr val="black">
+                          <a:alpha val="40000"/>
+                        </a:prstClr>
+                      </a:outerShdw>
+                    </a:effectLst>
+                  </p:spPr>
+                </p:pic>
+                <p:pic>
+                  <p:nvPicPr>
+                    <p:cNvPr id="7" name="Picture 6">
+                      <a:extLst>
+                        <a:ext uri="{FF2B5EF4-FFF2-40B4-BE49-F238E27FC236}">
+                          <a16:creationId xmlns:a16="http://schemas.microsoft.com/office/drawing/2014/main" id="{3B822805-9E6E-D34D-804F-6C50599FF6A1}"/>
+                        </a:ext>
+                      </a:extLst>
+                    </p:cNvPr>
+                    <p:cNvPicPr>
+                      <a:picLocks noChangeAspect="1"/>
+                    </p:cNvPicPr>
+                    <p:nvPr/>
+                  </p:nvPicPr>
+                  <p:blipFill>
+                    <a:blip r:embed="rId4"/>
+                    <a:stretch>
+                      <a:fillRect/>
+                    </a:stretch>
+                  </p:blipFill>
+                  <p:spPr>
+                    <a:xfrm>
+                      <a:off x="4357702" y="743338"/>
+                      <a:ext cx="3175000" cy="3175000"/>
+                    </a:xfrm>
+                    <a:prstGeom prst="rect">
+                      <a:avLst/>
+                    </a:prstGeom>
+                    <a:effectLst>
+                      <a:outerShdw blurRad="50800" dist="38100" dir="8100000" algn="tr" rotWithShape="0">
+                        <a:prstClr val="black">
+                          <a:alpha val="40000"/>
+                        </a:prstClr>
+                      </a:outerShdw>
+                    </a:effectLst>
+                  </p:spPr>
+                </p:pic>
+              </p:grpSp>
+              <p:sp>
+                <p:nvSpPr>
+                  <p:cNvPr id="56" name="TextBox 55">
+                    <a:extLst>
+                      <a:ext uri="{FF2B5EF4-FFF2-40B4-BE49-F238E27FC236}">
+                        <a16:creationId xmlns:a16="http://schemas.microsoft.com/office/drawing/2014/main" id="{51042740-318C-6042-913C-AD94DFEE03DA}"/>
+                      </a:ext>
+                    </a:extLst>
+                  </p:cNvPr>
+                  <p:cNvSpPr txBox="1"/>
+                  <p:nvPr/>
+                </p:nvSpPr>
+                <p:spPr>
+                  <a:xfrm>
+                    <a:off x="1280160" y="1456510"/>
+                    <a:ext cx="1731026" cy="295501"/>
+                  </a:xfrm>
+                  <a:prstGeom prst="rect">
+                    <a:avLst/>
+                  </a:prstGeom>
+                  <a:noFill/>
+                </p:spPr>
+                <p:txBody>
+                  <a:bodyPr wrap="square" rtlCol="0">
+                    <a:spAutoFit/>
+                  </a:bodyPr>
+                  <a:lstStyle/>
+                  <a:p>
+                    <a:r>
+                      <a:rPr lang="en-US" sz="1100" dirty="0">
+                        <a:solidFill>
+                          <a:schemeClr val="tx1">
+                            <a:lumMod val="75000"/>
+                            <a:lumOff val="25000"/>
+                          </a:schemeClr>
+                        </a:solidFill>
+                        <a:latin typeface="Helvetica" pitchFamily="2" charset="0"/>
+                        <a:cs typeface="Arial"/>
+                      </a:rPr>
+                      <a:t>covariates</a:t>
+                    </a:r>
+                  </a:p>
+                </p:txBody>
+              </p:sp>
+            </p:grpSp>
+            <p:grpSp>
+              <p:nvGrpSpPr>
+                <p:cNvPr id="60" name="Group 59">
+                  <a:extLst>
+                    <a:ext uri="{FF2B5EF4-FFF2-40B4-BE49-F238E27FC236}">
+                      <a16:creationId xmlns:a16="http://schemas.microsoft.com/office/drawing/2014/main" id="{D70E7633-9F72-BD4C-95A4-C8D94D81451E}"/>
+                    </a:ext>
+                  </a:extLst>
+                </p:cNvPr>
+                <p:cNvGrpSpPr/>
+                <p:nvPr/>
+              </p:nvGrpSpPr>
+              <p:grpSpPr>
+                <a:xfrm>
+                  <a:off x="351312" y="2310947"/>
+                  <a:ext cx="1599345" cy="625597"/>
+                  <a:chOff x="620553" y="3140663"/>
+                  <a:chExt cx="1806537" cy="706642"/>
                 </a:xfrm>
               </p:grpSpPr>
               <p:sp>
                 <p:nvSpPr>
-                  <p:cNvPr id="65" name="Rectangle 64">
+                  <p:cNvPr id="57" name="Rectangle 56">
                     <a:extLst>
                       <a:ext uri="{FF2B5EF4-FFF2-40B4-BE49-F238E27FC236}">
-                        <a16:creationId xmlns:a16="http://schemas.microsoft.com/office/drawing/2014/main" id="{CEB00A79-1221-EF4A-84F4-1BD9F97152DF}"/>
+                        <a16:creationId xmlns:a16="http://schemas.microsoft.com/office/drawing/2014/main" id="{B232DA0C-32DF-724A-AD55-7418CD433094}"/>
                       </a:ext>
                     </a:extLst>
                   </p:cNvPr>
@@ -4077,10 +3918,10 @@
               </p:sp>
               <p:sp>
                 <p:nvSpPr>
-                  <p:cNvPr id="66" name="TextBox 65">
+                  <p:cNvPr id="58" name="TextBox 57">
                     <a:extLst>
                       <a:ext uri="{FF2B5EF4-FFF2-40B4-BE49-F238E27FC236}">
-                        <a16:creationId xmlns:a16="http://schemas.microsoft.com/office/drawing/2014/main" id="{45511A1A-294F-CC4F-9040-923AAB1FE315}"/>
+                        <a16:creationId xmlns:a16="http://schemas.microsoft.com/office/drawing/2014/main" id="{9527396C-464B-C241-8E4C-361BF8FD6F6B}"/>
                       </a:ext>
                     </a:extLst>
                   </p:cNvPr>
@@ -4089,8 +3930,8 @@
                 </p:nvSpPr>
                 <p:spPr>
                   <a:xfrm>
-                    <a:off x="630206" y="3145001"/>
-                    <a:ext cx="1731025" cy="295501"/>
+                    <a:off x="620553" y="3140663"/>
+                    <a:ext cx="1731024" cy="295501"/>
                   </a:xfrm>
                   <a:prstGeom prst="rect">
                     <a:avLst/>
@@ -4114,622 +3955,18 @@
                         <a:latin typeface="Helvetica" pitchFamily="2" charset="0"/>
                         <a:cs typeface="Arial"/>
                       </a:rPr>
-                      <a:t>observation model</a:t>
+                      <a:t>correlative model</a:t>
                     </a:r>
                   </a:p>
                 </p:txBody>
               </p:sp>
             </p:grpSp>
-            <p:pic>
-              <p:nvPicPr>
-                <p:cNvPr id="63" name="Picture 62">
+            <p:grpSp>
+              <p:nvGrpSpPr>
+                <p:cNvPr id="68" name="Group 67">
                   <a:extLst>
                     <a:ext uri="{FF2B5EF4-FFF2-40B4-BE49-F238E27FC236}">
-                      <a16:creationId xmlns:a16="http://schemas.microsoft.com/office/drawing/2014/main" id="{1D77CFD3-28B3-D54A-B9B4-9524947E242C}"/>
-                    </a:ext>
-                  </a:extLst>
-                </p:cNvPr>
-                <p:cNvPicPr>
-                  <a:picLocks noChangeAspect="1"/>
-                </p:cNvPicPr>
-                <p:nvPr/>
-              </p:nvPicPr>
-              <p:blipFill>
-                <a:blip r:embed="rId6"/>
-                <a:stretch>
-                  <a:fillRect/>
-                </a:stretch>
-              </p:blipFill>
-              <p:spPr>
-                <a:xfrm>
-                  <a:off x="786948" y="4977392"/>
-                  <a:ext cx="1385058" cy="177326"/>
-                </a:xfrm>
-                <a:prstGeom prst="rect">
-                  <a:avLst/>
-                </a:prstGeom>
-              </p:spPr>
-            </p:pic>
-          </p:grpSp>
-          <p:grpSp>
-            <p:nvGrpSpPr>
-              <p:cNvPr id="106" name="Group 105">
-                <a:extLst>
-                  <a:ext uri="{FF2B5EF4-FFF2-40B4-BE49-F238E27FC236}">
-                    <a16:creationId xmlns:a16="http://schemas.microsoft.com/office/drawing/2014/main" id="{08AC4322-88B1-CD42-B7DC-EA39EA372CBF}"/>
-                  </a:ext>
-                </a:extLst>
-              </p:cNvPr>
-              <p:cNvGrpSpPr/>
-              <p:nvPr/>
-            </p:nvGrpSpPr>
-            <p:grpSpPr>
-              <a:xfrm>
-                <a:off x="2536106" y="2023110"/>
-                <a:ext cx="1487200" cy="1487200"/>
-                <a:chOff x="2516525" y="4158013"/>
-                <a:chExt cx="1487200" cy="1487200"/>
-              </a:xfrm>
-            </p:grpSpPr>
-            <p:sp>
-              <p:nvSpPr>
-                <p:cNvPr id="51" name="TextBox 50">
-                  <a:extLst>
-                    <a:ext uri="{FF2B5EF4-FFF2-40B4-BE49-F238E27FC236}">
-                      <a16:creationId xmlns:a16="http://schemas.microsoft.com/office/drawing/2014/main" id="{C077479B-F3DB-F94C-82A8-06132BFD60CD}"/>
-                    </a:ext>
-                  </a:extLst>
-                </p:cNvPr>
-                <p:cNvSpPr txBox="1"/>
-                <p:nvPr/>
-              </p:nvSpPr>
-              <p:spPr>
-                <a:xfrm>
-                  <a:off x="2659035" y="4357205"/>
-                  <a:ext cx="1077402" cy="446276"/>
-                </a:xfrm>
-                <a:prstGeom prst="rect">
-                  <a:avLst/>
-                </a:prstGeom>
-                <a:noFill/>
-              </p:spPr>
-              <p:txBody>
-                <a:bodyPr wrap="square" rtlCol="0">
-                  <a:spAutoFit/>
-                </a:bodyPr>
-                <a:lstStyle/>
-                <a:p>
-                  <a:pPr algn="r"/>
-                  <a:r>
-                    <a:rPr lang="en-US" sz="1100" dirty="0">
-                      <a:solidFill>
-                        <a:schemeClr val="tx1">
-                          <a:lumMod val="75000"/>
-                          <a:lumOff val="25000"/>
-                        </a:schemeClr>
-                      </a:solidFill>
-                      <a:latin typeface="Helvetica" pitchFamily="2" charset="0"/>
-                      <a:cs typeface="Arial"/>
-                    </a:rPr>
-                    <a:t>predicted</a:t>
-                  </a:r>
-                </a:p>
-                <a:p>
-                  <a:pPr algn="r"/>
-                  <a:r>
-                    <a:rPr lang="en-US" sz="1100" dirty="0">
-                      <a:solidFill>
-                        <a:schemeClr val="tx1">
-                          <a:lumMod val="75000"/>
-                          <a:lumOff val="25000"/>
-                        </a:schemeClr>
-                      </a:solidFill>
-                      <a:latin typeface="Helvetica" pitchFamily="2" charset="0"/>
-                      <a:cs typeface="Arial"/>
-                    </a:rPr>
-                    <a:t>distribution</a:t>
-                  </a:r>
-                </a:p>
-              </p:txBody>
-            </p:sp>
-            <p:pic>
-              <p:nvPicPr>
-                <p:cNvPr id="102" name="Picture 101">
-                  <a:extLst>
-                    <a:ext uri="{FF2B5EF4-FFF2-40B4-BE49-F238E27FC236}">
-                      <a16:creationId xmlns:a16="http://schemas.microsoft.com/office/drawing/2014/main" id="{C26B8CCE-99DC-DE41-86D0-D0C47679B2CD}"/>
-                    </a:ext>
-                  </a:extLst>
-                </p:cNvPr>
-                <p:cNvPicPr>
-                  <a:picLocks noChangeAspect="1"/>
-                </p:cNvPicPr>
-                <p:nvPr/>
-              </p:nvPicPr>
-              <p:blipFill>
-                <a:blip r:embed="rId7"/>
-                <a:stretch>
-                  <a:fillRect/>
-                </a:stretch>
-              </p:blipFill>
-              <p:spPr>
-                <a:xfrm>
-                  <a:off x="2516525" y="4158013"/>
-                  <a:ext cx="1487200" cy="1487200"/>
-                </a:xfrm>
-                <a:prstGeom prst="rect">
-                  <a:avLst/>
-                </a:prstGeom>
-                <a:effectLst>
-                  <a:outerShdw blurRad="50800" dist="38100" dir="8100000" algn="tr" rotWithShape="0">
-                    <a:prstClr val="black">
-                      <a:alpha val="40000"/>
-                    </a:prstClr>
-                  </a:outerShdw>
-                </a:effectLst>
-              </p:spPr>
-            </p:pic>
-          </p:grpSp>
-          <p:grpSp>
-            <p:nvGrpSpPr>
-              <p:cNvPr id="105" name="Group 104">
-                <a:extLst>
-                  <a:ext uri="{FF2B5EF4-FFF2-40B4-BE49-F238E27FC236}">
-                    <a16:creationId xmlns:a16="http://schemas.microsoft.com/office/drawing/2014/main" id="{EC0E2A2E-ABE0-AB43-A39D-11235D2295D3}"/>
-                  </a:ext>
-                </a:extLst>
-              </p:cNvPr>
-              <p:cNvGrpSpPr/>
-              <p:nvPr/>
-            </p:nvGrpSpPr>
-            <p:grpSpPr>
-              <a:xfrm>
-                <a:off x="2536106" y="3145383"/>
-                <a:ext cx="1487200" cy="1487200"/>
-                <a:chOff x="2516525" y="5280286"/>
-                <a:chExt cx="1487200" cy="1487200"/>
-              </a:xfrm>
-            </p:grpSpPr>
-            <p:sp>
-              <p:nvSpPr>
-                <p:cNvPr id="49" name="TextBox 48">
-                  <a:extLst>
-                    <a:ext uri="{FF2B5EF4-FFF2-40B4-BE49-F238E27FC236}">
-                      <a16:creationId xmlns:a16="http://schemas.microsoft.com/office/drawing/2014/main" id="{4936FABC-4EFA-374F-A4DC-C0ECD8A77D3E}"/>
-                    </a:ext>
-                  </a:extLst>
-                </p:cNvPr>
-                <p:cNvSpPr txBox="1"/>
-                <p:nvPr/>
-              </p:nvSpPr>
-              <p:spPr>
-                <a:xfrm>
-                  <a:off x="2724740" y="5489395"/>
-                  <a:ext cx="1035984" cy="446276"/>
-                </a:xfrm>
-                <a:prstGeom prst="rect">
-                  <a:avLst/>
-                </a:prstGeom>
-                <a:noFill/>
-              </p:spPr>
-              <p:txBody>
-                <a:bodyPr wrap="square" rtlCol="0">
-                  <a:spAutoFit/>
-                </a:bodyPr>
-                <a:lstStyle/>
-                <a:p>
-                  <a:pPr algn="r"/>
-                  <a:r>
-                    <a:rPr lang="en-US" sz="1100" dirty="0">
-                      <a:solidFill>
-                        <a:schemeClr val="tx1">
-                          <a:lumMod val="75000"/>
-                          <a:lumOff val="25000"/>
-                        </a:schemeClr>
-                      </a:solidFill>
-                      <a:latin typeface="Helvetica" pitchFamily="2" charset="0"/>
-                      <a:cs typeface="Arial"/>
-                    </a:rPr>
-                    <a:t>observed</a:t>
-                  </a:r>
-                </a:p>
-                <a:p>
-                  <a:pPr algn="r"/>
-                  <a:r>
-                    <a:rPr lang="en-US" sz="1100" dirty="0">
-                      <a:solidFill>
-                        <a:schemeClr val="tx1">
-                          <a:lumMod val="75000"/>
-                          <a:lumOff val="25000"/>
-                        </a:schemeClr>
-                      </a:solidFill>
-                      <a:latin typeface="Helvetica" pitchFamily="2" charset="0"/>
-                      <a:cs typeface="Arial"/>
-                    </a:rPr>
-                    <a:t>distribution</a:t>
-                  </a:r>
-                </a:p>
-              </p:txBody>
-            </p:sp>
-            <p:pic>
-              <p:nvPicPr>
-                <p:cNvPr id="104" name="Picture 103">
-                  <a:extLst>
-                    <a:ext uri="{FF2B5EF4-FFF2-40B4-BE49-F238E27FC236}">
-                      <a16:creationId xmlns:a16="http://schemas.microsoft.com/office/drawing/2014/main" id="{5CCBCF62-4FBE-EE46-A022-ED9AC17F56BF}"/>
-                    </a:ext>
-                  </a:extLst>
-                </p:cNvPr>
-                <p:cNvPicPr>
-                  <a:picLocks noChangeAspect="1"/>
-                </p:cNvPicPr>
-                <p:nvPr/>
-              </p:nvPicPr>
-              <p:blipFill>
-                <a:blip r:embed="rId8"/>
-                <a:stretch>
-                  <a:fillRect/>
-                </a:stretch>
-              </p:blipFill>
-              <p:spPr>
-                <a:xfrm>
-                  <a:off x="2516525" y="5280286"/>
-                  <a:ext cx="1487200" cy="1487200"/>
-                </a:xfrm>
-                <a:prstGeom prst="rect">
-                  <a:avLst/>
-                </a:prstGeom>
-                <a:effectLst>
-                  <a:outerShdw blurRad="50800" dist="38100" dir="8100000" algn="tr" rotWithShape="0">
-                    <a:prstClr val="black">
-                      <a:alpha val="40000"/>
-                    </a:prstClr>
-                  </a:outerShdw>
-                </a:effectLst>
-              </p:spPr>
-            </p:pic>
-          </p:grpSp>
-        </p:grpSp>
-        <p:grpSp>
-          <p:nvGrpSpPr>
-            <p:cNvPr id="136" name="Group 135">
-              <a:extLst>
-                <a:ext uri="{FF2B5EF4-FFF2-40B4-BE49-F238E27FC236}">
-                  <a16:creationId xmlns:a16="http://schemas.microsoft.com/office/drawing/2014/main" id="{00ABC2BE-4FDD-E44F-89AC-D2B22FEB0728}"/>
-                </a:ext>
-              </a:extLst>
-            </p:cNvPr>
-            <p:cNvGrpSpPr/>
-            <p:nvPr/>
-          </p:nvGrpSpPr>
-          <p:grpSpPr>
-            <a:xfrm>
-              <a:off x="4760854" y="309529"/>
-              <a:ext cx="4698740" cy="6572622"/>
-              <a:chOff x="4641108" y="244213"/>
-              <a:chExt cx="4698740" cy="6572622"/>
-            </a:xfrm>
-          </p:grpSpPr>
-          <p:sp>
-            <p:nvSpPr>
-              <p:cNvPr id="14" name="Rectangle 13">
-                <a:extLst>
-                  <a:ext uri="{FF2B5EF4-FFF2-40B4-BE49-F238E27FC236}">
-                    <a16:creationId xmlns:a16="http://schemas.microsoft.com/office/drawing/2014/main" id="{E9A4D94C-2082-9B4F-94B4-EB352BA115EA}"/>
-                  </a:ext>
-                </a:extLst>
-              </p:cNvPr>
-              <p:cNvSpPr/>
-              <p:nvPr/>
-            </p:nvSpPr>
-            <p:spPr>
-              <a:xfrm>
-                <a:off x="4687356" y="523918"/>
-                <a:ext cx="4652492" cy="6089869"/>
-              </a:xfrm>
-              <a:prstGeom prst="rect">
-                <a:avLst/>
-              </a:prstGeom>
-              <a:solidFill>
-                <a:srgbClr val="F8F8F8"/>
-              </a:solidFill>
-              <a:ln w="3175" cmpd="sng">
-                <a:noFill/>
-              </a:ln>
-              <a:effectLst/>
-            </p:spPr>
-            <p:style>
-              <a:lnRef idx="1">
-                <a:schemeClr val="accent1"/>
-              </a:lnRef>
-              <a:fillRef idx="3">
-                <a:schemeClr val="accent1"/>
-              </a:fillRef>
-              <a:effectRef idx="2">
-                <a:schemeClr val="accent1"/>
-              </a:effectRef>
-              <a:fontRef idx="minor">
-                <a:schemeClr val="lt1"/>
-              </a:fontRef>
-            </p:style>
-            <p:txBody>
-              <a:bodyPr rtlCol="0" anchor="ctr"/>
-              <a:lstStyle/>
-              <a:p>
-                <a:pPr algn="ctr"/>
-                <a:endParaRPr lang="en-US" sz="1050">
-                  <a:latin typeface="Helvetica" pitchFamily="2" charset="0"/>
-                  <a:cs typeface="Arial"/>
-                </a:endParaRPr>
-              </a:p>
-            </p:txBody>
-          </p:sp>
-          <p:sp>
-            <p:nvSpPr>
-              <p:cNvPr id="15" name="Rectangle 14">
-                <a:extLst>
-                  <a:ext uri="{FF2B5EF4-FFF2-40B4-BE49-F238E27FC236}">
-                    <a16:creationId xmlns:a16="http://schemas.microsoft.com/office/drawing/2014/main" id="{7BC37E20-9697-D74A-82DF-591E74DA8615}"/>
-                  </a:ext>
-                </a:extLst>
-              </p:cNvPr>
-              <p:cNvSpPr/>
-              <p:nvPr/>
-            </p:nvSpPr>
-            <p:spPr>
-              <a:xfrm>
-                <a:off x="4829490" y="982039"/>
-                <a:ext cx="4141241" cy="4218897"/>
-              </a:xfrm>
-              <a:prstGeom prst="rect">
-                <a:avLst/>
-              </a:prstGeom>
-              <a:solidFill>
-                <a:srgbClr val="F0F0F0"/>
-              </a:solidFill>
-              <a:ln w="3175" cmpd="sng">
-                <a:noFill/>
-              </a:ln>
-              <a:effectLst/>
-            </p:spPr>
-            <p:style>
-              <a:lnRef idx="1">
-                <a:schemeClr val="accent1"/>
-              </a:lnRef>
-              <a:fillRef idx="3">
-                <a:schemeClr val="accent1"/>
-              </a:fillRef>
-              <a:effectRef idx="2">
-                <a:schemeClr val="accent1"/>
-              </a:effectRef>
-              <a:fontRef idx="minor">
-                <a:schemeClr val="lt1"/>
-              </a:fontRef>
-            </p:style>
-            <p:txBody>
-              <a:bodyPr rtlCol="0" anchor="ctr"/>
-              <a:lstStyle/>
-              <a:p>
-                <a:pPr algn="ctr"/>
-                <a:endParaRPr lang="en-US" sz="1050">
-                  <a:latin typeface="Helvetica" pitchFamily="2" charset="0"/>
-                  <a:cs typeface="Arial"/>
-                </a:endParaRPr>
-              </a:p>
-            </p:txBody>
-          </p:sp>
-          <p:sp>
-            <p:nvSpPr>
-              <p:cNvPr id="16" name="Rectangle 15">
-                <a:extLst>
-                  <a:ext uri="{FF2B5EF4-FFF2-40B4-BE49-F238E27FC236}">
-                    <a16:creationId xmlns:a16="http://schemas.microsoft.com/office/drawing/2014/main" id="{39E6CFDB-8D5B-8F40-AA6C-CD7E52E03794}"/>
-                  </a:ext>
-                </a:extLst>
-              </p:cNvPr>
-              <p:cNvSpPr/>
-              <p:nvPr/>
-            </p:nvSpPr>
-            <p:spPr>
-              <a:xfrm>
-                <a:off x="4956990" y="2749403"/>
-                <a:ext cx="1947548" cy="2353559"/>
-              </a:xfrm>
-              <a:prstGeom prst="rect">
-                <a:avLst/>
-              </a:prstGeom>
-              <a:solidFill>
-                <a:srgbClr val="E8E8E8"/>
-              </a:solidFill>
-              <a:ln w="3175" cmpd="sng">
-                <a:noFill/>
-              </a:ln>
-              <a:effectLst/>
-            </p:spPr>
-            <p:style>
-              <a:lnRef idx="1">
-                <a:schemeClr val="accent1"/>
-              </a:lnRef>
-              <a:fillRef idx="3">
-                <a:schemeClr val="accent1"/>
-              </a:fillRef>
-              <a:effectRef idx="2">
-                <a:schemeClr val="accent1"/>
-              </a:effectRef>
-              <a:fontRef idx="minor">
-                <a:schemeClr val="lt1"/>
-              </a:fontRef>
-            </p:style>
-            <p:txBody>
-              <a:bodyPr rtlCol="0" anchor="ctr"/>
-              <a:lstStyle/>
-              <a:p>
-                <a:pPr algn="ctr"/>
-                <a:endParaRPr lang="en-US" sz="1050">
-                  <a:latin typeface="Helvetica" pitchFamily="2" charset="0"/>
-                  <a:cs typeface="Arial"/>
-                </a:endParaRPr>
-              </a:p>
-            </p:txBody>
-          </p:sp>
-          <p:sp>
-            <p:nvSpPr>
-              <p:cNvPr id="18" name="TextBox 17">
-                <a:extLst>
-                  <a:ext uri="{FF2B5EF4-FFF2-40B4-BE49-F238E27FC236}">
-                    <a16:creationId xmlns:a16="http://schemas.microsoft.com/office/drawing/2014/main" id="{F1E7649B-35B9-ED41-A752-4FCAA7886673}"/>
-                  </a:ext>
-                </a:extLst>
-              </p:cNvPr>
-              <p:cNvSpPr txBox="1"/>
-              <p:nvPr/>
-            </p:nvSpPr>
-            <p:spPr>
-              <a:xfrm>
-                <a:off x="4641108" y="244213"/>
-                <a:ext cx="2611010" cy="261610"/>
-              </a:xfrm>
-              <a:prstGeom prst="rect">
-                <a:avLst/>
-              </a:prstGeom>
-              <a:noFill/>
-            </p:spPr>
-            <p:txBody>
-              <a:bodyPr wrap="square" rtlCol="0">
-                <a:spAutoFit/>
-              </a:bodyPr>
-              <a:lstStyle/>
-              <a:p>
-                <a:r>
-                  <a:rPr lang="en-US" sz="1100" b="1" dirty="0">
-                    <a:solidFill>
-                      <a:schemeClr val="tx1">
-                        <a:lumMod val="75000"/>
-                        <a:lumOff val="25000"/>
-                      </a:schemeClr>
-                    </a:solidFill>
-                    <a:latin typeface="Helvetica" pitchFamily="2" charset="0"/>
-                    <a:cs typeface="Arial"/>
-                  </a:rPr>
-                  <a:t>Demographic SDM</a:t>
-                </a:r>
-              </a:p>
-            </p:txBody>
-          </p:sp>
-          <p:sp>
-            <p:nvSpPr>
-              <p:cNvPr id="19" name="TextBox 18">
-                <a:extLst>
-                  <a:ext uri="{FF2B5EF4-FFF2-40B4-BE49-F238E27FC236}">
-                    <a16:creationId xmlns:a16="http://schemas.microsoft.com/office/drawing/2014/main" id="{4880C298-E098-EA44-AE46-675822C351B6}"/>
-                  </a:ext>
-                </a:extLst>
-              </p:cNvPr>
-              <p:cNvSpPr txBox="1"/>
-              <p:nvPr/>
-            </p:nvSpPr>
-            <p:spPr>
-              <a:xfrm>
-                <a:off x="4759569" y="723419"/>
-                <a:ext cx="1445288" cy="261610"/>
-              </a:xfrm>
-              <a:prstGeom prst="rect">
-                <a:avLst/>
-              </a:prstGeom>
-              <a:noFill/>
-            </p:spPr>
-            <p:txBody>
-              <a:bodyPr wrap="square" rtlCol="0">
-                <a:spAutoFit/>
-              </a:bodyPr>
-              <a:lstStyle/>
-              <a:p>
-                <a:r>
-                  <a:rPr lang="en-US" sz="1100" b="1" dirty="0">
-                    <a:solidFill>
-                      <a:schemeClr val="tx1">
-                        <a:lumMod val="75000"/>
-                        <a:lumOff val="25000"/>
-                      </a:schemeClr>
-                    </a:solidFill>
-                    <a:latin typeface="Helvetica" pitchFamily="2" charset="0"/>
-                    <a:cs typeface="Arial"/>
-                  </a:rPr>
-                  <a:t>Spatial MPM/IPM</a:t>
-                </a:r>
-              </a:p>
-            </p:txBody>
-          </p:sp>
-          <p:sp>
-            <p:nvSpPr>
-              <p:cNvPr id="20" name="TextBox 19">
-                <a:extLst>
-                  <a:ext uri="{FF2B5EF4-FFF2-40B4-BE49-F238E27FC236}">
-                    <a16:creationId xmlns:a16="http://schemas.microsoft.com/office/drawing/2014/main" id="{69AD7EC9-204B-AA45-91AA-34F92CD873D4}"/>
-                  </a:ext>
-                </a:extLst>
-              </p:cNvPr>
-              <p:cNvSpPr txBox="1"/>
-              <p:nvPr/>
-            </p:nvSpPr>
-            <p:spPr>
-              <a:xfrm>
-                <a:off x="4904936" y="2475196"/>
-                <a:ext cx="1019717" cy="261610"/>
-              </a:xfrm>
-              <a:prstGeom prst="rect">
-                <a:avLst/>
-              </a:prstGeom>
-              <a:noFill/>
-            </p:spPr>
-            <p:txBody>
-              <a:bodyPr wrap="square" rtlCol="0">
-                <a:spAutoFit/>
-              </a:bodyPr>
-              <a:lstStyle/>
-              <a:p>
-                <a:r>
-                  <a:rPr lang="en-US" sz="1100" b="1" dirty="0">
-                    <a:solidFill>
-                      <a:schemeClr val="tx1">
-                        <a:lumMod val="75000"/>
-                        <a:lumOff val="25000"/>
-                      </a:schemeClr>
-                    </a:solidFill>
-                    <a:latin typeface="Helvetica" pitchFamily="2" charset="0"/>
-                    <a:cs typeface="Arial"/>
-                  </a:rPr>
-                  <a:t>MPM/IPM</a:t>
-                </a:r>
-              </a:p>
-            </p:txBody>
-          </p:sp>
-          <p:grpSp>
-            <p:nvGrpSpPr>
-              <p:cNvPr id="70" name="Group 69">
-                <a:extLst>
-                  <a:ext uri="{FF2B5EF4-FFF2-40B4-BE49-F238E27FC236}">
-                    <a16:creationId xmlns:a16="http://schemas.microsoft.com/office/drawing/2014/main" id="{E063138D-D103-5E48-9A46-A7120A0EA022}"/>
-                  </a:ext>
-                </a:extLst>
-              </p:cNvPr>
-              <p:cNvGrpSpPr/>
-              <p:nvPr/>
-            </p:nvGrpSpPr>
-            <p:grpSpPr>
-              <a:xfrm>
-                <a:off x="5077310" y="818326"/>
-                <a:ext cx="1954727" cy="1635522"/>
-                <a:chOff x="803228" y="1148080"/>
-                <a:chExt cx="2207958" cy="1847401"/>
-              </a:xfrm>
-            </p:grpSpPr>
-            <p:grpSp>
-              <p:nvGrpSpPr>
-                <p:cNvPr id="71" name="Group 70">
-                  <a:extLst>
-                    <a:ext uri="{FF2B5EF4-FFF2-40B4-BE49-F238E27FC236}">
-                      <a16:creationId xmlns:a16="http://schemas.microsoft.com/office/drawing/2014/main" id="{C29D56BF-1326-E048-82C1-6F5E0B915B45}"/>
+                      <a16:creationId xmlns:a16="http://schemas.microsoft.com/office/drawing/2014/main" id="{FD650A8F-460B-FE41-A0EA-5711587EC8B3}"/>
                     </a:ext>
                   </a:extLst>
                 </p:cNvPr>
@@ -4738,25 +3975,147 @@
               </p:nvGrpSpPr>
               <p:grpSpPr>
                 <a:xfrm>
-                  <a:off x="803228" y="1148080"/>
-                  <a:ext cx="1848820" cy="1847401"/>
-                  <a:chOff x="3610116" y="-1238"/>
-                  <a:chExt cx="3922586" cy="3919576"/>
+                  <a:off x="353076" y="3606816"/>
+                  <a:ext cx="1590799" cy="621757"/>
+                  <a:chOff x="551290" y="4569292"/>
+                  <a:chExt cx="1796884" cy="702304"/>
                 </a:xfrm>
-                <a:effectLst>
-                  <a:outerShdw blurRad="50800" dist="38100" dir="8100000" algn="tr" rotWithShape="0">
-                    <a:prstClr val="black">
-                      <a:alpha val="40000"/>
-                    </a:prstClr>
-                  </a:outerShdw>
-                </a:effectLst>
               </p:grpSpPr>
+              <p:grpSp>
+                <p:nvGrpSpPr>
+                  <p:cNvPr id="64" name="Group 63">
+                    <a:extLst>
+                      <a:ext uri="{FF2B5EF4-FFF2-40B4-BE49-F238E27FC236}">
+                        <a16:creationId xmlns:a16="http://schemas.microsoft.com/office/drawing/2014/main" id="{D546A08B-0D9E-4045-9EE1-763552093711}"/>
+                      </a:ext>
+                    </a:extLst>
+                  </p:cNvPr>
+                  <p:cNvGrpSpPr/>
+                  <p:nvPr/>
+                </p:nvGrpSpPr>
+                <p:grpSpPr>
+                  <a:xfrm>
+                    <a:off x="551290" y="4569292"/>
+                    <a:ext cx="1796884" cy="702304"/>
+                    <a:chOff x="630206" y="3145001"/>
+                    <a:chExt cx="1796884" cy="702304"/>
+                  </a:xfrm>
+                </p:grpSpPr>
+                <p:sp>
+                  <p:nvSpPr>
+                    <p:cNvPr id="65" name="Rectangle 64">
+                      <a:extLst>
+                        <a:ext uri="{FF2B5EF4-FFF2-40B4-BE49-F238E27FC236}">
+                          <a16:creationId xmlns:a16="http://schemas.microsoft.com/office/drawing/2014/main" id="{CEB00A79-1221-EF4A-84F4-1BD9F97152DF}"/>
+                        </a:ext>
+                      </a:extLst>
+                    </p:cNvPr>
+                    <p:cNvSpPr/>
+                    <p:nvPr/>
+                  </p:nvSpPr>
+                  <p:spPr>
+                    <a:xfrm>
+                      <a:off x="696065" y="3408601"/>
+                      <a:ext cx="1731025" cy="438704"/>
+                    </a:xfrm>
+                    <a:prstGeom prst="rect">
+                      <a:avLst/>
+                    </a:prstGeom>
+                    <a:solidFill>
+                      <a:schemeClr val="bg1"/>
+                    </a:solidFill>
+                    <a:ln w="3175" cmpd="sng">
+                      <a:solidFill>
+                        <a:schemeClr val="bg1">
+                          <a:lumMod val="65000"/>
+                        </a:schemeClr>
+                      </a:solidFill>
+                    </a:ln>
+                    <a:effectLst/>
+                  </p:spPr>
+                  <p:style>
+                    <a:lnRef idx="1">
+                      <a:schemeClr val="accent1"/>
+                    </a:lnRef>
+                    <a:fillRef idx="3">
+                      <a:schemeClr val="accent1"/>
+                    </a:fillRef>
+                    <a:effectRef idx="2">
+                      <a:schemeClr val="accent1"/>
+                    </a:effectRef>
+                    <a:fontRef idx="minor">
+                      <a:schemeClr val="lt1"/>
+                    </a:fontRef>
+                  </p:style>
+                  <p:txBody>
+                    <a:bodyPr rtlCol="0" anchor="ctr"/>
+                    <a:lstStyle/>
+                    <a:p>
+                      <a:pPr algn="ctr"/>
+                      <a:endParaRPr lang="en-US" sz="1100" dirty="0">
+                        <a:solidFill>
+                          <a:schemeClr val="tx1">
+                            <a:lumMod val="85000"/>
+                            <a:lumOff val="15000"/>
+                          </a:schemeClr>
+                        </a:solidFill>
+                        <a:latin typeface="Helvetica" pitchFamily="2" charset="0"/>
+                        <a:cs typeface="Arial"/>
+                      </a:endParaRPr>
+                    </a:p>
+                  </p:txBody>
+                </p:sp>
+                <p:sp>
+                  <p:nvSpPr>
+                    <p:cNvPr id="66" name="TextBox 65">
+                      <a:extLst>
+                        <a:ext uri="{FF2B5EF4-FFF2-40B4-BE49-F238E27FC236}">
+                          <a16:creationId xmlns:a16="http://schemas.microsoft.com/office/drawing/2014/main" id="{45511A1A-294F-CC4F-9040-923AAB1FE315}"/>
+                        </a:ext>
+                      </a:extLst>
+                    </p:cNvPr>
+                    <p:cNvSpPr txBox="1"/>
+                    <p:nvPr/>
+                  </p:nvSpPr>
+                  <p:spPr>
+                    <a:xfrm>
+                      <a:off x="630206" y="3145001"/>
+                      <a:ext cx="1731025" cy="295501"/>
+                    </a:xfrm>
+                    <a:prstGeom prst="rect">
+                      <a:avLst/>
+                    </a:prstGeom>
+                    <a:noFill/>
+                  </p:spPr>
+                  <p:txBody>
+                    <a:bodyPr wrap="square" rtlCol="0">
+                      <a:spAutoFit/>
+                    </a:bodyPr>
+                    <a:lstStyle/>
+                    <a:p>
+                      <a:r>
+                        <a:rPr lang="en-US" sz="1100" dirty="0">
+                          <a:solidFill>
+                            <a:schemeClr val="tx1">
+                              <a:lumMod val="75000"/>
+                              <a:lumOff val="25000"/>
+                            </a:schemeClr>
+                          </a:solidFill>
+                          <a:latin typeface="Helvetica" pitchFamily="2" charset="0"/>
+                          <a:cs typeface="Arial"/>
+                        </a:rPr>
+                        <a:t>observation model</a:t>
+                      </a:r>
+                    </a:p>
+                  </p:txBody>
+                </p:sp>
+              </p:grpSp>
               <p:pic>
                 <p:nvPicPr>
-                  <p:cNvPr id="73" name="Picture 72">
+                  <p:cNvPr id="63" name="Picture 62">
                     <a:extLst>
                       <a:ext uri="{FF2B5EF4-FFF2-40B4-BE49-F238E27FC236}">
-                        <a16:creationId xmlns:a16="http://schemas.microsoft.com/office/drawing/2014/main" id="{9AFD1FFC-A2C8-8545-8530-6D126042E7C6}"/>
+                        <a16:creationId xmlns:a16="http://schemas.microsoft.com/office/drawing/2014/main" id="{1D77CFD3-28B3-D54A-B9B4-9524947E242C}"/>
                       </a:ext>
                     </a:extLst>
                   </p:cNvPr>
@@ -4766,34 +4125,109 @@
                   <p:nvPr/>
                 </p:nvPicPr>
                 <p:blipFill>
-                  <a:blip r:embed="rId2"/>
+                  <a:blip r:embed="rId5"/>
                   <a:stretch>
                     <a:fillRect/>
                   </a:stretch>
                 </p:blipFill>
                 <p:spPr>
                   <a:xfrm>
-                    <a:off x="3610116" y="-1238"/>
-                    <a:ext cx="3175000" cy="3175000"/>
+                    <a:off x="786948" y="4977392"/>
+                    <a:ext cx="1385058" cy="177326"/>
                   </a:xfrm>
                   <a:prstGeom prst="rect">
                     <a:avLst/>
                   </a:prstGeom>
-                  <a:effectLst>
-                    <a:outerShdw blurRad="50800" dist="38100" dir="8100000" algn="tr" rotWithShape="0">
-                      <a:prstClr val="black">
-                        <a:alpha val="40000"/>
-                      </a:prstClr>
-                    </a:outerShdw>
-                  </a:effectLst>
                 </p:spPr>
               </p:pic>
+            </p:grpSp>
+            <p:grpSp>
+              <p:nvGrpSpPr>
+                <p:cNvPr id="106" name="Group 105">
+                  <a:extLst>
+                    <a:ext uri="{FF2B5EF4-FFF2-40B4-BE49-F238E27FC236}">
+                      <a16:creationId xmlns:a16="http://schemas.microsoft.com/office/drawing/2014/main" id="{08AC4322-88B1-CD42-B7DC-EA39EA372CBF}"/>
+                    </a:ext>
+                  </a:extLst>
+                </p:cNvPr>
+                <p:cNvGrpSpPr/>
+                <p:nvPr/>
+              </p:nvGrpSpPr>
+              <p:grpSpPr>
+                <a:xfrm>
+                  <a:off x="2536106" y="2023110"/>
+                  <a:ext cx="1487200" cy="1487200"/>
+                  <a:chOff x="2516525" y="4158013"/>
+                  <a:chExt cx="1487200" cy="1487200"/>
+                </a:xfrm>
+              </p:grpSpPr>
+              <p:sp>
+                <p:nvSpPr>
+                  <p:cNvPr id="51" name="TextBox 50">
+                    <a:extLst>
+                      <a:ext uri="{FF2B5EF4-FFF2-40B4-BE49-F238E27FC236}">
+                        <a16:creationId xmlns:a16="http://schemas.microsoft.com/office/drawing/2014/main" id="{C077479B-F3DB-F94C-82A8-06132BFD60CD}"/>
+                      </a:ext>
+                    </a:extLst>
+                  </p:cNvPr>
+                  <p:cNvSpPr txBox="1"/>
+                  <p:nvPr/>
+                </p:nvSpPr>
+                <p:spPr>
+                  <a:xfrm>
+                    <a:off x="2659035" y="4357205"/>
+                    <a:ext cx="1077402" cy="446276"/>
+                  </a:xfrm>
+                  <a:prstGeom prst="rect">
+                    <a:avLst/>
+                  </a:prstGeom>
+                  <a:noFill/>
+                </p:spPr>
+                <p:txBody>
+                  <a:bodyPr wrap="square" rtlCol="0">
+                    <a:spAutoFit/>
+                  </a:bodyPr>
+                  <a:lstStyle/>
+                  <a:p>
+                    <a:pPr algn="r"/>
+                    <a:r>
+                      <a:rPr lang="en-US" sz="1100" dirty="0">
+                        <a:solidFill>
+                          <a:schemeClr val="tx1">
+                            <a:lumMod val="75000"/>
+                            <a:lumOff val="25000"/>
+                          </a:schemeClr>
+                        </a:solidFill>
+                        <a:latin typeface="Helvetica" pitchFamily="2" charset="0"/>
+                        <a:cs typeface="Arial"/>
+                      </a:rPr>
+                      <a:t>predicted</a:t>
+                    </a:r>
+                  </a:p>
+                  <a:p>
+                    <a:pPr algn="r"/>
+                    <a:r>
+                      <a:rPr lang="en-US" sz="1100" dirty="0">
+                        <a:solidFill>
+                          <a:schemeClr val="tx1">
+                            <a:lumMod val="75000"/>
+                            <a:lumOff val="25000"/>
+                          </a:schemeClr>
+                        </a:solidFill>
+                        <a:latin typeface="Helvetica" pitchFamily="2" charset="0"/>
+                        <a:cs typeface="Arial"/>
+                      </a:rPr>
+                      <a:t>distribution</a:t>
+                    </a:r>
+                  </a:p>
+                </p:txBody>
+              </p:sp>
               <p:pic>
                 <p:nvPicPr>
-                  <p:cNvPr id="74" name="Picture 73">
+                  <p:cNvPr id="102" name="Picture 101">
                     <a:extLst>
                       <a:ext uri="{FF2B5EF4-FFF2-40B4-BE49-F238E27FC236}">
-                        <a16:creationId xmlns:a16="http://schemas.microsoft.com/office/drawing/2014/main" id="{DB421F5A-2613-1C43-ACEC-14D0F4B23A25}"/>
+                        <a16:creationId xmlns:a16="http://schemas.microsoft.com/office/drawing/2014/main" id="{C26B8CCE-99DC-DE41-86D0-D0C47679B2CD}"/>
                       </a:ext>
                     </a:extLst>
                   </p:cNvPr>
@@ -4803,52 +4237,15 @@
                   <p:nvPr/>
                 </p:nvPicPr>
                 <p:blipFill>
-                  <a:blip r:embed="rId3"/>
+                  <a:blip r:embed="rId6"/>
                   <a:stretch>
                     <a:fillRect/>
                   </a:stretch>
                 </p:blipFill>
                 <p:spPr>
                   <a:xfrm>
-                    <a:off x="3992008" y="389179"/>
-                    <a:ext cx="3175000" cy="3175000"/>
-                  </a:xfrm>
-                  <a:prstGeom prst="rect">
-                    <a:avLst/>
-                  </a:prstGeom>
-                  <a:effectLst>
-                    <a:outerShdw blurRad="50800" dist="38100" dir="8100000" algn="tr" rotWithShape="0">
-                      <a:prstClr val="black">
-                        <a:alpha val="40000"/>
-                      </a:prstClr>
-                    </a:outerShdw>
-                  </a:effectLst>
-                </p:spPr>
-              </p:pic>
-              <p:pic>
-                <p:nvPicPr>
-                  <p:cNvPr id="75" name="Picture 74">
-                    <a:extLst>
-                      <a:ext uri="{FF2B5EF4-FFF2-40B4-BE49-F238E27FC236}">
-                        <a16:creationId xmlns:a16="http://schemas.microsoft.com/office/drawing/2014/main" id="{1F574EF7-C344-A14A-9A1A-7B0F8FB4AF74}"/>
-                      </a:ext>
-                    </a:extLst>
-                  </p:cNvPr>
-                  <p:cNvPicPr>
-                    <a:picLocks noChangeAspect="1"/>
-                  </p:cNvPicPr>
-                  <p:nvPr/>
-                </p:nvPicPr>
-                <p:blipFill>
-                  <a:blip r:embed="rId4"/>
-                  <a:stretch>
-                    <a:fillRect/>
-                  </a:stretch>
-                </p:blipFill>
-                <p:spPr>
-                  <a:xfrm>
-                    <a:off x="4357702" y="743338"/>
-                    <a:ext cx="3175000" cy="3175000"/>
+                    <a:off x="2516525" y="4158013"/>
+                    <a:ext cx="1487200" cy="1487200"/>
                   </a:xfrm>
                   <a:prstGeom prst="rect">
                     <a:avLst/>
@@ -4863,358 +4260,132 @@
                 </p:spPr>
               </p:pic>
             </p:grpSp>
-            <p:sp>
-              <p:nvSpPr>
-                <p:cNvPr id="72" name="TextBox 71">
+            <p:grpSp>
+              <p:nvGrpSpPr>
+                <p:cNvPr id="105" name="Group 104">
                   <a:extLst>
                     <a:ext uri="{FF2B5EF4-FFF2-40B4-BE49-F238E27FC236}">
-                      <a16:creationId xmlns:a16="http://schemas.microsoft.com/office/drawing/2014/main" id="{F8284EAD-A696-C141-A443-FAEFA59F4521}"/>
+                      <a16:creationId xmlns:a16="http://schemas.microsoft.com/office/drawing/2014/main" id="{EC0E2A2E-ABE0-AB43-A39D-11235D2295D3}"/>
                     </a:ext>
                   </a:extLst>
                 </p:cNvPr>
-                <p:cNvSpPr txBox="1"/>
+                <p:cNvGrpSpPr/>
                 <p:nvPr/>
-              </p:nvSpPr>
-              <p:spPr>
+              </p:nvGrpSpPr>
+              <p:grpSpPr>
                 <a:xfrm>
-                  <a:off x="1280160" y="1456510"/>
-                  <a:ext cx="1731026" cy="295501"/>
+                  <a:off x="2536106" y="3145383"/>
+                  <a:ext cx="1487200" cy="1487200"/>
+                  <a:chOff x="2516525" y="5280286"/>
+                  <a:chExt cx="1487200" cy="1487200"/>
                 </a:xfrm>
-                <a:prstGeom prst="rect">
-                  <a:avLst/>
-                </a:prstGeom>
-                <a:noFill/>
-              </p:spPr>
-              <p:txBody>
-                <a:bodyPr wrap="square" rtlCol="0">
-                  <a:spAutoFit/>
-                </a:bodyPr>
-                <a:lstStyle/>
-                <a:p>
-                  <a:r>
-                    <a:rPr lang="en-US" sz="1100" dirty="0">
-                      <a:solidFill>
-                        <a:schemeClr val="tx1">
-                          <a:lumMod val="75000"/>
-                          <a:lumOff val="25000"/>
-                        </a:schemeClr>
-                      </a:solidFill>
-                      <a:latin typeface="Helvetica" pitchFamily="2" charset="0"/>
-                      <a:cs typeface="Arial"/>
-                    </a:rPr>
-                    <a:t>covariates</a:t>
-                  </a:r>
-                </a:p>
-              </p:txBody>
-            </p:sp>
+              </p:grpSpPr>
+              <p:sp>
+                <p:nvSpPr>
+                  <p:cNvPr id="49" name="TextBox 48">
+                    <a:extLst>
+                      <a:ext uri="{FF2B5EF4-FFF2-40B4-BE49-F238E27FC236}">
+                        <a16:creationId xmlns:a16="http://schemas.microsoft.com/office/drawing/2014/main" id="{4936FABC-4EFA-374F-A4DC-C0ECD8A77D3E}"/>
+                      </a:ext>
+                    </a:extLst>
+                  </p:cNvPr>
+                  <p:cNvSpPr txBox="1"/>
+                  <p:nvPr/>
+                </p:nvSpPr>
+                <p:spPr>
+                  <a:xfrm>
+                    <a:off x="2724740" y="5489395"/>
+                    <a:ext cx="1035984" cy="446276"/>
+                  </a:xfrm>
+                  <a:prstGeom prst="rect">
+                    <a:avLst/>
+                  </a:prstGeom>
+                  <a:noFill/>
+                </p:spPr>
+                <p:txBody>
+                  <a:bodyPr wrap="square" rtlCol="0">
+                    <a:spAutoFit/>
+                  </a:bodyPr>
+                  <a:lstStyle/>
+                  <a:p>
+                    <a:pPr algn="r"/>
+                    <a:r>
+                      <a:rPr lang="en-US" sz="1100" dirty="0">
+                        <a:solidFill>
+                          <a:schemeClr val="tx1">
+                            <a:lumMod val="75000"/>
+                            <a:lumOff val="25000"/>
+                          </a:schemeClr>
+                        </a:solidFill>
+                        <a:latin typeface="Helvetica" pitchFamily="2" charset="0"/>
+                        <a:cs typeface="Arial"/>
+                      </a:rPr>
+                      <a:t>observed</a:t>
+                    </a:r>
+                  </a:p>
+                  <a:p>
+                    <a:pPr algn="r"/>
+                    <a:r>
+                      <a:rPr lang="en-US" sz="1100" dirty="0">
+                        <a:solidFill>
+                          <a:schemeClr val="tx1">
+                            <a:lumMod val="75000"/>
+                            <a:lumOff val="25000"/>
+                          </a:schemeClr>
+                        </a:solidFill>
+                        <a:latin typeface="Helvetica" pitchFamily="2" charset="0"/>
+                        <a:cs typeface="Arial"/>
+                      </a:rPr>
+                      <a:t>distribution</a:t>
+                    </a:r>
+                  </a:p>
+                </p:txBody>
+              </p:sp>
+              <p:pic>
+                <p:nvPicPr>
+                  <p:cNvPr id="104" name="Picture 103">
+                    <a:extLst>
+                      <a:ext uri="{FF2B5EF4-FFF2-40B4-BE49-F238E27FC236}">
+                        <a16:creationId xmlns:a16="http://schemas.microsoft.com/office/drawing/2014/main" id="{5CCBCF62-4FBE-EE46-A022-ED9AC17F56BF}"/>
+                      </a:ext>
+                    </a:extLst>
+                  </p:cNvPr>
+                  <p:cNvPicPr>
+                    <a:picLocks noChangeAspect="1"/>
+                  </p:cNvPicPr>
+                  <p:nvPr/>
+                </p:nvPicPr>
+                <p:blipFill>
+                  <a:blip r:embed="rId7"/>
+                  <a:stretch>
+                    <a:fillRect/>
+                  </a:stretch>
+                </p:blipFill>
+                <p:spPr>
+                  <a:xfrm>
+                    <a:off x="2516525" y="5280286"/>
+                    <a:ext cx="1487200" cy="1487200"/>
+                  </a:xfrm>
+                  <a:prstGeom prst="rect">
+                    <a:avLst/>
+                  </a:prstGeom>
+                  <a:effectLst>
+                    <a:outerShdw blurRad="50800" dist="38100" dir="8100000" algn="tr" rotWithShape="0">
+                      <a:prstClr val="black">
+                        <a:alpha val="40000"/>
+                      </a:prstClr>
+                    </a:outerShdw>
+                  </a:effectLst>
+                </p:spPr>
+              </p:pic>
+            </p:grpSp>
           </p:grpSp>
-          <p:sp>
-            <p:nvSpPr>
-              <p:cNvPr id="78" name="TextBox 77">
+          <p:grpSp>
+            <p:nvGrpSpPr>
+              <p:cNvPr id="136" name="Group 135">
                 <a:extLst>
                   <a:ext uri="{FF2B5EF4-FFF2-40B4-BE49-F238E27FC236}">
-                    <a16:creationId xmlns:a16="http://schemas.microsoft.com/office/drawing/2014/main" id="{CFD4318E-F718-5E42-AF3E-A2012F00F6A9}"/>
-                  </a:ext>
-                </a:extLst>
-              </p:cNvPr>
-              <p:cNvSpPr txBox="1"/>
-              <p:nvPr/>
-            </p:nvSpPr>
-            <p:spPr>
-              <a:xfrm>
-                <a:off x="5515161" y="5246392"/>
-                <a:ext cx="1349147" cy="400110"/>
-              </a:xfrm>
-              <a:prstGeom prst="rect">
-                <a:avLst/>
-              </a:prstGeom>
-              <a:noFill/>
-            </p:spPr>
-            <p:txBody>
-              <a:bodyPr wrap="square" rtlCol="0">
-                <a:spAutoFit/>
-              </a:bodyPr>
-              <a:lstStyle/>
-              <a:p>
-                <a:pPr algn="r"/>
-                <a:r>
-                  <a:rPr lang="en-US" sz="1000" dirty="0">
-                    <a:solidFill>
-                      <a:schemeClr val="tx2">
-                        <a:lumMod val="60000"/>
-                        <a:lumOff val="40000"/>
-                      </a:schemeClr>
-                    </a:solidFill>
-                    <a:latin typeface="Helvetica" pitchFamily="2" charset="0"/>
-                    <a:cs typeface="Arial"/>
-                  </a:rPr>
-                  <a:t>statistical</a:t>
-                </a:r>
-              </a:p>
-              <a:p>
-                <a:pPr algn="r"/>
-                <a:r>
-                  <a:rPr lang="en-US" sz="1000" dirty="0">
-                    <a:solidFill>
-                      <a:schemeClr val="tx2">
-                        <a:lumMod val="60000"/>
-                        <a:lumOff val="40000"/>
-                      </a:schemeClr>
-                    </a:solidFill>
-                    <a:latin typeface="Helvetica" pitchFamily="2" charset="0"/>
-                    <a:cs typeface="Arial"/>
-                  </a:rPr>
-                  <a:t>inference</a:t>
-                </a:r>
-              </a:p>
-            </p:txBody>
-          </p:sp>
-          <p:sp>
-            <p:nvSpPr>
-              <p:cNvPr id="79" name="Right Arrow 78">
-                <a:extLst>
-                  <a:ext uri="{FF2B5EF4-FFF2-40B4-BE49-F238E27FC236}">
-                    <a16:creationId xmlns:a16="http://schemas.microsoft.com/office/drawing/2014/main" id="{B426BB15-9CD9-614A-86EC-CE3958916F9C}"/>
-                  </a:ext>
-                </a:extLst>
-              </p:cNvPr>
-              <p:cNvSpPr/>
-              <p:nvPr/>
-            </p:nvSpPr>
-            <p:spPr>
-              <a:xfrm>
-                <a:off x="6980916" y="4455881"/>
-                <a:ext cx="380797" cy="152479"/>
-              </a:xfrm>
-              <a:prstGeom prst="rightArrow">
-                <a:avLst>
-                  <a:gd name="adj1" fmla="val 50000"/>
-                  <a:gd name="adj2" fmla="val 100073"/>
-                </a:avLst>
-              </a:prstGeom>
-              <a:solidFill>
-                <a:schemeClr val="tx1">
-                  <a:lumMod val="50000"/>
-                  <a:lumOff val="50000"/>
-                </a:schemeClr>
-              </a:solidFill>
-              <a:ln>
-                <a:noFill/>
-              </a:ln>
-              <a:effectLst/>
-            </p:spPr>
-            <p:style>
-              <a:lnRef idx="1">
-                <a:schemeClr val="accent1"/>
-              </a:lnRef>
-              <a:fillRef idx="3">
-                <a:schemeClr val="accent1"/>
-              </a:fillRef>
-              <a:effectRef idx="2">
-                <a:schemeClr val="accent1"/>
-              </a:effectRef>
-              <a:fontRef idx="minor">
-                <a:schemeClr val="lt1"/>
-              </a:fontRef>
-            </p:style>
-            <p:txBody>
-              <a:bodyPr rtlCol="0" anchor="t"/>
-              <a:lstStyle/>
-              <a:p>
-                <a:pPr algn="ctr"/>
-                <a:endParaRPr lang="en-US" sz="600" dirty="0">
-                  <a:latin typeface="Helvetica" pitchFamily="2" charset="0"/>
-                  <a:cs typeface="Arial"/>
-                </a:endParaRPr>
-              </a:p>
-            </p:txBody>
-          </p:sp>
-          <p:sp>
-            <p:nvSpPr>
-              <p:cNvPr id="80" name="Right Arrow 79">
-                <a:extLst>
-                  <a:ext uri="{FF2B5EF4-FFF2-40B4-BE49-F238E27FC236}">
-                    <a16:creationId xmlns:a16="http://schemas.microsoft.com/office/drawing/2014/main" id="{153AA120-A66C-394B-8C36-06185BE5C648}"/>
-                  </a:ext>
-                </a:extLst>
-              </p:cNvPr>
-              <p:cNvSpPr/>
-              <p:nvPr/>
-            </p:nvSpPr>
-            <p:spPr>
-              <a:xfrm rot="10800000">
-                <a:off x="6903141" y="5993513"/>
-                <a:ext cx="380797" cy="152479"/>
-              </a:xfrm>
-              <a:prstGeom prst="rightArrow">
-                <a:avLst>
-                  <a:gd name="adj1" fmla="val 50000"/>
-                  <a:gd name="adj2" fmla="val 100073"/>
-                </a:avLst>
-              </a:prstGeom>
-              <a:solidFill>
-                <a:schemeClr val="tx2">
-                  <a:lumMod val="60000"/>
-                  <a:lumOff val="40000"/>
-                </a:schemeClr>
-              </a:solidFill>
-              <a:ln>
-                <a:noFill/>
-              </a:ln>
-              <a:effectLst/>
-            </p:spPr>
-            <p:style>
-              <a:lnRef idx="1">
-                <a:schemeClr val="accent1"/>
-              </a:lnRef>
-              <a:fillRef idx="3">
-                <a:schemeClr val="accent1"/>
-              </a:fillRef>
-              <a:effectRef idx="2">
-                <a:schemeClr val="accent1"/>
-              </a:effectRef>
-              <a:fontRef idx="minor">
-                <a:schemeClr val="lt1"/>
-              </a:fontRef>
-            </p:style>
-            <p:txBody>
-              <a:bodyPr rtlCol="0" anchor="t"/>
-              <a:lstStyle/>
-              <a:p>
-                <a:pPr algn="ctr"/>
-                <a:endParaRPr lang="en-US" sz="600" dirty="0">
-                  <a:latin typeface="Helvetica" pitchFamily="2" charset="0"/>
-                  <a:cs typeface="Arial"/>
-                </a:endParaRPr>
-              </a:p>
-            </p:txBody>
-          </p:sp>
-          <p:sp>
-            <p:nvSpPr>
-              <p:cNvPr id="81" name="Right Arrow 80">
-                <a:extLst>
-                  <a:ext uri="{FF2B5EF4-FFF2-40B4-BE49-F238E27FC236}">
-                    <a16:creationId xmlns:a16="http://schemas.microsoft.com/office/drawing/2014/main" id="{AFFED02D-C510-774E-A8E1-BE65D743CD78}"/>
-                  </a:ext>
-                </a:extLst>
-              </p:cNvPr>
-              <p:cNvSpPr/>
-              <p:nvPr/>
-            </p:nvSpPr>
-            <p:spPr>
-              <a:xfrm rot="8112022">
-                <a:off x="6861597" y="5422362"/>
-                <a:ext cx="641482" cy="131779"/>
-              </a:xfrm>
-              <a:prstGeom prst="rightArrow">
-                <a:avLst>
-                  <a:gd name="adj1" fmla="val 50000"/>
-                  <a:gd name="adj2" fmla="val 100073"/>
-                </a:avLst>
-              </a:prstGeom>
-              <a:solidFill>
-                <a:schemeClr val="tx2">
-                  <a:lumMod val="60000"/>
-                  <a:lumOff val="40000"/>
-                </a:schemeClr>
-              </a:solidFill>
-              <a:ln>
-                <a:noFill/>
-              </a:ln>
-              <a:effectLst/>
-            </p:spPr>
-            <p:style>
-              <a:lnRef idx="1">
-                <a:schemeClr val="accent1"/>
-              </a:lnRef>
-              <a:fillRef idx="3">
-                <a:schemeClr val="accent1"/>
-              </a:fillRef>
-              <a:effectRef idx="2">
-                <a:schemeClr val="accent1"/>
-              </a:effectRef>
-              <a:fontRef idx="minor">
-                <a:schemeClr val="lt1"/>
-              </a:fontRef>
-            </p:style>
-            <p:txBody>
-              <a:bodyPr rtlCol="0" anchor="t"/>
-              <a:lstStyle/>
-              <a:p>
-                <a:pPr algn="ctr"/>
-                <a:endParaRPr lang="en-US" sz="600" dirty="0">
-                  <a:latin typeface="Helvetica" pitchFamily="2" charset="0"/>
-                  <a:cs typeface="Arial"/>
-                </a:endParaRPr>
-              </a:p>
-            </p:txBody>
-          </p:sp>
-          <p:sp>
-            <p:nvSpPr>
-              <p:cNvPr id="87" name="Right Arrow 86">
-                <a:extLst>
-                  <a:ext uri="{FF2B5EF4-FFF2-40B4-BE49-F238E27FC236}">
-                    <a16:creationId xmlns:a16="http://schemas.microsoft.com/office/drawing/2014/main" id="{2542F643-9290-B941-A67E-63EA77B73F14}"/>
-                  </a:ext>
-                </a:extLst>
-              </p:cNvPr>
-              <p:cNvSpPr/>
-              <p:nvPr/>
-            </p:nvSpPr>
-            <p:spPr>
-              <a:xfrm rot="16200000">
-                <a:off x="5707962" y="5379146"/>
-                <a:ext cx="380797" cy="152479"/>
-              </a:xfrm>
-              <a:prstGeom prst="rightArrow">
-                <a:avLst>
-                  <a:gd name="adj1" fmla="val 50000"/>
-                  <a:gd name="adj2" fmla="val 100073"/>
-                </a:avLst>
-              </a:prstGeom>
-              <a:solidFill>
-                <a:schemeClr val="tx2">
-                  <a:lumMod val="60000"/>
-                  <a:lumOff val="40000"/>
-                </a:schemeClr>
-              </a:solidFill>
-              <a:ln>
-                <a:noFill/>
-              </a:ln>
-              <a:effectLst/>
-            </p:spPr>
-            <p:style>
-              <a:lnRef idx="1">
-                <a:schemeClr val="accent1"/>
-              </a:lnRef>
-              <a:fillRef idx="3">
-                <a:schemeClr val="accent1"/>
-              </a:fillRef>
-              <a:effectRef idx="2">
-                <a:schemeClr val="accent1"/>
-              </a:effectRef>
-              <a:fontRef idx="minor">
-                <a:schemeClr val="lt1"/>
-              </a:fontRef>
-            </p:style>
-            <p:txBody>
-              <a:bodyPr rtlCol="0" anchor="t"/>
-              <a:lstStyle/>
-              <a:p>
-                <a:pPr algn="ctr"/>
-                <a:endParaRPr lang="en-US" sz="600" dirty="0">
-                  <a:latin typeface="Helvetica" pitchFamily="2" charset="0"/>
-                  <a:cs typeface="Arial"/>
-                </a:endParaRPr>
-              </a:p>
-            </p:txBody>
-          </p:sp>
-          <p:grpSp>
-            <p:nvGrpSpPr>
-              <p:cNvPr id="93" name="Group 92">
-                <a:extLst>
-                  <a:ext uri="{FF2B5EF4-FFF2-40B4-BE49-F238E27FC236}">
-                    <a16:creationId xmlns:a16="http://schemas.microsoft.com/office/drawing/2014/main" id="{A5AD300D-74D7-EB4B-BDDF-14BE57E766F0}"/>
+                    <a16:creationId xmlns:a16="http://schemas.microsoft.com/office/drawing/2014/main" id="{00ABC2BE-4FDD-E44F-89AC-D2B22FEB0728}"/>
                   </a:ext>
                 </a:extLst>
               </p:cNvPr>
@@ -5223,18 +4394,18 @@
             </p:nvGrpSpPr>
             <p:grpSpPr>
               <a:xfrm>
-                <a:off x="4961994" y="3745161"/>
-                <a:ext cx="1824755" cy="1239057"/>
-                <a:chOff x="3317664" y="3965282"/>
-                <a:chExt cx="1824755" cy="1239057"/>
+                <a:off x="4760854" y="309529"/>
+                <a:ext cx="4698740" cy="6572622"/>
+                <a:chOff x="4641108" y="244213"/>
+                <a:chExt cx="4698740" cy="6572622"/>
               </a:xfrm>
             </p:grpSpPr>
             <p:sp>
               <p:nvSpPr>
-                <p:cNvPr id="91" name="Rectangle 90">
+                <p:cNvPr id="14" name="Rectangle 13">
                   <a:extLst>
                     <a:ext uri="{FF2B5EF4-FFF2-40B4-BE49-F238E27FC236}">
-                      <a16:creationId xmlns:a16="http://schemas.microsoft.com/office/drawing/2014/main" id="{FFE42E95-CFE5-0343-BC83-1FD9347F75ED}"/>
+                      <a16:creationId xmlns:a16="http://schemas.microsoft.com/office/drawing/2014/main" id="{E9A4D94C-2082-9B4F-94B4-EB352BA115EA}"/>
                     </a:ext>
                   </a:extLst>
                 </p:cNvPr>
@@ -5243,21 +4414,17 @@
               </p:nvSpPr>
               <p:spPr>
                 <a:xfrm>
-                  <a:off x="3387415" y="4203377"/>
-                  <a:ext cx="1755004" cy="1000962"/>
+                  <a:off x="4687356" y="523918"/>
+                  <a:ext cx="4652492" cy="6089869"/>
                 </a:xfrm>
                 <a:prstGeom prst="rect">
                   <a:avLst/>
                 </a:prstGeom>
                 <a:solidFill>
-                  <a:schemeClr val="bg1"/>
+                  <a:srgbClr val="F8F8F8"/>
                 </a:solidFill>
                 <a:ln w="3175" cmpd="sng">
-                  <a:solidFill>
-                    <a:schemeClr val="bg1">
-                      <a:lumMod val="65000"/>
-                    </a:schemeClr>
-                  </a:solidFill>
+                  <a:noFill/>
                 </a:ln>
                 <a:effectLst/>
               </p:spPr>
@@ -5280,55 +4447,127 @@
                 <a:lstStyle/>
                 <a:p>
                   <a:pPr algn="ctr"/>
-                  <a:endParaRPr lang="en-US" sz="1100" dirty="0">
-                    <a:solidFill>
-                      <a:schemeClr val="tx1">
-                        <a:lumMod val="85000"/>
-                        <a:lumOff val="15000"/>
-                      </a:schemeClr>
-                    </a:solidFill>
+                  <a:endParaRPr lang="en-US" sz="1050">
                     <a:latin typeface="Helvetica" pitchFamily="2" charset="0"/>
                     <a:cs typeface="Arial"/>
                   </a:endParaRPr>
                 </a:p>
               </p:txBody>
             </p:sp>
-            <p:pic>
-              <p:nvPicPr>
-                <p:cNvPr id="90" name="Picture 89">
+            <p:sp>
+              <p:nvSpPr>
+                <p:cNvPr id="15" name="Rectangle 14">
                   <a:extLst>
                     <a:ext uri="{FF2B5EF4-FFF2-40B4-BE49-F238E27FC236}">
-                      <a16:creationId xmlns:a16="http://schemas.microsoft.com/office/drawing/2014/main" id="{4DF8CA96-6776-E346-B32F-764CE486A14A}"/>
+                      <a16:creationId xmlns:a16="http://schemas.microsoft.com/office/drawing/2014/main" id="{7BC37E20-9697-D74A-82DF-591E74DA8615}"/>
                     </a:ext>
                   </a:extLst>
                 </p:cNvPr>
-                <p:cNvPicPr>
-                  <a:picLocks noChangeAspect="1"/>
-                </p:cNvPicPr>
+                <p:cNvSpPr/>
                 <p:nvPr/>
-              </p:nvPicPr>
-              <p:blipFill>
-                <a:blip r:embed="rId9"/>
-                <a:stretch>
-                  <a:fillRect/>
-                </a:stretch>
-              </p:blipFill>
+              </p:nvSpPr>
               <p:spPr>
                 <a:xfrm>
-                  <a:off x="3454337" y="4279831"/>
-                  <a:ext cx="1632383" cy="828621"/>
+                  <a:off x="4829490" y="982039"/>
+                  <a:ext cx="4141241" cy="4218897"/>
                 </a:xfrm>
                 <a:prstGeom prst="rect">
                   <a:avLst/>
                 </a:prstGeom>
+                <a:solidFill>
+                  <a:srgbClr val="F0F0F0"/>
+                </a:solidFill>
+                <a:ln w="3175" cmpd="sng">
+                  <a:noFill/>
+                </a:ln>
+                <a:effectLst/>
               </p:spPr>
-            </p:pic>
+              <p:style>
+                <a:lnRef idx="1">
+                  <a:schemeClr val="accent1"/>
+                </a:lnRef>
+                <a:fillRef idx="3">
+                  <a:schemeClr val="accent1"/>
+                </a:fillRef>
+                <a:effectRef idx="2">
+                  <a:schemeClr val="accent1"/>
+                </a:effectRef>
+                <a:fontRef idx="minor">
+                  <a:schemeClr val="lt1"/>
+                </a:fontRef>
+              </p:style>
+              <p:txBody>
+                <a:bodyPr rtlCol="0" anchor="ctr"/>
+                <a:lstStyle/>
+                <a:p>
+                  <a:pPr algn="ctr"/>
+                  <a:endParaRPr lang="en-US" sz="1050">
+                    <a:latin typeface="Helvetica" pitchFamily="2" charset="0"/>
+                    <a:cs typeface="Arial"/>
+                  </a:endParaRPr>
+                </a:p>
+              </p:txBody>
+            </p:sp>
             <p:sp>
               <p:nvSpPr>
-                <p:cNvPr id="92" name="TextBox 91">
+                <p:cNvPr id="16" name="Rectangle 15">
                   <a:extLst>
                     <a:ext uri="{FF2B5EF4-FFF2-40B4-BE49-F238E27FC236}">
-                      <a16:creationId xmlns:a16="http://schemas.microsoft.com/office/drawing/2014/main" id="{DDCE8EAB-EC2B-3D42-8515-BFC2263213B1}"/>
+                      <a16:creationId xmlns:a16="http://schemas.microsoft.com/office/drawing/2014/main" id="{39E6CFDB-8D5B-8F40-AA6C-CD7E52E03794}"/>
+                    </a:ext>
+                  </a:extLst>
+                </p:cNvPr>
+                <p:cNvSpPr/>
+                <p:nvPr/>
+              </p:nvSpPr>
+              <p:spPr>
+                <a:xfrm>
+                  <a:off x="4956990" y="2749403"/>
+                  <a:ext cx="1947548" cy="2353559"/>
+                </a:xfrm>
+                <a:prstGeom prst="rect">
+                  <a:avLst/>
+                </a:prstGeom>
+                <a:solidFill>
+                  <a:srgbClr val="E8E8E8"/>
+                </a:solidFill>
+                <a:ln w="3175" cmpd="sng">
+                  <a:noFill/>
+                </a:ln>
+                <a:effectLst/>
+              </p:spPr>
+              <p:style>
+                <a:lnRef idx="1">
+                  <a:schemeClr val="accent1"/>
+                </a:lnRef>
+                <a:fillRef idx="3">
+                  <a:schemeClr val="accent1"/>
+                </a:fillRef>
+                <a:effectRef idx="2">
+                  <a:schemeClr val="accent1"/>
+                </a:effectRef>
+                <a:fontRef idx="minor">
+                  <a:schemeClr val="lt1"/>
+                </a:fontRef>
+              </p:style>
+              <p:txBody>
+                <a:bodyPr rtlCol="0" anchor="ctr"/>
+                <a:lstStyle/>
+                <a:p>
+                  <a:pPr algn="ctr"/>
+                  <a:endParaRPr lang="en-US" sz="1050">
+                    <a:latin typeface="Helvetica" pitchFamily="2" charset="0"/>
+                    <a:cs typeface="Arial"/>
+                  </a:endParaRPr>
+                </a:p>
+              </p:txBody>
+            </p:sp>
+            <p:sp>
+              <p:nvSpPr>
+                <p:cNvPr id="18" name="TextBox 17">
+                  <a:extLst>
+                    <a:ext uri="{FF2B5EF4-FFF2-40B4-BE49-F238E27FC236}">
+                      <a16:creationId xmlns:a16="http://schemas.microsoft.com/office/drawing/2014/main" id="{F1E7649B-35B9-ED41-A752-4FCAA7886673}"/>
                     </a:ext>
                   </a:extLst>
                 </p:cNvPr>
@@ -5337,8 +4576,8 @@
               </p:nvSpPr>
               <p:spPr>
                 <a:xfrm>
-                  <a:off x="3317664" y="3965282"/>
-                  <a:ext cx="1532493" cy="261610"/>
+                  <a:off x="4641108" y="244213"/>
+                  <a:ext cx="2611010" cy="261610"/>
                 </a:xfrm>
                 <a:prstGeom prst="rect">
                   <a:avLst/>
@@ -5352,7 +4591,7 @@
                 <a:lstStyle/>
                 <a:p>
                   <a:r>
-                    <a:rPr lang="en-US" sz="1100" dirty="0">
+                    <a:rPr lang="en-US" sz="1100" b="1" dirty="0">
                       <a:solidFill>
                         <a:schemeClr val="tx1">
                           <a:lumMod val="75000"/>
@@ -5362,98 +4601,17 @@
                       <a:latin typeface="Helvetica" pitchFamily="2" charset="0"/>
                       <a:cs typeface="Arial"/>
                     </a:rPr>
-                    <a:t>pop. dynamic model</a:t>
+                    <a:t>Demographic SDM</a:t>
                   </a:r>
                 </a:p>
               </p:txBody>
             </p:sp>
-          </p:grpSp>
-          <p:sp>
-            <p:nvSpPr>
-              <p:cNvPr id="96" name="Right Arrow 95">
-                <a:extLst>
-                  <a:ext uri="{FF2B5EF4-FFF2-40B4-BE49-F238E27FC236}">
-                    <a16:creationId xmlns:a16="http://schemas.microsoft.com/office/drawing/2014/main" id="{7BAD9C06-7A90-C148-B52D-DCED6DBDD1B3}"/>
-                  </a:ext>
-                </a:extLst>
-              </p:cNvPr>
-              <p:cNvSpPr/>
-              <p:nvPr/>
-            </p:nvSpPr>
-            <p:spPr>
-              <a:xfrm rot="5400000">
-                <a:off x="5631723" y="2380528"/>
-                <a:ext cx="380797" cy="152479"/>
-              </a:xfrm>
-              <a:prstGeom prst="rightArrow">
-                <a:avLst>
-                  <a:gd name="adj1" fmla="val 50000"/>
-                  <a:gd name="adj2" fmla="val 100073"/>
-                </a:avLst>
-              </a:prstGeom>
-              <a:solidFill>
-                <a:schemeClr val="tx1">
-                  <a:lumMod val="50000"/>
-                  <a:lumOff val="50000"/>
-                </a:schemeClr>
-              </a:solidFill>
-              <a:ln>
-                <a:noFill/>
-              </a:ln>
-              <a:effectLst/>
-            </p:spPr>
-            <p:style>
-              <a:lnRef idx="1">
-                <a:schemeClr val="accent1"/>
-              </a:lnRef>
-              <a:fillRef idx="3">
-                <a:schemeClr val="accent1"/>
-              </a:fillRef>
-              <a:effectRef idx="2">
-                <a:schemeClr val="accent1"/>
-              </a:effectRef>
-              <a:fontRef idx="minor">
-                <a:schemeClr val="lt1"/>
-              </a:fontRef>
-            </p:style>
-            <p:txBody>
-              <a:bodyPr rtlCol="0" anchor="t"/>
-              <a:lstStyle/>
-              <a:p>
-                <a:pPr algn="ctr"/>
-                <a:endParaRPr lang="en-US" sz="600" dirty="0">
-                  <a:latin typeface="Helvetica" pitchFamily="2" charset="0"/>
-                  <a:cs typeface="Arial"/>
-                </a:endParaRPr>
-              </a:p>
-            </p:txBody>
-          </p:sp>
-          <p:grpSp>
-            <p:nvGrpSpPr>
-              <p:cNvPr id="107" name="Group 106">
-                <a:extLst>
-                  <a:ext uri="{FF2B5EF4-FFF2-40B4-BE49-F238E27FC236}">
-                    <a16:creationId xmlns:a16="http://schemas.microsoft.com/office/drawing/2014/main" id="{81E79FAE-B23E-0848-9F9D-7241AE27A141}"/>
-                  </a:ext>
-                </a:extLst>
-              </p:cNvPr>
-              <p:cNvGrpSpPr/>
-              <p:nvPr/>
-            </p:nvGrpSpPr>
-            <p:grpSpPr>
-              <a:xfrm>
-                <a:off x="7568593" y="3842435"/>
-                <a:ext cx="1487200" cy="1487200"/>
-                <a:chOff x="2483867" y="4201556"/>
-                <a:chExt cx="1487200" cy="1487200"/>
-              </a:xfrm>
-            </p:grpSpPr>
             <p:sp>
               <p:nvSpPr>
-                <p:cNvPr id="108" name="TextBox 107">
+                <p:cNvPr id="19" name="TextBox 18">
                   <a:extLst>
                     <a:ext uri="{FF2B5EF4-FFF2-40B4-BE49-F238E27FC236}">
-                      <a16:creationId xmlns:a16="http://schemas.microsoft.com/office/drawing/2014/main" id="{AE98E40D-C5FD-974F-81CC-58B737D0A0FC}"/>
+                      <a16:creationId xmlns:a16="http://schemas.microsoft.com/office/drawing/2014/main" id="{4880C298-E098-EA44-AE46-675822C351B6}"/>
                     </a:ext>
                   </a:extLst>
                 </p:cNvPr>
@@ -5462,8 +4620,300 @@
               </p:nvSpPr>
               <p:spPr>
                 <a:xfrm>
-                  <a:off x="2659035" y="4357205"/>
-                  <a:ext cx="1077402" cy="446276"/>
+                  <a:off x="4759569" y="723419"/>
+                  <a:ext cx="1445288" cy="261610"/>
+                </a:xfrm>
+                <a:prstGeom prst="rect">
+                  <a:avLst/>
+                </a:prstGeom>
+                <a:noFill/>
+              </p:spPr>
+              <p:txBody>
+                <a:bodyPr wrap="square" rtlCol="0">
+                  <a:spAutoFit/>
+                </a:bodyPr>
+                <a:lstStyle/>
+                <a:p>
+                  <a:r>
+                    <a:rPr lang="en-US" sz="1100" b="1" dirty="0">
+                      <a:solidFill>
+                        <a:schemeClr val="tx1">
+                          <a:lumMod val="75000"/>
+                          <a:lumOff val="25000"/>
+                        </a:schemeClr>
+                      </a:solidFill>
+                      <a:latin typeface="Helvetica" pitchFamily="2" charset="0"/>
+                      <a:cs typeface="Arial"/>
+                    </a:rPr>
+                    <a:t>Spatial MPM/IPM</a:t>
+                  </a:r>
+                </a:p>
+              </p:txBody>
+            </p:sp>
+            <p:sp>
+              <p:nvSpPr>
+                <p:cNvPr id="20" name="TextBox 19">
+                  <a:extLst>
+                    <a:ext uri="{FF2B5EF4-FFF2-40B4-BE49-F238E27FC236}">
+                      <a16:creationId xmlns:a16="http://schemas.microsoft.com/office/drawing/2014/main" id="{69AD7EC9-204B-AA45-91AA-34F92CD873D4}"/>
+                    </a:ext>
+                  </a:extLst>
+                </p:cNvPr>
+                <p:cNvSpPr txBox="1"/>
+                <p:nvPr/>
+              </p:nvSpPr>
+              <p:spPr>
+                <a:xfrm>
+                  <a:off x="4904936" y="2475196"/>
+                  <a:ext cx="1019717" cy="261610"/>
+                </a:xfrm>
+                <a:prstGeom prst="rect">
+                  <a:avLst/>
+                </a:prstGeom>
+                <a:noFill/>
+              </p:spPr>
+              <p:txBody>
+                <a:bodyPr wrap="square" rtlCol="0">
+                  <a:spAutoFit/>
+                </a:bodyPr>
+                <a:lstStyle/>
+                <a:p>
+                  <a:r>
+                    <a:rPr lang="en-US" sz="1100" b="1" dirty="0">
+                      <a:solidFill>
+                        <a:schemeClr val="tx1">
+                          <a:lumMod val="75000"/>
+                          <a:lumOff val="25000"/>
+                        </a:schemeClr>
+                      </a:solidFill>
+                      <a:latin typeface="Helvetica" pitchFamily="2" charset="0"/>
+                      <a:cs typeface="Arial"/>
+                    </a:rPr>
+                    <a:t>MPM/IPM</a:t>
+                  </a:r>
+                </a:p>
+              </p:txBody>
+            </p:sp>
+            <p:grpSp>
+              <p:nvGrpSpPr>
+                <p:cNvPr id="70" name="Group 69">
+                  <a:extLst>
+                    <a:ext uri="{FF2B5EF4-FFF2-40B4-BE49-F238E27FC236}">
+                      <a16:creationId xmlns:a16="http://schemas.microsoft.com/office/drawing/2014/main" id="{E063138D-D103-5E48-9A46-A7120A0EA022}"/>
+                    </a:ext>
+                  </a:extLst>
+                </p:cNvPr>
+                <p:cNvGrpSpPr/>
+                <p:nvPr/>
+              </p:nvGrpSpPr>
+              <p:grpSpPr>
+                <a:xfrm>
+                  <a:off x="5077310" y="818326"/>
+                  <a:ext cx="1954727" cy="1635522"/>
+                  <a:chOff x="803228" y="1148080"/>
+                  <a:chExt cx="2207958" cy="1847401"/>
+                </a:xfrm>
+              </p:grpSpPr>
+              <p:grpSp>
+                <p:nvGrpSpPr>
+                  <p:cNvPr id="71" name="Group 70">
+                    <a:extLst>
+                      <a:ext uri="{FF2B5EF4-FFF2-40B4-BE49-F238E27FC236}">
+                        <a16:creationId xmlns:a16="http://schemas.microsoft.com/office/drawing/2014/main" id="{C29D56BF-1326-E048-82C1-6F5E0B915B45}"/>
+                      </a:ext>
+                    </a:extLst>
+                  </p:cNvPr>
+                  <p:cNvGrpSpPr/>
+                  <p:nvPr/>
+                </p:nvGrpSpPr>
+                <p:grpSpPr>
+                  <a:xfrm>
+                    <a:off x="803228" y="1148080"/>
+                    <a:ext cx="1848820" cy="1847401"/>
+                    <a:chOff x="3610116" y="-1238"/>
+                    <a:chExt cx="3922586" cy="3919576"/>
+                  </a:xfrm>
+                  <a:effectLst>
+                    <a:outerShdw blurRad="50800" dist="38100" dir="8100000" algn="tr" rotWithShape="0">
+                      <a:prstClr val="black">
+                        <a:alpha val="40000"/>
+                      </a:prstClr>
+                    </a:outerShdw>
+                  </a:effectLst>
+                </p:grpSpPr>
+                <p:pic>
+                  <p:nvPicPr>
+                    <p:cNvPr id="73" name="Picture 72">
+                      <a:extLst>
+                        <a:ext uri="{FF2B5EF4-FFF2-40B4-BE49-F238E27FC236}">
+                          <a16:creationId xmlns:a16="http://schemas.microsoft.com/office/drawing/2014/main" id="{9AFD1FFC-A2C8-8545-8530-6D126042E7C6}"/>
+                        </a:ext>
+                      </a:extLst>
+                    </p:cNvPr>
+                    <p:cNvPicPr>
+                      <a:picLocks noChangeAspect="1"/>
+                    </p:cNvPicPr>
+                    <p:nvPr/>
+                  </p:nvPicPr>
+                  <p:blipFill>
+                    <a:blip r:embed="rId2"/>
+                    <a:stretch>
+                      <a:fillRect/>
+                    </a:stretch>
+                  </p:blipFill>
+                  <p:spPr>
+                    <a:xfrm>
+                      <a:off x="3610116" y="-1238"/>
+                      <a:ext cx="3175000" cy="3175000"/>
+                    </a:xfrm>
+                    <a:prstGeom prst="rect">
+                      <a:avLst/>
+                    </a:prstGeom>
+                    <a:effectLst>
+                      <a:outerShdw blurRad="50800" dist="38100" dir="8100000" algn="tr" rotWithShape="0">
+                        <a:prstClr val="black">
+                          <a:alpha val="40000"/>
+                        </a:prstClr>
+                      </a:outerShdw>
+                    </a:effectLst>
+                  </p:spPr>
+                </p:pic>
+                <p:pic>
+                  <p:nvPicPr>
+                    <p:cNvPr id="74" name="Picture 73">
+                      <a:extLst>
+                        <a:ext uri="{FF2B5EF4-FFF2-40B4-BE49-F238E27FC236}">
+                          <a16:creationId xmlns:a16="http://schemas.microsoft.com/office/drawing/2014/main" id="{DB421F5A-2613-1C43-ACEC-14D0F4B23A25}"/>
+                        </a:ext>
+                      </a:extLst>
+                    </p:cNvPr>
+                    <p:cNvPicPr>
+                      <a:picLocks noChangeAspect="1"/>
+                    </p:cNvPicPr>
+                    <p:nvPr/>
+                  </p:nvPicPr>
+                  <p:blipFill>
+                    <a:blip r:embed="rId3"/>
+                    <a:stretch>
+                      <a:fillRect/>
+                    </a:stretch>
+                  </p:blipFill>
+                  <p:spPr>
+                    <a:xfrm>
+                      <a:off x="3992008" y="389179"/>
+                      <a:ext cx="3175000" cy="3175000"/>
+                    </a:xfrm>
+                    <a:prstGeom prst="rect">
+                      <a:avLst/>
+                    </a:prstGeom>
+                    <a:effectLst>
+                      <a:outerShdw blurRad="50800" dist="38100" dir="8100000" algn="tr" rotWithShape="0">
+                        <a:prstClr val="black">
+                          <a:alpha val="40000"/>
+                        </a:prstClr>
+                      </a:outerShdw>
+                    </a:effectLst>
+                  </p:spPr>
+                </p:pic>
+                <p:pic>
+                  <p:nvPicPr>
+                    <p:cNvPr id="75" name="Picture 74">
+                      <a:extLst>
+                        <a:ext uri="{FF2B5EF4-FFF2-40B4-BE49-F238E27FC236}">
+                          <a16:creationId xmlns:a16="http://schemas.microsoft.com/office/drawing/2014/main" id="{1F574EF7-C344-A14A-9A1A-7B0F8FB4AF74}"/>
+                        </a:ext>
+                      </a:extLst>
+                    </p:cNvPr>
+                    <p:cNvPicPr>
+                      <a:picLocks noChangeAspect="1"/>
+                    </p:cNvPicPr>
+                    <p:nvPr/>
+                  </p:nvPicPr>
+                  <p:blipFill>
+                    <a:blip r:embed="rId4"/>
+                    <a:stretch>
+                      <a:fillRect/>
+                    </a:stretch>
+                  </p:blipFill>
+                  <p:spPr>
+                    <a:xfrm>
+                      <a:off x="4357702" y="743338"/>
+                      <a:ext cx="3175000" cy="3175000"/>
+                    </a:xfrm>
+                    <a:prstGeom prst="rect">
+                      <a:avLst/>
+                    </a:prstGeom>
+                    <a:effectLst>
+                      <a:outerShdw blurRad="50800" dist="38100" dir="8100000" algn="tr" rotWithShape="0">
+                        <a:prstClr val="black">
+                          <a:alpha val="40000"/>
+                        </a:prstClr>
+                      </a:outerShdw>
+                    </a:effectLst>
+                  </p:spPr>
+                </p:pic>
+              </p:grpSp>
+              <p:sp>
+                <p:nvSpPr>
+                  <p:cNvPr id="72" name="TextBox 71">
+                    <a:extLst>
+                      <a:ext uri="{FF2B5EF4-FFF2-40B4-BE49-F238E27FC236}">
+                        <a16:creationId xmlns:a16="http://schemas.microsoft.com/office/drawing/2014/main" id="{F8284EAD-A696-C141-A443-FAEFA59F4521}"/>
+                      </a:ext>
+                    </a:extLst>
+                  </p:cNvPr>
+                  <p:cNvSpPr txBox="1"/>
+                  <p:nvPr/>
+                </p:nvSpPr>
+                <p:spPr>
+                  <a:xfrm>
+                    <a:off x="1280160" y="1456510"/>
+                    <a:ext cx="1731026" cy="295501"/>
+                  </a:xfrm>
+                  <a:prstGeom prst="rect">
+                    <a:avLst/>
+                  </a:prstGeom>
+                  <a:noFill/>
+                </p:spPr>
+                <p:txBody>
+                  <a:bodyPr wrap="square" rtlCol="0">
+                    <a:spAutoFit/>
+                  </a:bodyPr>
+                  <a:lstStyle/>
+                  <a:p>
+                    <a:r>
+                      <a:rPr lang="en-US" sz="1100" dirty="0">
+                        <a:solidFill>
+                          <a:schemeClr val="tx1">
+                            <a:lumMod val="75000"/>
+                            <a:lumOff val="25000"/>
+                          </a:schemeClr>
+                        </a:solidFill>
+                        <a:latin typeface="Helvetica" pitchFamily="2" charset="0"/>
+                        <a:cs typeface="Arial"/>
+                      </a:rPr>
+                      <a:t>covariates</a:t>
+                    </a:r>
+                  </a:p>
+                </p:txBody>
+              </p:sp>
+            </p:grpSp>
+            <p:sp>
+              <p:nvSpPr>
+                <p:cNvPr id="78" name="TextBox 77">
+                  <a:extLst>
+                    <a:ext uri="{FF2B5EF4-FFF2-40B4-BE49-F238E27FC236}">
+                      <a16:creationId xmlns:a16="http://schemas.microsoft.com/office/drawing/2014/main" id="{CFD4318E-F718-5E42-AF3E-A2012F00F6A9}"/>
+                    </a:ext>
+                  </a:extLst>
+                </p:cNvPr>
+                <p:cNvSpPr txBox="1"/>
+                <p:nvPr/>
+              </p:nvSpPr>
+              <p:spPr>
+                <a:xfrm>
+                  <a:off x="5515161" y="5246392"/>
+                  <a:ext cx="1349147" cy="400110"/>
                 </a:xfrm>
                 <a:prstGeom prst="rect">
                   <a:avLst/>
@@ -5478,436 +4928,283 @@
                 <a:p>
                   <a:pPr algn="r"/>
                   <a:r>
-                    <a:rPr lang="en-US" sz="1100" dirty="0">
+                    <a:rPr lang="en-US" sz="1000" dirty="0">
                       <a:solidFill>
-                        <a:schemeClr val="tx1">
-                          <a:lumMod val="75000"/>
-                          <a:lumOff val="25000"/>
+                        <a:schemeClr val="tx2">
+                          <a:lumMod val="60000"/>
+                          <a:lumOff val="40000"/>
                         </a:schemeClr>
                       </a:solidFill>
                       <a:latin typeface="Helvetica" pitchFamily="2" charset="0"/>
                       <a:cs typeface="Arial"/>
                     </a:rPr>
-                    <a:t>predicted</a:t>
+                    <a:t>statistical</a:t>
                   </a:r>
                 </a:p>
                 <a:p>
                   <a:pPr algn="r"/>
                   <a:r>
-                    <a:rPr lang="en-US" sz="1100" dirty="0">
+                    <a:rPr lang="en-US" sz="1000" dirty="0">
                       <a:solidFill>
-                        <a:schemeClr val="tx1">
-                          <a:lumMod val="75000"/>
-                          <a:lumOff val="25000"/>
+                        <a:schemeClr val="tx2">
+                          <a:lumMod val="60000"/>
+                          <a:lumOff val="40000"/>
                         </a:schemeClr>
                       </a:solidFill>
                       <a:latin typeface="Helvetica" pitchFamily="2" charset="0"/>
                       <a:cs typeface="Arial"/>
                     </a:rPr>
-                    <a:t>distribution</a:t>
+                    <a:t>inference</a:t>
                   </a:r>
                 </a:p>
               </p:txBody>
             </p:sp>
-            <p:pic>
-              <p:nvPicPr>
-                <p:cNvPr id="109" name="Picture 108">
+            <p:sp>
+              <p:nvSpPr>
+                <p:cNvPr id="79" name="Right Arrow 78">
                   <a:extLst>
                     <a:ext uri="{FF2B5EF4-FFF2-40B4-BE49-F238E27FC236}">
-                      <a16:creationId xmlns:a16="http://schemas.microsoft.com/office/drawing/2014/main" id="{D1E3A6F5-AFFA-2D48-90A8-2D8E9AFC8F88}"/>
+                      <a16:creationId xmlns:a16="http://schemas.microsoft.com/office/drawing/2014/main" id="{B426BB15-9CD9-614A-86EC-CE3958916F9C}"/>
                     </a:ext>
                   </a:extLst>
                 </p:cNvPr>
-                <p:cNvPicPr>
-                  <a:picLocks noChangeAspect="1"/>
-                </p:cNvPicPr>
-                <p:nvPr/>
-              </p:nvPicPr>
-              <p:blipFill>
-                <a:blip r:embed="rId7"/>
-                <a:stretch>
-                  <a:fillRect/>
-                </a:stretch>
-              </p:blipFill>
-              <p:spPr>
-                <a:xfrm>
-                  <a:off x="2483867" y="4201556"/>
-                  <a:ext cx="1487200" cy="1487200"/>
-                </a:xfrm>
-                <a:prstGeom prst="rect">
-                  <a:avLst/>
-                </a:prstGeom>
-                <a:effectLst>
-                  <a:outerShdw blurRad="50800" dist="38100" dir="8100000" algn="tr" rotWithShape="0">
-                    <a:prstClr val="black">
-                      <a:alpha val="40000"/>
-                    </a:prstClr>
-                  </a:outerShdw>
-                </a:effectLst>
-              </p:spPr>
-            </p:pic>
-          </p:grpSp>
-          <p:grpSp>
-            <p:nvGrpSpPr>
-              <p:cNvPr id="110" name="Group 109">
-                <a:extLst>
-                  <a:ext uri="{FF2B5EF4-FFF2-40B4-BE49-F238E27FC236}">
-                    <a16:creationId xmlns:a16="http://schemas.microsoft.com/office/drawing/2014/main" id="{1B01F31D-ED25-0C49-A000-E023A204ACB0}"/>
-                  </a:ext>
-                </a:extLst>
-              </p:cNvPr>
-              <p:cNvGrpSpPr/>
-              <p:nvPr/>
-            </p:nvGrpSpPr>
-            <p:grpSpPr>
-              <a:xfrm>
-                <a:off x="7646476" y="5329635"/>
-                <a:ext cx="1487200" cy="1487200"/>
-                <a:chOff x="2516525" y="5280286"/>
-                <a:chExt cx="1487200" cy="1487200"/>
-              </a:xfrm>
-            </p:grpSpPr>
-            <p:sp>
-              <p:nvSpPr>
-                <p:cNvPr id="111" name="TextBox 110">
-                  <a:extLst>
-                    <a:ext uri="{FF2B5EF4-FFF2-40B4-BE49-F238E27FC236}">
-                      <a16:creationId xmlns:a16="http://schemas.microsoft.com/office/drawing/2014/main" id="{0E1D09A8-DA52-4245-8D4C-A591E74A388B}"/>
-                    </a:ext>
-                  </a:extLst>
-                </p:cNvPr>
-                <p:cNvSpPr txBox="1"/>
+                <p:cNvSpPr/>
                 <p:nvPr/>
               </p:nvSpPr>
               <p:spPr>
                 <a:xfrm>
-                  <a:off x="2724740" y="5489395"/>
-                  <a:ext cx="1035984" cy="446276"/>
+                  <a:off x="6980916" y="4455881"/>
+                  <a:ext cx="380797" cy="152479"/>
                 </a:xfrm>
-                <a:prstGeom prst="rect">
-                  <a:avLst/>
+                <a:prstGeom prst="rightArrow">
+                  <a:avLst>
+                    <a:gd name="adj1" fmla="val 50000"/>
+                    <a:gd name="adj2" fmla="val 100073"/>
+                  </a:avLst>
                 </a:prstGeom>
-                <a:noFill/>
+                <a:solidFill>
+                  <a:schemeClr val="tx1">
+                    <a:lumMod val="50000"/>
+                    <a:lumOff val="50000"/>
+                  </a:schemeClr>
+                </a:solidFill>
+                <a:ln>
+                  <a:noFill/>
+                </a:ln>
+                <a:effectLst/>
               </p:spPr>
+              <p:style>
+                <a:lnRef idx="1">
+                  <a:schemeClr val="accent1"/>
+                </a:lnRef>
+                <a:fillRef idx="3">
+                  <a:schemeClr val="accent1"/>
+                </a:fillRef>
+                <a:effectRef idx="2">
+                  <a:schemeClr val="accent1"/>
+                </a:effectRef>
+                <a:fontRef idx="minor">
+                  <a:schemeClr val="lt1"/>
+                </a:fontRef>
+              </p:style>
               <p:txBody>
-                <a:bodyPr wrap="square" rtlCol="0">
-                  <a:spAutoFit/>
-                </a:bodyPr>
+                <a:bodyPr rtlCol="0" anchor="t"/>
                 <a:lstStyle/>
                 <a:p>
-                  <a:pPr algn="r"/>
-                  <a:r>
-                    <a:rPr lang="en-US" sz="1100" dirty="0">
-                      <a:solidFill>
-                        <a:schemeClr val="tx1">
-                          <a:lumMod val="75000"/>
-                          <a:lumOff val="25000"/>
-                        </a:schemeClr>
-                      </a:solidFill>
-                      <a:latin typeface="Helvetica" pitchFamily="2" charset="0"/>
-                      <a:cs typeface="Arial"/>
-                    </a:rPr>
-                    <a:t>observed</a:t>
-                  </a:r>
-                </a:p>
-                <a:p>
-                  <a:pPr algn="r"/>
-                  <a:r>
-                    <a:rPr lang="en-US" sz="1100" dirty="0">
-                      <a:solidFill>
-                        <a:schemeClr val="tx1">
-                          <a:lumMod val="75000"/>
-                          <a:lumOff val="25000"/>
-                        </a:schemeClr>
-                      </a:solidFill>
-                      <a:latin typeface="Helvetica" pitchFamily="2" charset="0"/>
-                      <a:cs typeface="Arial"/>
-                    </a:rPr>
-                    <a:t>distribution</a:t>
-                  </a:r>
+                  <a:pPr algn="ctr"/>
+                  <a:endParaRPr lang="en-US" sz="600" dirty="0">
+                    <a:latin typeface="Helvetica" pitchFamily="2" charset="0"/>
+                    <a:cs typeface="Arial"/>
+                  </a:endParaRPr>
                 </a:p>
               </p:txBody>
             </p:sp>
-            <p:pic>
-              <p:nvPicPr>
-                <p:cNvPr id="112" name="Picture 111">
+            <p:sp>
+              <p:nvSpPr>
+                <p:cNvPr id="80" name="Right Arrow 79">
                   <a:extLst>
                     <a:ext uri="{FF2B5EF4-FFF2-40B4-BE49-F238E27FC236}">
-                      <a16:creationId xmlns:a16="http://schemas.microsoft.com/office/drawing/2014/main" id="{0EC8FF14-01CA-EE43-BCE7-BCE883FE1CEB}"/>
+                      <a16:creationId xmlns:a16="http://schemas.microsoft.com/office/drawing/2014/main" id="{153AA120-A66C-394B-8C36-06185BE5C648}"/>
                     </a:ext>
                   </a:extLst>
                 </p:cNvPr>
-                <p:cNvPicPr>
-                  <a:picLocks noChangeAspect="1"/>
-                </p:cNvPicPr>
+                <p:cNvSpPr/>
                 <p:nvPr/>
-              </p:nvPicPr>
-              <p:blipFill>
-                <a:blip r:embed="rId8"/>
-                <a:stretch>
-                  <a:fillRect/>
-                </a:stretch>
-              </p:blipFill>
+              </p:nvSpPr>
               <p:spPr>
-                <a:xfrm>
-                  <a:off x="2516525" y="5280286"/>
-                  <a:ext cx="1487200" cy="1487200"/>
+                <a:xfrm rot="10800000">
+                  <a:off x="6903141" y="5993513"/>
+                  <a:ext cx="380797" cy="152479"/>
                 </a:xfrm>
-                <a:prstGeom prst="rect">
-                  <a:avLst/>
+                <a:prstGeom prst="rightArrow">
+                  <a:avLst>
+                    <a:gd name="adj1" fmla="val 50000"/>
+                    <a:gd name="adj2" fmla="val 100073"/>
+                  </a:avLst>
                 </a:prstGeom>
-                <a:effectLst>
-                  <a:outerShdw blurRad="50800" dist="38100" dir="8100000" algn="tr" rotWithShape="0">
-                    <a:prstClr val="black">
-                      <a:alpha val="40000"/>
-                    </a:prstClr>
-                  </a:outerShdw>
-                </a:effectLst>
+                <a:solidFill>
+                  <a:schemeClr val="tx2">
+                    <a:lumMod val="60000"/>
+                    <a:lumOff val="40000"/>
+                  </a:schemeClr>
+                </a:solidFill>
+                <a:ln>
+                  <a:noFill/>
+                </a:ln>
+                <a:effectLst/>
               </p:spPr>
-            </p:pic>
-          </p:grpSp>
-          <p:grpSp>
-            <p:nvGrpSpPr>
-              <p:cNvPr id="115" name="Group 114">
-                <a:extLst>
-                  <a:ext uri="{FF2B5EF4-FFF2-40B4-BE49-F238E27FC236}">
-                    <a16:creationId xmlns:a16="http://schemas.microsoft.com/office/drawing/2014/main" id="{94765CBF-8607-9149-B8CF-8FA23205D5BE}"/>
-                  </a:ext>
-                </a:extLst>
-              </p:cNvPr>
-              <p:cNvGrpSpPr/>
-              <p:nvPr/>
-            </p:nvGrpSpPr>
-            <p:grpSpPr>
-              <a:xfrm>
-                <a:off x="7456431" y="2452179"/>
-                <a:ext cx="1742289" cy="1662683"/>
-                <a:chOff x="7035374" y="2074478"/>
-                <a:chExt cx="1742289" cy="1662683"/>
-              </a:xfrm>
-            </p:grpSpPr>
-            <p:pic>
-              <p:nvPicPr>
-                <p:cNvPr id="98" name="Picture 97">
+              <p:style>
+                <a:lnRef idx="1">
+                  <a:schemeClr val="accent1"/>
+                </a:lnRef>
+                <a:fillRef idx="3">
+                  <a:schemeClr val="accent1"/>
+                </a:fillRef>
+                <a:effectRef idx="2">
+                  <a:schemeClr val="accent1"/>
+                </a:effectRef>
+                <a:fontRef idx="minor">
+                  <a:schemeClr val="lt1"/>
+                </a:fontRef>
+              </p:style>
+              <p:txBody>
+                <a:bodyPr rtlCol="0" anchor="t"/>
+                <a:lstStyle/>
+                <a:p>
+                  <a:pPr algn="ctr"/>
+                  <a:endParaRPr lang="en-US" sz="600" dirty="0">
+                    <a:latin typeface="Helvetica" pitchFamily="2" charset="0"/>
+                    <a:cs typeface="Arial"/>
+                  </a:endParaRPr>
+                </a:p>
+              </p:txBody>
+            </p:sp>
+            <p:sp>
+              <p:nvSpPr>
+                <p:cNvPr id="81" name="Right Arrow 80">
                   <a:extLst>
                     <a:ext uri="{FF2B5EF4-FFF2-40B4-BE49-F238E27FC236}">
-                      <a16:creationId xmlns:a16="http://schemas.microsoft.com/office/drawing/2014/main" id="{8800067A-1792-D447-AF12-3135D18BC26E}"/>
+                      <a16:creationId xmlns:a16="http://schemas.microsoft.com/office/drawing/2014/main" id="{AFFED02D-C510-774E-A8E1-BE65D743CD78}"/>
                     </a:ext>
                   </a:extLst>
                 </p:cNvPr>
-                <p:cNvPicPr>
-                  <a:picLocks noChangeAspect="1"/>
-                </p:cNvPicPr>
+                <p:cNvSpPr/>
                 <p:nvPr/>
-              </p:nvPicPr>
-              <p:blipFill>
-                <a:blip r:embed="rId10"/>
-                <a:stretch>
-                  <a:fillRect/>
-                </a:stretch>
-              </p:blipFill>
+              </p:nvSpPr>
               <p:spPr>
-                <a:xfrm>
-                  <a:off x="7123288" y="2074478"/>
-                  <a:ext cx="1487200" cy="1487200"/>
+                <a:xfrm rot="8112022">
+                  <a:off x="6861597" y="5422362"/>
+                  <a:ext cx="641482" cy="131779"/>
                 </a:xfrm>
-                <a:prstGeom prst="rect">
-                  <a:avLst/>
+                <a:prstGeom prst="rightArrow">
+                  <a:avLst>
+                    <a:gd name="adj1" fmla="val 50000"/>
+                    <a:gd name="adj2" fmla="val 100073"/>
+                  </a:avLst>
                 </a:prstGeom>
-                <a:effectLst>
-                  <a:outerShdw blurRad="50800" dist="38100" dir="8100000" algn="tr" rotWithShape="0">
-                    <a:prstClr val="black">
-                      <a:alpha val="40000"/>
-                    </a:prstClr>
-                  </a:outerShdw>
-                </a:effectLst>
+                <a:solidFill>
+                  <a:schemeClr val="tx2">
+                    <a:lumMod val="60000"/>
+                    <a:lumOff val="40000"/>
+                  </a:schemeClr>
+                </a:solidFill>
+                <a:ln>
+                  <a:noFill/>
+                </a:ln>
+                <a:effectLst/>
               </p:spPr>
-            </p:pic>
-            <p:pic>
-              <p:nvPicPr>
-                <p:cNvPr id="100" name="Picture 99">
+              <p:style>
+                <a:lnRef idx="1">
+                  <a:schemeClr val="accent1"/>
+                </a:lnRef>
+                <a:fillRef idx="3">
+                  <a:schemeClr val="accent1"/>
+                </a:fillRef>
+                <a:effectRef idx="2">
+                  <a:schemeClr val="accent1"/>
+                </a:effectRef>
+                <a:fontRef idx="minor">
+                  <a:schemeClr val="lt1"/>
+                </a:fontRef>
+              </p:style>
+              <p:txBody>
+                <a:bodyPr rtlCol="0" anchor="t"/>
+                <a:lstStyle/>
+                <a:p>
+                  <a:pPr algn="ctr"/>
+                  <a:endParaRPr lang="en-US" sz="600" dirty="0">
+                    <a:latin typeface="Helvetica" pitchFamily="2" charset="0"/>
+                    <a:cs typeface="Arial"/>
+                  </a:endParaRPr>
+                </a:p>
+              </p:txBody>
+            </p:sp>
+            <p:sp>
+              <p:nvSpPr>
+                <p:cNvPr id="87" name="Right Arrow 86">
                   <a:extLst>
                     <a:ext uri="{FF2B5EF4-FFF2-40B4-BE49-F238E27FC236}">
-                      <a16:creationId xmlns:a16="http://schemas.microsoft.com/office/drawing/2014/main" id="{59F7C365-B56B-BC46-A0D4-8DD8546C7CE2}"/>
+                      <a16:creationId xmlns:a16="http://schemas.microsoft.com/office/drawing/2014/main" id="{2542F643-9290-B941-A67E-63EA77B73F14}"/>
                     </a:ext>
                   </a:extLst>
                 </p:cNvPr>
-                <p:cNvPicPr>
-                  <a:picLocks noChangeAspect="1"/>
-                </p:cNvPicPr>
-                <p:nvPr/>
-              </p:nvPicPr>
-              <p:blipFill>
-                <a:blip r:embed="rId11"/>
-                <a:stretch>
-                  <a:fillRect/>
-                </a:stretch>
-              </p:blipFill>
-              <p:spPr>
-                <a:xfrm>
-                  <a:off x="7290463" y="2249961"/>
-                  <a:ext cx="1487200" cy="1487200"/>
-                </a:xfrm>
-                <a:prstGeom prst="rect">
-                  <a:avLst/>
-                </a:prstGeom>
-                <a:effectLst>
-                  <a:outerShdw blurRad="50800" dist="38100" dir="8100000" algn="tr" rotWithShape="0">
-                    <a:prstClr val="black">
-                      <a:alpha val="40000"/>
-                    </a:prstClr>
-                  </a:outerShdw>
-                </a:effectLst>
-              </p:spPr>
-            </p:pic>
-            <p:sp>
-              <p:nvSpPr>
-                <p:cNvPr id="114" name="TextBox 113">
-                  <a:extLst>
-                    <a:ext uri="{FF2B5EF4-FFF2-40B4-BE49-F238E27FC236}">
-                      <a16:creationId xmlns:a16="http://schemas.microsoft.com/office/drawing/2014/main" id="{5EC0B3F0-31BB-CE41-AD5D-B4D4ADB2D41C}"/>
-                    </a:ext>
-                  </a:extLst>
-                </p:cNvPr>
-                <p:cNvSpPr txBox="1"/>
+                <p:cNvSpPr/>
                 <p:nvPr/>
               </p:nvSpPr>
               <p:spPr>
-                <a:xfrm>
-                  <a:off x="7035374" y="2159883"/>
-                  <a:ext cx="1532493" cy="430887"/>
+                <a:xfrm rot="16200000">
+                  <a:off x="5707962" y="5379146"/>
+                  <a:ext cx="380797" cy="152479"/>
                 </a:xfrm>
-                <a:prstGeom prst="rect">
-                  <a:avLst/>
+                <a:prstGeom prst="rightArrow">
+                  <a:avLst>
+                    <a:gd name="adj1" fmla="val 50000"/>
+                    <a:gd name="adj2" fmla="val 100073"/>
+                  </a:avLst>
                 </a:prstGeom>
-                <a:noFill/>
+                <a:solidFill>
+                  <a:schemeClr val="tx2">
+                    <a:lumMod val="60000"/>
+                    <a:lumOff val="40000"/>
+                  </a:schemeClr>
+                </a:solidFill>
+                <a:ln>
+                  <a:noFill/>
+                </a:ln>
+                <a:effectLst/>
               </p:spPr>
+              <p:style>
+                <a:lnRef idx="1">
+                  <a:schemeClr val="accent1"/>
+                </a:lnRef>
+                <a:fillRef idx="3">
+                  <a:schemeClr val="accent1"/>
+                </a:fillRef>
+                <a:effectRef idx="2">
+                  <a:schemeClr val="accent1"/>
+                </a:effectRef>
+                <a:fontRef idx="minor">
+                  <a:schemeClr val="lt1"/>
+                </a:fontRef>
+              </p:style>
               <p:txBody>
-                <a:bodyPr wrap="square" rtlCol="0">
-                  <a:spAutoFit/>
-                </a:bodyPr>
+                <a:bodyPr rtlCol="0" anchor="t"/>
                 <a:lstStyle/>
                 <a:p>
-                  <a:pPr algn="r"/>
-                  <a:r>
-                    <a:rPr lang="en-US" sz="1100" dirty="0">
-                      <a:solidFill>
-                        <a:schemeClr val="tx1">
-                          <a:lumMod val="75000"/>
-                          <a:lumOff val="25000"/>
-                        </a:schemeClr>
-                      </a:solidFill>
-                      <a:latin typeface="Helvetica" pitchFamily="2" charset="0"/>
-                      <a:cs typeface="Arial"/>
-                    </a:rPr>
-                    <a:t>predicted vital rate</a:t>
-                  </a:r>
-                </a:p>
-                <a:p>
-                  <a:pPr algn="r"/>
-                  <a:r>
-                    <a:rPr lang="en-US" sz="1100" dirty="0">
-                      <a:solidFill>
-                        <a:schemeClr val="tx1">
-                          <a:lumMod val="75000"/>
-                          <a:lumOff val="25000"/>
-                        </a:schemeClr>
-                      </a:solidFill>
-                      <a:latin typeface="Helvetica" pitchFamily="2" charset="0"/>
-                      <a:cs typeface="Arial"/>
-                    </a:rPr>
-                    <a:t>distributions</a:t>
-                  </a:r>
+                  <a:pPr algn="ctr"/>
+                  <a:endParaRPr lang="en-US" sz="600" dirty="0">
+                    <a:latin typeface="Helvetica" pitchFamily="2" charset="0"/>
+                    <a:cs typeface="Arial"/>
+                  </a:endParaRPr>
                 </a:p>
               </p:txBody>
             </p:sp>
-          </p:grpSp>
-          <p:sp>
-            <p:nvSpPr>
-              <p:cNvPr id="116" name="Right Arrow 115">
-                <a:extLst>
-                  <a:ext uri="{FF2B5EF4-FFF2-40B4-BE49-F238E27FC236}">
-                    <a16:creationId xmlns:a16="http://schemas.microsoft.com/office/drawing/2014/main" id="{46974F2F-2F23-9541-AD10-DCA0B1DBA184}"/>
-                  </a:ext>
-                </a:extLst>
-              </p:cNvPr>
-              <p:cNvSpPr/>
-              <p:nvPr/>
-            </p:nvSpPr>
-            <p:spPr>
-              <a:xfrm>
-                <a:off x="6980916" y="3131042"/>
-                <a:ext cx="380797" cy="152479"/>
-              </a:xfrm>
-              <a:prstGeom prst="rightArrow">
-                <a:avLst>
-                  <a:gd name="adj1" fmla="val 50000"/>
-                  <a:gd name="adj2" fmla="val 100073"/>
-                </a:avLst>
-              </a:prstGeom>
-              <a:solidFill>
-                <a:schemeClr val="tx1">
-                  <a:lumMod val="50000"/>
-                  <a:lumOff val="50000"/>
-                </a:schemeClr>
-              </a:solidFill>
-              <a:ln>
-                <a:noFill/>
-              </a:ln>
-              <a:effectLst/>
-            </p:spPr>
-            <p:style>
-              <a:lnRef idx="1">
-                <a:schemeClr val="accent1"/>
-              </a:lnRef>
-              <a:fillRef idx="3">
-                <a:schemeClr val="accent1"/>
-              </a:fillRef>
-              <a:effectRef idx="2">
-                <a:schemeClr val="accent1"/>
-              </a:effectRef>
-              <a:fontRef idx="minor">
-                <a:schemeClr val="lt1"/>
-              </a:fontRef>
-            </p:style>
-            <p:txBody>
-              <a:bodyPr rtlCol="0" anchor="t"/>
-              <a:lstStyle/>
-              <a:p>
-                <a:pPr algn="ctr"/>
-                <a:endParaRPr lang="en-US" sz="600" dirty="0">
-                  <a:latin typeface="Helvetica" pitchFamily="2" charset="0"/>
-                  <a:cs typeface="Arial"/>
-                </a:endParaRPr>
-              </a:p>
-            </p:txBody>
-          </p:sp>
-          <p:grpSp>
-            <p:nvGrpSpPr>
-              <p:cNvPr id="119" name="Group 118">
-                <a:extLst>
-                  <a:ext uri="{FF2B5EF4-FFF2-40B4-BE49-F238E27FC236}">
-                    <a16:creationId xmlns:a16="http://schemas.microsoft.com/office/drawing/2014/main" id="{99061C4B-3DA3-ED43-8813-3DE9F960EDDC}"/>
-                  </a:ext>
-                </a:extLst>
-              </p:cNvPr>
-              <p:cNvGrpSpPr/>
-              <p:nvPr/>
-            </p:nvGrpSpPr>
-            <p:grpSpPr>
-              <a:xfrm>
-                <a:off x="4981582" y="5699355"/>
-                <a:ext cx="1802424" cy="632643"/>
-                <a:chOff x="563586" y="4556996"/>
-                <a:chExt cx="2035925" cy="714600"/>
-              </a:xfrm>
-            </p:grpSpPr>
             <p:grpSp>
               <p:nvGrpSpPr>
-                <p:cNvPr id="120" name="Group 119">
+                <p:cNvPr id="93" name="Group 92">
                   <a:extLst>
                     <a:ext uri="{FF2B5EF4-FFF2-40B4-BE49-F238E27FC236}">
-                      <a16:creationId xmlns:a16="http://schemas.microsoft.com/office/drawing/2014/main" id="{E16F7498-674D-4F46-8CE1-09DF31A28BDA}"/>
+                      <a16:creationId xmlns:a16="http://schemas.microsoft.com/office/drawing/2014/main" id="{A5AD300D-74D7-EB4B-BDDF-14BE57E766F0}"/>
                     </a:ext>
                   </a:extLst>
                 </p:cNvPr>
@@ -5916,18 +5213,18 @@
               </p:nvGrpSpPr>
               <p:grpSpPr>
                 <a:xfrm>
-                  <a:off x="563586" y="4556996"/>
-                  <a:ext cx="2035925" cy="714600"/>
-                  <a:chOff x="642502" y="3132705"/>
-                  <a:chExt cx="2035925" cy="714600"/>
+                  <a:off x="4961994" y="3745161"/>
+                  <a:ext cx="1824755" cy="1239057"/>
+                  <a:chOff x="3317664" y="3965282"/>
+                  <a:chExt cx="1824755" cy="1239057"/>
                 </a:xfrm>
               </p:grpSpPr>
               <p:sp>
                 <p:nvSpPr>
-                  <p:cNvPr id="122" name="Rectangle 121">
+                  <p:cNvPr id="91" name="Rectangle 90">
                     <a:extLst>
                       <a:ext uri="{FF2B5EF4-FFF2-40B4-BE49-F238E27FC236}">
-                        <a16:creationId xmlns:a16="http://schemas.microsoft.com/office/drawing/2014/main" id="{EC991DD2-A759-4249-89D9-34372B2C162C}"/>
+                        <a16:creationId xmlns:a16="http://schemas.microsoft.com/office/drawing/2014/main" id="{FFE42E95-CFE5-0343-BC83-1FD9347F75ED}"/>
                       </a:ext>
                     </a:extLst>
                   </p:cNvPr>
@@ -5936,8 +5233,8 @@
                 </p:nvSpPr>
                 <p:spPr>
                   <a:xfrm>
-                    <a:off x="696065" y="3408601"/>
-                    <a:ext cx="1982362" cy="438704"/>
+                    <a:off x="3387415" y="4203377"/>
+                    <a:ext cx="1755004" cy="1000962"/>
                   </a:xfrm>
                   <a:prstGeom prst="rect">
                     <a:avLst/>
@@ -5988,10 +5285,10 @@
               </p:sp>
               <p:sp>
                 <p:nvSpPr>
-                  <p:cNvPr id="123" name="TextBox 122">
+                  <p:cNvPr id="92" name="TextBox 91">
                     <a:extLst>
                       <a:ext uri="{FF2B5EF4-FFF2-40B4-BE49-F238E27FC236}">
-                        <a16:creationId xmlns:a16="http://schemas.microsoft.com/office/drawing/2014/main" id="{3E35C10F-5E1D-0943-B26F-0A176C0F071E}"/>
+                        <a16:creationId xmlns:a16="http://schemas.microsoft.com/office/drawing/2014/main" id="{DDCE8EAB-EC2B-3D42-8515-BFC2263213B1}"/>
                       </a:ext>
                     </a:extLst>
                   </p:cNvPr>
@@ -6000,8 +5297,8 @@
                 </p:nvSpPr>
                 <p:spPr>
                   <a:xfrm>
-                    <a:off x="642502" y="3132705"/>
-                    <a:ext cx="1731024" cy="295501"/>
+                    <a:off x="3317664" y="3965282"/>
+                    <a:ext cx="1532493" cy="261610"/>
                   </a:xfrm>
                   <a:prstGeom prst="rect">
                     <a:avLst/>
@@ -6025,113 +5322,78 @@
                         <a:latin typeface="Helvetica" pitchFamily="2" charset="0"/>
                         <a:cs typeface="Arial"/>
                       </a:rPr>
-                      <a:t>observation model</a:t>
+                      <a:t>pop. dynamic model</a:t>
                     </a:r>
                   </a:p>
                 </p:txBody>
               </p:sp>
             </p:grpSp>
-            <p:pic>
-              <p:nvPicPr>
-                <p:cNvPr id="121" name="Picture 120">
+            <p:sp>
+              <p:nvSpPr>
+                <p:cNvPr id="96" name="Right Arrow 95">
                   <a:extLst>
                     <a:ext uri="{FF2B5EF4-FFF2-40B4-BE49-F238E27FC236}">
-                      <a16:creationId xmlns:a16="http://schemas.microsoft.com/office/drawing/2014/main" id="{0963A276-690A-814B-927B-53172395C0C3}"/>
+                      <a16:creationId xmlns:a16="http://schemas.microsoft.com/office/drawing/2014/main" id="{7BAD9C06-7A90-C148-B52D-DCED6DBDD1B3}"/>
                     </a:ext>
                   </a:extLst>
                 </p:cNvPr>
-                <p:cNvPicPr>
-                  <a:picLocks noChangeAspect="1"/>
-                </p:cNvPicPr>
-                <p:nvPr/>
-              </p:nvPicPr>
-              <p:blipFill>
-                <a:blip r:embed="rId6"/>
-                <a:stretch>
-                  <a:fillRect/>
-                </a:stretch>
-              </p:blipFill>
-              <p:spPr>
-                <a:xfrm>
-                  <a:off x="873020" y="4977392"/>
-                  <a:ext cx="1385058" cy="177327"/>
-                </a:xfrm>
-                <a:prstGeom prst="rect">
-                  <a:avLst/>
-                </a:prstGeom>
-              </p:spPr>
-            </p:pic>
-          </p:grpSp>
-          <p:grpSp>
-            <p:nvGrpSpPr>
-              <p:cNvPr id="134" name="Group 133">
-                <a:extLst>
-                  <a:ext uri="{FF2B5EF4-FFF2-40B4-BE49-F238E27FC236}">
-                    <a16:creationId xmlns:a16="http://schemas.microsoft.com/office/drawing/2014/main" id="{A565B24E-1037-8F40-BAC3-7997C6944189}"/>
-                  </a:ext>
-                </a:extLst>
-              </p:cNvPr>
-              <p:cNvGrpSpPr/>
-              <p:nvPr/>
-            </p:nvGrpSpPr>
-            <p:grpSpPr>
-              <a:xfrm>
-                <a:off x="4945028" y="2867652"/>
-                <a:ext cx="1926106" cy="734079"/>
-                <a:chOff x="4945028" y="2845880"/>
-                <a:chExt cx="1926106" cy="734079"/>
-              </a:xfrm>
-            </p:grpSpPr>
-            <p:sp>
-              <p:nvSpPr>
-                <p:cNvPr id="126" name="TextBox 125">
-                  <a:extLst>
-                    <a:ext uri="{FF2B5EF4-FFF2-40B4-BE49-F238E27FC236}">
-                      <a16:creationId xmlns:a16="http://schemas.microsoft.com/office/drawing/2014/main" id="{F8B06EEC-F008-DA4F-994F-9DAC40D912E1}"/>
-                    </a:ext>
-                  </a:extLst>
-                </p:cNvPr>
-                <p:cNvSpPr txBox="1"/>
+                <p:cNvSpPr/>
                 <p:nvPr/>
               </p:nvSpPr>
               <p:spPr>
-                <a:xfrm>
-                  <a:off x="4945028" y="2845880"/>
-                  <a:ext cx="1926106" cy="261610"/>
+                <a:xfrm rot="5400000">
+                  <a:off x="5631723" y="2380528"/>
+                  <a:ext cx="380797" cy="152479"/>
                 </a:xfrm>
-                <a:prstGeom prst="rect">
-                  <a:avLst/>
+                <a:prstGeom prst="rightArrow">
+                  <a:avLst>
+                    <a:gd name="adj1" fmla="val 50000"/>
+                    <a:gd name="adj2" fmla="val 100073"/>
+                  </a:avLst>
                 </a:prstGeom>
-                <a:noFill/>
+                <a:solidFill>
+                  <a:schemeClr val="tx1">
+                    <a:lumMod val="50000"/>
+                    <a:lumOff val="50000"/>
+                  </a:schemeClr>
+                </a:solidFill>
+                <a:ln>
+                  <a:noFill/>
+                </a:ln>
+                <a:effectLst/>
               </p:spPr>
+              <p:style>
+                <a:lnRef idx="1">
+                  <a:schemeClr val="accent1"/>
+                </a:lnRef>
+                <a:fillRef idx="3">
+                  <a:schemeClr val="accent1"/>
+                </a:fillRef>
+                <a:effectRef idx="2">
+                  <a:schemeClr val="accent1"/>
+                </a:effectRef>
+                <a:fontRef idx="minor">
+                  <a:schemeClr val="lt1"/>
+                </a:fontRef>
+              </p:style>
               <p:txBody>
-                <a:bodyPr wrap="square" rtlCol="0">
-                  <a:spAutoFit/>
-                </a:bodyPr>
+                <a:bodyPr rtlCol="0" anchor="t"/>
                 <a:lstStyle/>
                 <a:p>
-                  <a:r>
-                    <a:rPr lang="en-US" sz="1100" dirty="0">
-                      <a:solidFill>
-                        <a:schemeClr val="tx1">
-                          <a:lumMod val="75000"/>
-                          <a:lumOff val="25000"/>
-                        </a:schemeClr>
-                      </a:solidFill>
-                      <a:latin typeface="Helvetica" pitchFamily="2" charset="0"/>
-                      <a:cs typeface="Arial"/>
-                    </a:rPr>
-                    <a:t>correlative vital rate models</a:t>
-                  </a:r>
+                  <a:pPr algn="ctr"/>
+                  <a:endParaRPr lang="en-US" sz="600" dirty="0">
+                    <a:latin typeface="Helvetica" pitchFamily="2" charset="0"/>
+                    <a:cs typeface="Arial"/>
+                  </a:endParaRPr>
                 </a:p>
               </p:txBody>
             </p:sp>
             <p:grpSp>
               <p:nvGrpSpPr>
-                <p:cNvPr id="133" name="Group 132">
+                <p:cNvPr id="107" name="Group 106">
                   <a:extLst>
                     <a:ext uri="{FF2B5EF4-FFF2-40B4-BE49-F238E27FC236}">
-                      <a16:creationId xmlns:a16="http://schemas.microsoft.com/office/drawing/2014/main" id="{F2DBE8A8-A0C2-6C43-9597-DAB757CDC9A0}"/>
+                      <a16:creationId xmlns:a16="http://schemas.microsoft.com/office/drawing/2014/main" id="{81E79FAE-B23E-0848-9F9D-7241AE27A141}"/>
                     </a:ext>
                   </a:extLst>
                 </p:cNvPr>
@@ -6140,12 +5402,690 @@
               </p:nvGrpSpPr>
               <p:grpSpPr>
                 <a:xfrm>
-                  <a:off x="5029002" y="3096969"/>
-                  <a:ext cx="1755004" cy="482990"/>
-                  <a:chOff x="5039888" y="3096969"/>
-                  <a:chExt cx="1755004" cy="482990"/>
+                  <a:off x="7568593" y="3842435"/>
+                  <a:ext cx="1487200" cy="1487200"/>
+                  <a:chOff x="2483867" y="4201556"/>
+                  <a:chExt cx="1487200" cy="1487200"/>
                 </a:xfrm>
               </p:grpSpPr>
+              <p:sp>
+                <p:nvSpPr>
+                  <p:cNvPr id="108" name="TextBox 107">
+                    <a:extLst>
+                      <a:ext uri="{FF2B5EF4-FFF2-40B4-BE49-F238E27FC236}">
+                        <a16:creationId xmlns:a16="http://schemas.microsoft.com/office/drawing/2014/main" id="{AE98E40D-C5FD-974F-81CC-58B737D0A0FC}"/>
+                      </a:ext>
+                    </a:extLst>
+                  </p:cNvPr>
+                  <p:cNvSpPr txBox="1"/>
+                  <p:nvPr/>
+                </p:nvSpPr>
+                <p:spPr>
+                  <a:xfrm>
+                    <a:off x="2659035" y="4357205"/>
+                    <a:ext cx="1077402" cy="446276"/>
+                  </a:xfrm>
+                  <a:prstGeom prst="rect">
+                    <a:avLst/>
+                  </a:prstGeom>
+                  <a:noFill/>
+                </p:spPr>
+                <p:txBody>
+                  <a:bodyPr wrap="square" rtlCol="0">
+                    <a:spAutoFit/>
+                  </a:bodyPr>
+                  <a:lstStyle/>
+                  <a:p>
+                    <a:pPr algn="r"/>
+                    <a:r>
+                      <a:rPr lang="en-US" sz="1100" dirty="0">
+                        <a:solidFill>
+                          <a:schemeClr val="tx1">
+                            <a:lumMod val="75000"/>
+                            <a:lumOff val="25000"/>
+                          </a:schemeClr>
+                        </a:solidFill>
+                        <a:latin typeface="Helvetica" pitchFamily="2" charset="0"/>
+                        <a:cs typeface="Arial"/>
+                      </a:rPr>
+                      <a:t>predicted</a:t>
+                    </a:r>
+                  </a:p>
+                  <a:p>
+                    <a:pPr algn="r"/>
+                    <a:r>
+                      <a:rPr lang="en-US" sz="1100" dirty="0">
+                        <a:solidFill>
+                          <a:schemeClr val="tx1">
+                            <a:lumMod val="75000"/>
+                            <a:lumOff val="25000"/>
+                          </a:schemeClr>
+                        </a:solidFill>
+                        <a:latin typeface="Helvetica" pitchFamily="2" charset="0"/>
+                        <a:cs typeface="Arial"/>
+                      </a:rPr>
+                      <a:t>distribution</a:t>
+                    </a:r>
+                  </a:p>
+                </p:txBody>
+              </p:sp>
+              <p:pic>
+                <p:nvPicPr>
+                  <p:cNvPr id="109" name="Picture 108">
+                    <a:extLst>
+                      <a:ext uri="{FF2B5EF4-FFF2-40B4-BE49-F238E27FC236}">
+                        <a16:creationId xmlns:a16="http://schemas.microsoft.com/office/drawing/2014/main" id="{D1E3A6F5-AFFA-2D48-90A8-2D8E9AFC8F88}"/>
+                      </a:ext>
+                    </a:extLst>
+                  </p:cNvPr>
+                  <p:cNvPicPr>
+                    <a:picLocks noChangeAspect="1"/>
+                  </p:cNvPicPr>
+                  <p:nvPr/>
+                </p:nvPicPr>
+                <p:blipFill>
+                  <a:blip r:embed="rId6"/>
+                  <a:stretch>
+                    <a:fillRect/>
+                  </a:stretch>
+                </p:blipFill>
+                <p:spPr>
+                  <a:xfrm>
+                    <a:off x="2483867" y="4201556"/>
+                    <a:ext cx="1487200" cy="1487200"/>
+                  </a:xfrm>
+                  <a:prstGeom prst="rect">
+                    <a:avLst/>
+                  </a:prstGeom>
+                  <a:effectLst>
+                    <a:outerShdw blurRad="50800" dist="38100" dir="8100000" algn="tr" rotWithShape="0">
+                      <a:prstClr val="black">
+                        <a:alpha val="40000"/>
+                      </a:prstClr>
+                    </a:outerShdw>
+                  </a:effectLst>
+                </p:spPr>
+              </p:pic>
+            </p:grpSp>
+            <p:grpSp>
+              <p:nvGrpSpPr>
+                <p:cNvPr id="110" name="Group 109">
+                  <a:extLst>
+                    <a:ext uri="{FF2B5EF4-FFF2-40B4-BE49-F238E27FC236}">
+                      <a16:creationId xmlns:a16="http://schemas.microsoft.com/office/drawing/2014/main" id="{1B01F31D-ED25-0C49-A000-E023A204ACB0}"/>
+                    </a:ext>
+                  </a:extLst>
+                </p:cNvPr>
+                <p:cNvGrpSpPr/>
+                <p:nvPr/>
+              </p:nvGrpSpPr>
+              <p:grpSpPr>
+                <a:xfrm>
+                  <a:off x="7646476" y="5329635"/>
+                  <a:ext cx="1487200" cy="1487200"/>
+                  <a:chOff x="2516525" y="5280286"/>
+                  <a:chExt cx="1487200" cy="1487200"/>
+                </a:xfrm>
+              </p:grpSpPr>
+              <p:sp>
+                <p:nvSpPr>
+                  <p:cNvPr id="111" name="TextBox 110">
+                    <a:extLst>
+                      <a:ext uri="{FF2B5EF4-FFF2-40B4-BE49-F238E27FC236}">
+                        <a16:creationId xmlns:a16="http://schemas.microsoft.com/office/drawing/2014/main" id="{0E1D09A8-DA52-4245-8D4C-A591E74A388B}"/>
+                      </a:ext>
+                    </a:extLst>
+                  </p:cNvPr>
+                  <p:cNvSpPr txBox="1"/>
+                  <p:nvPr/>
+                </p:nvSpPr>
+                <p:spPr>
+                  <a:xfrm>
+                    <a:off x="2724740" y="5489395"/>
+                    <a:ext cx="1035984" cy="446276"/>
+                  </a:xfrm>
+                  <a:prstGeom prst="rect">
+                    <a:avLst/>
+                  </a:prstGeom>
+                  <a:noFill/>
+                </p:spPr>
+                <p:txBody>
+                  <a:bodyPr wrap="square" rtlCol="0">
+                    <a:spAutoFit/>
+                  </a:bodyPr>
+                  <a:lstStyle/>
+                  <a:p>
+                    <a:pPr algn="r"/>
+                    <a:r>
+                      <a:rPr lang="en-US" sz="1100" dirty="0">
+                        <a:solidFill>
+                          <a:schemeClr val="tx1">
+                            <a:lumMod val="75000"/>
+                            <a:lumOff val="25000"/>
+                          </a:schemeClr>
+                        </a:solidFill>
+                        <a:latin typeface="Helvetica" pitchFamily="2" charset="0"/>
+                        <a:cs typeface="Arial"/>
+                      </a:rPr>
+                      <a:t>observed</a:t>
+                    </a:r>
+                  </a:p>
+                  <a:p>
+                    <a:pPr algn="r"/>
+                    <a:r>
+                      <a:rPr lang="en-US" sz="1100" dirty="0">
+                        <a:solidFill>
+                          <a:schemeClr val="tx1">
+                            <a:lumMod val="75000"/>
+                            <a:lumOff val="25000"/>
+                          </a:schemeClr>
+                        </a:solidFill>
+                        <a:latin typeface="Helvetica" pitchFamily="2" charset="0"/>
+                        <a:cs typeface="Arial"/>
+                      </a:rPr>
+                      <a:t>distribution</a:t>
+                    </a:r>
+                  </a:p>
+                </p:txBody>
+              </p:sp>
+              <p:pic>
+                <p:nvPicPr>
+                  <p:cNvPr id="112" name="Picture 111">
+                    <a:extLst>
+                      <a:ext uri="{FF2B5EF4-FFF2-40B4-BE49-F238E27FC236}">
+                        <a16:creationId xmlns:a16="http://schemas.microsoft.com/office/drawing/2014/main" id="{0EC8FF14-01CA-EE43-BCE7-BCE883FE1CEB}"/>
+                      </a:ext>
+                    </a:extLst>
+                  </p:cNvPr>
+                  <p:cNvPicPr>
+                    <a:picLocks noChangeAspect="1"/>
+                  </p:cNvPicPr>
+                  <p:nvPr/>
+                </p:nvPicPr>
+                <p:blipFill>
+                  <a:blip r:embed="rId7"/>
+                  <a:stretch>
+                    <a:fillRect/>
+                  </a:stretch>
+                </p:blipFill>
+                <p:spPr>
+                  <a:xfrm>
+                    <a:off x="2516525" y="5280286"/>
+                    <a:ext cx="1487200" cy="1487200"/>
+                  </a:xfrm>
+                  <a:prstGeom prst="rect">
+                    <a:avLst/>
+                  </a:prstGeom>
+                  <a:effectLst>
+                    <a:outerShdw blurRad="50800" dist="38100" dir="8100000" algn="tr" rotWithShape="0">
+                      <a:prstClr val="black">
+                        <a:alpha val="40000"/>
+                      </a:prstClr>
+                    </a:outerShdw>
+                  </a:effectLst>
+                </p:spPr>
+              </p:pic>
+            </p:grpSp>
+            <p:grpSp>
+              <p:nvGrpSpPr>
+                <p:cNvPr id="115" name="Group 114">
+                  <a:extLst>
+                    <a:ext uri="{FF2B5EF4-FFF2-40B4-BE49-F238E27FC236}">
+                      <a16:creationId xmlns:a16="http://schemas.microsoft.com/office/drawing/2014/main" id="{94765CBF-8607-9149-B8CF-8FA23205D5BE}"/>
+                    </a:ext>
+                  </a:extLst>
+                </p:cNvPr>
+                <p:cNvGrpSpPr/>
+                <p:nvPr/>
+              </p:nvGrpSpPr>
+              <p:grpSpPr>
+                <a:xfrm>
+                  <a:off x="7456431" y="2452179"/>
+                  <a:ext cx="1742289" cy="1662683"/>
+                  <a:chOff x="7035374" y="2074478"/>
+                  <a:chExt cx="1742289" cy="1662683"/>
+                </a:xfrm>
+              </p:grpSpPr>
+              <p:pic>
+                <p:nvPicPr>
+                  <p:cNvPr id="98" name="Picture 97">
+                    <a:extLst>
+                      <a:ext uri="{FF2B5EF4-FFF2-40B4-BE49-F238E27FC236}">
+                        <a16:creationId xmlns:a16="http://schemas.microsoft.com/office/drawing/2014/main" id="{8800067A-1792-D447-AF12-3135D18BC26E}"/>
+                      </a:ext>
+                    </a:extLst>
+                  </p:cNvPr>
+                  <p:cNvPicPr>
+                    <a:picLocks noChangeAspect="1"/>
+                  </p:cNvPicPr>
+                  <p:nvPr/>
+                </p:nvPicPr>
+                <p:blipFill>
+                  <a:blip r:embed="rId8"/>
+                  <a:stretch>
+                    <a:fillRect/>
+                  </a:stretch>
+                </p:blipFill>
+                <p:spPr>
+                  <a:xfrm>
+                    <a:off x="7123288" y="2074478"/>
+                    <a:ext cx="1487200" cy="1487200"/>
+                  </a:xfrm>
+                  <a:prstGeom prst="rect">
+                    <a:avLst/>
+                  </a:prstGeom>
+                  <a:effectLst>
+                    <a:outerShdw blurRad="50800" dist="38100" dir="8100000" algn="tr" rotWithShape="0">
+                      <a:prstClr val="black">
+                        <a:alpha val="40000"/>
+                      </a:prstClr>
+                    </a:outerShdw>
+                  </a:effectLst>
+                </p:spPr>
+              </p:pic>
+              <p:pic>
+                <p:nvPicPr>
+                  <p:cNvPr id="100" name="Picture 99">
+                    <a:extLst>
+                      <a:ext uri="{FF2B5EF4-FFF2-40B4-BE49-F238E27FC236}">
+                        <a16:creationId xmlns:a16="http://schemas.microsoft.com/office/drawing/2014/main" id="{59F7C365-B56B-BC46-A0D4-8DD8546C7CE2}"/>
+                      </a:ext>
+                    </a:extLst>
+                  </p:cNvPr>
+                  <p:cNvPicPr>
+                    <a:picLocks noChangeAspect="1"/>
+                  </p:cNvPicPr>
+                  <p:nvPr/>
+                </p:nvPicPr>
+                <p:blipFill>
+                  <a:blip r:embed="rId9"/>
+                  <a:stretch>
+                    <a:fillRect/>
+                  </a:stretch>
+                </p:blipFill>
+                <p:spPr>
+                  <a:xfrm>
+                    <a:off x="7290463" y="2249961"/>
+                    <a:ext cx="1487200" cy="1487200"/>
+                  </a:xfrm>
+                  <a:prstGeom prst="rect">
+                    <a:avLst/>
+                  </a:prstGeom>
+                  <a:effectLst>
+                    <a:outerShdw blurRad="50800" dist="38100" dir="8100000" algn="tr" rotWithShape="0">
+                      <a:prstClr val="black">
+                        <a:alpha val="40000"/>
+                      </a:prstClr>
+                    </a:outerShdw>
+                  </a:effectLst>
+                </p:spPr>
+              </p:pic>
+              <p:sp>
+                <p:nvSpPr>
+                  <p:cNvPr id="114" name="TextBox 113">
+                    <a:extLst>
+                      <a:ext uri="{FF2B5EF4-FFF2-40B4-BE49-F238E27FC236}">
+                        <a16:creationId xmlns:a16="http://schemas.microsoft.com/office/drawing/2014/main" id="{5EC0B3F0-31BB-CE41-AD5D-B4D4ADB2D41C}"/>
+                      </a:ext>
+                    </a:extLst>
+                  </p:cNvPr>
+                  <p:cNvSpPr txBox="1"/>
+                  <p:nvPr/>
+                </p:nvSpPr>
+                <p:spPr>
+                  <a:xfrm>
+                    <a:off x="7035374" y="2159883"/>
+                    <a:ext cx="1532493" cy="430887"/>
+                  </a:xfrm>
+                  <a:prstGeom prst="rect">
+                    <a:avLst/>
+                  </a:prstGeom>
+                  <a:noFill/>
+                </p:spPr>
+                <p:txBody>
+                  <a:bodyPr wrap="square" rtlCol="0">
+                    <a:spAutoFit/>
+                  </a:bodyPr>
+                  <a:lstStyle/>
+                  <a:p>
+                    <a:pPr algn="r"/>
+                    <a:r>
+                      <a:rPr lang="en-US" sz="1100" dirty="0">
+                        <a:solidFill>
+                          <a:schemeClr val="tx1">
+                            <a:lumMod val="75000"/>
+                            <a:lumOff val="25000"/>
+                          </a:schemeClr>
+                        </a:solidFill>
+                        <a:latin typeface="Helvetica" pitchFamily="2" charset="0"/>
+                        <a:cs typeface="Arial"/>
+                      </a:rPr>
+                      <a:t>predicted vital rate</a:t>
+                    </a:r>
+                  </a:p>
+                  <a:p>
+                    <a:pPr algn="r"/>
+                    <a:r>
+                      <a:rPr lang="en-US" sz="1100" dirty="0">
+                        <a:solidFill>
+                          <a:schemeClr val="tx1">
+                            <a:lumMod val="75000"/>
+                            <a:lumOff val="25000"/>
+                          </a:schemeClr>
+                        </a:solidFill>
+                        <a:latin typeface="Helvetica" pitchFamily="2" charset="0"/>
+                        <a:cs typeface="Arial"/>
+                      </a:rPr>
+                      <a:t>distributions</a:t>
+                    </a:r>
+                  </a:p>
+                </p:txBody>
+              </p:sp>
+            </p:grpSp>
+            <p:sp>
+              <p:nvSpPr>
+                <p:cNvPr id="116" name="Right Arrow 115">
+                  <a:extLst>
+                    <a:ext uri="{FF2B5EF4-FFF2-40B4-BE49-F238E27FC236}">
+                      <a16:creationId xmlns:a16="http://schemas.microsoft.com/office/drawing/2014/main" id="{46974F2F-2F23-9541-AD10-DCA0B1DBA184}"/>
+                    </a:ext>
+                  </a:extLst>
+                </p:cNvPr>
+                <p:cNvSpPr/>
+                <p:nvPr/>
+              </p:nvSpPr>
+              <p:spPr>
+                <a:xfrm>
+                  <a:off x="6980916" y="3131042"/>
+                  <a:ext cx="380797" cy="152479"/>
+                </a:xfrm>
+                <a:prstGeom prst="rightArrow">
+                  <a:avLst>
+                    <a:gd name="adj1" fmla="val 50000"/>
+                    <a:gd name="adj2" fmla="val 100073"/>
+                  </a:avLst>
+                </a:prstGeom>
+                <a:solidFill>
+                  <a:schemeClr val="tx1">
+                    <a:lumMod val="50000"/>
+                    <a:lumOff val="50000"/>
+                  </a:schemeClr>
+                </a:solidFill>
+                <a:ln>
+                  <a:noFill/>
+                </a:ln>
+                <a:effectLst/>
+              </p:spPr>
+              <p:style>
+                <a:lnRef idx="1">
+                  <a:schemeClr val="accent1"/>
+                </a:lnRef>
+                <a:fillRef idx="3">
+                  <a:schemeClr val="accent1"/>
+                </a:fillRef>
+                <a:effectRef idx="2">
+                  <a:schemeClr val="accent1"/>
+                </a:effectRef>
+                <a:fontRef idx="minor">
+                  <a:schemeClr val="lt1"/>
+                </a:fontRef>
+              </p:style>
+              <p:txBody>
+                <a:bodyPr rtlCol="0" anchor="t"/>
+                <a:lstStyle/>
+                <a:p>
+                  <a:pPr algn="ctr"/>
+                  <a:endParaRPr lang="en-US" sz="600" dirty="0">
+                    <a:latin typeface="Helvetica" pitchFamily="2" charset="0"/>
+                    <a:cs typeface="Arial"/>
+                  </a:endParaRPr>
+                </a:p>
+              </p:txBody>
+            </p:sp>
+            <p:grpSp>
+              <p:nvGrpSpPr>
+                <p:cNvPr id="119" name="Group 118">
+                  <a:extLst>
+                    <a:ext uri="{FF2B5EF4-FFF2-40B4-BE49-F238E27FC236}">
+                      <a16:creationId xmlns:a16="http://schemas.microsoft.com/office/drawing/2014/main" id="{99061C4B-3DA3-ED43-8813-3DE9F960EDDC}"/>
+                    </a:ext>
+                  </a:extLst>
+                </p:cNvPr>
+                <p:cNvGrpSpPr/>
+                <p:nvPr/>
+              </p:nvGrpSpPr>
+              <p:grpSpPr>
+                <a:xfrm>
+                  <a:off x="4981582" y="5699355"/>
+                  <a:ext cx="1802424" cy="632643"/>
+                  <a:chOff x="563586" y="4556996"/>
+                  <a:chExt cx="2035925" cy="714600"/>
+                </a:xfrm>
+              </p:grpSpPr>
+              <p:grpSp>
+                <p:nvGrpSpPr>
+                  <p:cNvPr id="120" name="Group 119">
+                    <a:extLst>
+                      <a:ext uri="{FF2B5EF4-FFF2-40B4-BE49-F238E27FC236}">
+                        <a16:creationId xmlns:a16="http://schemas.microsoft.com/office/drawing/2014/main" id="{E16F7498-674D-4F46-8CE1-09DF31A28BDA}"/>
+                      </a:ext>
+                    </a:extLst>
+                  </p:cNvPr>
+                  <p:cNvGrpSpPr/>
+                  <p:nvPr/>
+                </p:nvGrpSpPr>
+                <p:grpSpPr>
+                  <a:xfrm>
+                    <a:off x="563586" y="4556996"/>
+                    <a:ext cx="2035925" cy="714600"/>
+                    <a:chOff x="642502" y="3132705"/>
+                    <a:chExt cx="2035925" cy="714600"/>
+                  </a:xfrm>
+                </p:grpSpPr>
+                <p:sp>
+                  <p:nvSpPr>
+                    <p:cNvPr id="122" name="Rectangle 121">
+                      <a:extLst>
+                        <a:ext uri="{FF2B5EF4-FFF2-40B4-BE49-F238E27FC236}">
+                          <a16:creationId xmlns:a16="http://schemas.microsoft.com/office/drawing/2014/main" id="{EC991DD2-A759-4249-89D9-34372B2C162C}"/>
+                        </a:ext>
+                      </a:extLst>
+                    </p:cNvPr>
+                    <p:cNvSpPr/>
+                    <p:nvPr/>
+                  </p:nvSpPr>
+                  <p:spPr>
+                    <a:xfrm>
+                      <a:off x="696065" y="3408601"/>
+                      <a:ext cx="1982362" cy="438704"/>
+                    </a:xfrm>
+                    <a:prstGeom prst="rect">
+                      <a:avLst/>
+                    </a:prstGeom>
+                    <a:solidFill>
+                      <a:schemeClr val="bg1"/>
+                    </a:solidFill>
+                    <a:ln w="3175" cmpd="sng">
+                      <a:solidFill>
+                        <a:schemeClr val="bg1">
+                          <a:lumMod val="65000"/>
+                        </a:schemeClr>
+                      </a:solidFill>
+                    </a:ln>
+                    <a:effectLst/>
+                  </p:spPr>
+                  <p:style>
+                    <a:lnRef idx="1">
+                      <a:schemeClr val="accent1"/>
+                    </a:lnRef>
+                    <a:fillRef idx="3">
+                      <a:schemeClr val="accent1"/>
+                    </a:fillRef>
+                    <a:effectRef idx="2">
+                      <a:schemeClr val="accent1"/>
+                    </a:effectRef>
+                    <a:fontRef idx="minor">
+                      <a:schemeClr val="lt1"/>
+                    </a:fontRef>
+                  </p:style>
+                  <p:txBody>
+                    <a:bodyPr rtlCol="0" anchor="ctr"/>
+                    <a:lstStyle/>
+                    <a:p>
+                      <a:pPr algn="ctr"/>
+                      <a:endParaRPr lang="en-US" sz="1100" dirty="0">
+                        <a:solidFill>
+                          <a:schemeClr val="tx1">
+                            <a:lumMod val="85000"/>
+                            <a:lumOff val="15000"/>
+                          </a:schemeClr>
+                        </a:solidFill>
+                        <a:latin typeface="Helvetica" pitchFamily="2" charset="0"/>
+                        <a:cs typeface="Arial"/>
+                      </a:endParaRPr>
+                    </a:p>
+                  </p:txBody>
+                </p:sp>
+                <p:sp>
+                  <p:nvSpPr>
+                    <p:cNvPr id="123" name="TextBox 122">
+                      <a:extLst>
+                        <a:ext uri="{FF2B5EF4-FFF2-40B4-BE49-F238E27FC236}">
+                          <a16:creationId xmlns:a16="http://schemas.microsoft.com/office/drawing/2014/main" id="{3E35C10F-5E1D-0943-B26F-0A176C0F071E}"/>
+                        </a:ext>
+                      </a:extLst>
+                    </p:cNvPr>
+                    <p:cNvSpPr txBox="1"/>
+                    <p:nvPr/>
+                  </p:nvSpPr>
+                  <p:spPr>
+                    <a:xfrm>
+                      <a:off x="642502" y="3132705"/>
+                      <a:ext cx="1731024" cy="295501"/>
+                    </a:xfrm>
+                    <a:prstGeom prst="rect">
+                      <a:avLst/>
+                    </a:prstGeom>
+                    <a:noFill/>
+                  </p:spPr>
+                  <p:txBody>
+                    <a:bodyPr wrap="square" rtlCol="0">
+                      <a:spAutoFit/>
+                    </a:bodyPr>
+                    <a:lstStyle/>
+                    <a:p>
+                      <a:r>
+                        <a:rPr lang="en-US" sz="1100" dirty="0">
+                          <a:solidFill>
+                            <a:schemeClr val="tx1">
+                              <a:lumMod val="75000"/>
+                              <a:lumOff val="25000"/>
+                            </a:schemeClr>
+                          </a:solidFill>
+                          <a:latin typeface="Helvetica" pitchFamily="2" charset="0"/>
+                          <a:cs typeface="Arial"/>
+                        </a:rPr>
+                        <a:t>observation model</a:t>
+                      </a:r>
+                    </a:p>
+                  </p:txBody>
+                </p:sp>
+              </p:grpSp>
+              <p:pic>
+                <p:nvPicPr>
+                  <p:cNvPr id="121" name="Picture 120">
+                    <a:extLst>
+                      <a:ext uri="{FF2B5EF4-FFF2-40B4-BE49-F238E27FC236}">
+                        <a16:creationId xmlns:a16="http://schemas.microsoft.com/office/drawing/2014/main" id="{0963A276-690A-814B-927B-53172395C0C3}"/>
+                      </a:ext>
+                    </a:extLst>
+                  </p:cNvPr>
+                  <p:cNvPicPr>
+                    <a:picLocks noChangeAspect="1"/>
+                  </p:cNvPicPr>
+                  <p:nvPr/>
+                </p:nvPicPr>
+                <p:blipFill>
+                  <a:blip r:embed="rId5"/>
+                  <a:stretch>
+                    <a:fillRect/>
+                  </a:stretch>
+                </p:blipFill>
+                <p:spPr>
+                  <a:xfrm>
+                    <a:off x="873020" y="4977392"/>
+                    <a:ext cx="1385058" cy="177327"/>
+                  </a:xfrm>
+                  <a:prstGeom prst="rect">
+                    <a:avLst/>
+                  </a:prstGeom>
+                </p:spPr>
+              </p:pic>
+            </p:grpSp>
+            <p:grpSp>
+              <p:nvGrpSpPr>
+                <p:cNvPr id="134" name="Group 133">
+                  <a:extLst>
+                    <a:ext uri="{FF2B5EF4-FFF2-40B4-BE49-F238E27FC236}">
+                      <a16:creationId xmlns:a16="http://schemas.microsoft.com/office/drawing/2014/main" id="{A565B24E-1037-8F40-BAC3-7997C6944189}"/>
+                    </a:ext>
+                  </a:extLst>
+                </p:cNvPr>
+                <p:cNvGrpSpPr/>
+                <p:nvPr/>
+              </p:nvGrpSpPr>
+              <p:grpSpPr>
+                <a:xfrm>
+                  <a:off x="4945028" y="2867652"/>
+                  <a:ext cx="1926106" cy="734079"/>
+                  <a:chOff x="4945028" y="2845880"/>
+                  <a:chExt cx="1926106" cy="734079"/>
+                </a:xfrm>
+              </p:grpSpPr>
+              <p:sp>
+                <p:nvSpPr>
+                  <p:cNvPr id="126" name="TextBox 125">
+                    <a:extLst>
+                      <a:ext uri="{FF2B5EF4-FFF2-40B4-BE49-F238E27FC236}">
+                        <a16:creationId xmlns:a16="http://schemas.microsoft.com/office/drawing/2014/main" id="{F8B06EEC-F008-DA4F-994F-9DAC40D912E1}"/>
+                      </a:ext>
+                    </a:extLst>
+                  </p:cNvPr>
+                  <p:cNvSpPr txBox="1"/>
+                  <p:nvPr/>
+                </p:nvSpPr>
+                <p:spPr>
+                  <a:xfrm>
+                    <a:off x="4945028" y="2845880"/>
+                    <a:ext cx="1926106" cy="261610"/>
+                  </a:xfrm>
+                  <a:prstGeom prst="rect">
+                    <a:avLst/>
+                  </a:prstGeom>
+                  <a:noFill/>
+                </p:spPr>
+                <p:txBody>
+                  <a:bodyPr wrap="square" rtlCol="0">
+                    <a:spAutoFit/>
+                  </a:bodyPr>
+                  <a:lstStyle/>
+                  <a:p>
+                    <a:r>
+                      <a:rPr lang="en-US" sz="1100" dirty="0">
+                        <a:solidFill>
+                          <a:schemeClr val="tx1">
+                            <a:lumMod val="75000"/>
+                            <a:lumOff val="25000"/>
+                          </a:schemeClr>
+                        </a:solidFill>
+                        <a:latin typeface="Helvetica" pitchFamily="2" charset="0"/>
+                        <a:cs typeface="Arial"/>
+                      </a:rPr>
+                      <a:t>correlative vital rate models</a:t>
+                    </a:r>
+                  </a:p>
+                </p:txBody>
+              </p:sp>
               <p:sp>
                 <p:nvSpPr>
                   <p:cNvPr id="130" name="Rectangle 129">
@@ -6160,7 +6100,7 @@
                 </p:nvSpPr>
                 <p:spPr>
                   <a:xfrm>
-                    <a:off x="5039888" y="3096969"/>
+                    <a:off x="5029002" y="3096969"/>
                     <a:ext cx="1755004" cy="482990"/>
                   </a:xfrm>
                   <a:prstGeom prst="rect">
@@ -6210,127 +6150,187 @@
                   </a:p>
                 </p:txBody>
               </p:sp>
-              <p:pic>
-                <p:nvPicPr>
-                  <p:cNvPr id="128" name="Picture 127">
-                    <a:extLst>
-                      <a:ext uri="{FF2B5EF4-FFF2-40B4-BE49-F238E27FC236}">
-                        <a16:creationId xmlns:a16="http://schemas.microsoft.com/office/drawing/2014/main" id="{D6D695F1-3B1C-0243-90A0-AEE8E8CD987D}"/>
-                      </a:ext>
-                    </a:extLst>
-                  </p:cNvPr>
-                  <p:cNvPicPr>
-                    <a:picLocks noChangeAspect="1"/>
-                  </p:cNvPicPr>
-                  <p:nvPr/>
-                </p:nvPicPr>
-                <p:blipFill>
-                  <a:blip r:embed="rId12"/>
-                  <a:stretch>
-                    <a:fillRect/>
-                  </a:stretch>
-                </p:blipFill>
-                <p:spPr>
-                  <a:xfrm>
-                    <a:off x="5145401" y="3159132"/>
-                    <a:ext cx="1534719" cy="368494"/>
-                  </a:xfrm>
-                  <a:prstGeom prst="rect">
-                    <a:avLst/>
-                  </a:prstGeom>
-                </p:spPr>
-              </p:pic>
             </p:grpSp>
           </p:grpSp>
+          <p:sp>
+            <p:nvSpPr>
+              <p:cNvPr id="137" name="TextBox 136">
+                <a:extLst>
+                  <a:ext uri="{FF2B5EF4-FFF2-40B4-BE49-F238E27FC236}">
+                    <a16:creationId xmlns:a16="http://schemas.microsoft.com/office/drawing/2014/main" id="{485CE03B-EDED-E741-B8FA-6F61AF32FFF2}"/>
+                  </a:ext>
+                </a:extLst>
+              </p:cNvPr>
+              <p:cNvSpPr txBox="1"/>
+              <p:nvPr/>
+            </p:nvSpPr>
+            <p:spPr>
+              <a:xfrm>
+                <a:off x="308886" y="164210"/>
+                <a:ext cx="329974" cy="338554"/>
+              </a:xfrm>
+              <a:prstGeom prst="rect">
+                <a:avLst/>
+              </a:prstGeom>
+              <a:noFill/>
+            </p:spPr>
+            <p:txBody>
+              <a:bodyPr wrap="square" rtlCol="0">
+                <a:spAutoFit/>
+              </a:bodyPr>
+              <a:lstStyle/>
+              <a:p>
+                <a:r>
+                  <a:rPr lang="en-US" sz="1600" b="1" dirty="0">
+                    <a:solidFill>
+                      <a:schemeClr val="tx1">
+                        <a:lumMod val="75000"/>
+                        <a:lumOff val="25000"/>
+                      </a:schemeClr>
+                    </a:solidFill>
+                    <a:latin typeface="Helvetica" pitchFamily="2" charset="0"/>
+                    <a:cs typeface="Arial"/>
+                  </a:rPr>
+                  <a:t>A</a:t>
+                </a:r>
+              </a:p>
+            </p:txBody>
+          </p:sp>
+          <p:sp>
+            <p:nvSpPr>
+              <p:cNvPr id="138" name="TextBox 137">
+                <a:extLst>
+                  <a:ext uri="{FF2B5EF4-FFF2-40B4-BE49-F238E27FC236}">
+                    <a16:creationId xmlns:a16="http://schemas.microsoft.com/office/drawing/2014/main" id="{98DA8D0B-9AA9-BA49-A1EC-9A86378FC2FB}"/>
+                  </a:ext>
+                </a:extLst>
+              </p:cNvPr>
+              <p:cNvSpPr txBox="1"/>
+              <p:nvPr/>
+            </p:nvSpPr>
+            <p:spPr>
+              <a:xfrm>
+                <a:off x="4460257" y="137666"/>
+                <a:ext cx="329974" cy="338554"/>
+              </a:xfrm>
+              <a:prstGeom prst="rect">
+                <a:avLst/>
+              </a:prstGeom>
+              <a:noFill/>
+            </p:spPr>
+            <p:txBody>
+              <a:bodyPr wrap="square" rtlCol="0">
+                <a:spAutoFit/>
+              </a:bodyPr>
+              <a:lstStyle/>
+              <a:p>
+                <a:r>
+                  <a:rPr lang="en-US" sz="1600" b="1" dirty="0">
+                    <a:solidFill>
+                      <a:schemeClr val="tx1">
+                        <a:lumMod val="75000"/>
+                        <a:lumOff val="25000"/>
+                      </a:schemeClr>
+                    </a:solidFill>
+                    <a:latin typeface="Helvetica" pitchFamily="2" charset="0"/>
+                    <a:cs typeface="Arial"/>
+                  </a:rPr>
+                  <a:t>B</a:t>
+                </a:r>
+              </a:p>
+            </p:txBody>
+          </p:sp>
         </p:grpSp>
-        <p:sp>
-          <p:nvSpPr>
-            <p:cNvPr id="137" name="TextBox 136">
+        <p:pic>
+          <p:nvPicPr>
+            <p:cNvPr id="2" name="Picture 1">
               <a:extLst>
                 <a:ext uri="{FF2B5EF4-FFF2-40B4-BE49-F238E27FC236}">
-                  <a16:creationId xmlns:a16="http://schemas.microsoft.com/office/drawing/2014/main" id="{485CE03B-EDED-E741-B8FA-6F61AF32FFF2}"/>
+                  <a16:creationId xmlns:a16="http://schemas.microsoft.com/office/drawing/2014/main" id="{174BAE4C-CE0C-5540-82BD-6628D6463107}"/>
                 </a:ext>
               </a:extLst>
             </p:cNvPr>
-            <p:cNvSpPr txBox="1"/>
+            <p:cNvPicPr>
+              <a:picLocks noChangeAspect="1"/>
+            </p:cNvPicPr>
             <p:nvPr/>
-          </p:nvSpPr>
+          </p:nvPicPr>
+          <p:blipFill>
+            <a:blip r:embed="rId10"/>
+            <a:stretch>
+              <a:fillRect/>
+            </a:stretch>
+          </p:blipFill>
           <p:spPr>
             <a:xfrm>
-              <a:off x="308886" y="164210"/>
-              <a:ext cx="329974" cy="338554"/>
+              <a:off x="1122437" y="2868253"/>
+              <a:ext cx="997299" cy="152480"/>
             </a:xfrm>
             <a:prstGeom prst="rect">
               <a:avLst/>
             </a:prstGeom>
-            <a:noFill/>
           </p:spPr>
-          <p:txBody>
-            <a:bodyPr wrap="square" rtlCol="0">
-              <a:spAutoFit/>
-            </a:bodyPr>
-            <a:lstStyle/>
-            <a:p>
-              <a:r>
-                <a:rPr lang="en-US" sz="1600" b="1" dirty="0">
-                  <a:solidFill>
-                    <a:schemeClr val="tx1">
-                      <a:lumMod val="75000"/>
-                      <a:lumOff val="25000"/>
-                    </a:schemeClr>
-                  </a:solidFill>
-                  <a:latin typeface="Helvetica" pitchFamily="2" charset="0"/>
-                  <a:cs typeface="Arial"/>
-                </a:rPr>
-                <a:t>A</a:t>
-              </a:r>
-            </a:p>
-          </p:txBody>
-        </p:sp>
-        <p:sp>
-          <p:nvSpPr>
-            <p:cNvPr id="138" name="TextBox 137">
+        </p:pic>
+        <p:pic>
+          <p:nvPicPr>
+            <p:cNvPr id="3" name="Picture 2">
               <a:extLst>
                 <a:ext uri="{FF2B5EF4-FFF2-40B4-BE49-F238E27FC236}">
-                  <a16:creationId xmlns:a16="http://schemas.microsoft.com/office/drawing/2014/main" id="{98DA8D0B-9AA9-BA49-A1EC-9A86378FC2FB}"/>
+                  <a16:creationId xmlns:a16="http://schemas.microsoft.com/office/drawing/2014/main" id="{B4C3C390-DD44-5C4E-A08C-9B13B1546F05}"/>
                 </a:ext>
               </a:extLst>
             </p:cNvPr>
-            <p:cNvSpPr txBox="1"/>
+            <p:cNvPicPr>
+              <a:picLocks noChangeAspect="1"/>
+            </p:cNvPicPr>
             <p:nvPr/>
-          </p:nvSpPr>
+          </p:nvPicPr>
+          <p:blipFill>
+            <a:blip r:embed="rId11"/>
+            <a:stretch>
+              <a:fillRect/>
+            </a:stretch>
+          </p:blipFill>
           <p:spPr>
             <a:xfrm>
-              <a:off x="4460257" y="137666"/>
-              <a:ext cx="329974" cy="338554"/>
+              <a:off x="5459338" y="3376094"/>
+              <a:ext cx="1227141" cy="389094"/>
             </a:xfrm>
             <a:prstGeom prst="rect">
               <a:avLst/>
             </a:prstGeom>
-            <a:noFill/>
           </p:spPr>
-          <p:txBody>
-            <a:bodyPr wrap="square" rtlCol="0">
-              <a:spAutoFit/>
-            </a:bodyPr>
-            <a:lstStyle/>
-            <a:p>
-              <a:r>
-                <a:rPr lang="en-US" sz="1600" b="1" dirty="0">
-                  <a:solidFill>
-                    <a:schemeClr val="tx1">
-                      <a:lumMod val="75000"/>
-                      <a:lumOff val="25000"/>
-                    </a:schemeClr>
-                  </a:solidFill>
-                  <a:latin typeface="Helvetica" pitchFamily="2" charset="0"/>
-                  <a:cs typeface="Arial"/>
-                </a:rPr>
-                <a:t>B</a:t>
-              </a:r>
-            </a:p>
-          </p:txBody>
-        </p:sp>
+        </p:pic>
+        <p:pic>
+          <p:nvPicPr>
+            <p:cNvPr id="10" name="Picture 9">
+              <a:extLst>
+                <a:ext uri="{FF2B5EF4-FFF2-40B4-BE49-F238E27FC236}">
+                  <a16:creationId xmlns:a16="http://schemas.microsoft.com/office/drawing/2014/main" id="{58F40DF1-4DCE-8749-A3E0-62BD9578FECD}"/>
+                </a:ext>
+              </a:extLst>
+            </p:cNvPr>
+            <p:cNvPicPr>
+              <a:picLocks noChangeAspect="1"/>
+            </p:cNvPicPr>
+            <p:nvPr/>
+          </p:nvPicPr>
+          <p:blipFill>
+            <a:blip r:embed="rId12"/>
+            <a:stretch>
+              <a:fillRect/>
+            </a:stretch>
+          </p:blipFill>
+          <p:spPr>
+            <a:xfrm>
+              <a:off x="5307209" y="4282494"/>
+              <a:ext cx="1569040" cy="815085"/>
+            </a:xfrm>
+            <a:prstGeom prst="rect">
+              <a:avLst/>
+            </a:prstGeom>
+          </p:spPr>
+        </p:pic>
       </p:grpSp>
     </p:spTree>
     <p:extLst>
